--- a/presentation.pptx
+++ b/presentation.pptx
@@ -5,7 +5,7 @@
     <p:sldMasterId id="2147483750" r:id="rId1"/>
   </p:sldMasterIdLst>
   <p:notesMasterIdLst>
-    <p:notesMasterId r:id="rId14"/>
+    <p:notesMasterId r:id="rId21"/>
   </p:notesMasterIdLst>
   <p:sldIdLst>
     <p:sldId id="270" r:id="rId2"/>
@@ -18,8 +18,15 @@
     <p:sldId id="280" r:id="rId9"/>
     <p:sldId id="281" r:id="rId10"/>
     <p:sldId id="272" r:id="rId11"/>
-    <p:sldId id="273" r:id="rId12"/>
-    <p:sldId id="274" r:id="rId13"/>
+    <p:sldId id="282" r:id="rId12"/>
+    <p:sldId id="284" r:id="rId13"/>
+    <p:sldId id="287" r:id="rId14"/>
+    <p:sldId id="289" r:id="rId15"/>
+    <p:sldId id="290" r:id="rId16"/>
+    <p:sldId id="291" r:id="rId17"/>
+    <p:sldId id="288" r:id="rId18"/>
+    <p:sldId id="273" r:id="rId19"/>
+    <p:sldId id="274" r:id="rId20"/>
   </p:sldIdLst>
   <p:sldSz cx="12192000" cy="6858000"/>
   <p:notesSz cx="6858000" cy="9144000"/>
@@ -208,7 +215,7 @@
           <a:p>
             <a:fld id="{9172EE2B-8A15-4E0B-978F-340F070E54BF}" type="datetimeFigureOut">
               <a:rPr lang="el-GR" smtClean="0"/>
-              <a:t>10/11/2020</a:t>
+              <a:t>15/11/2020</a:t>
             </a:fld>
             <a:endParaRPr lang="el-GR"/>
           </a:p>
@@ -272,38 +279,37 @@
           <a:p>
             <a:pPr lvl="0"/>
             <a:r>
-              <a:rPr lang="el-GR" smtClean="0"/>
+              <a:rPr lang="el-GR"/>
               <a:t>Επεξεργασία στυλ υποδείγματος κειμένου</a:t>
             </a:r>
           </a:p>
           <a:p>
             <a:pPr lvl="1"/>
             <a:r>
-              <a:rPr lang="el-GR" smtClean="0"/>
+              <a:rPr lang="el-GR"/>
               <a:t>Δεύτερου επιπέδου</a:t>
             </a:r>
           </a:p>
           <a:p>
             <a:pPr lvl="2"/>
             <a:r>
-              <a:rPr lang="el-GR" smtClean="0"/>
+              <a:rPr lang="el-GR"/>
               <a:t>Τρίτου επιπέδου</a:t>
             </a:r>
           </a:p>
           <a:p>
             <a:pPr lvl="3"/>
             <a:r>
-              <a:rPr lang="el-GR" smtClean="0"/>
+              <a:rPr lang="el-GR"/>
               <a:t>Τέταρτου επιπέδου</a:t>
             </a:r>
           </a:p>
           <a:p>
             <a:pPr lvl="4"/>
             <a:r>
-              <a:rPr lang="el-GR" smtClean="0"/>
+              <a:rPr lang="el-GR"/>
               <a:t>Πέμπτου επιπέδου</a:t>
             </a:r>
-            <a:endParaRPr lang="el-GR"/>
           </a:p>
         </p:txBody>
       </p:sp>
@@ -518,10 +524,9 @@
           </a:lstStyle>
           <a:p>
             <a:r>
-              <a:rPr lang="el-GR" smtClean="0"/>
+              <a:rPr lang="el-GR"/>
               <a:t>Στυλ κύριου τίτλου</a:t>
             </a:r>
-            <a:endParaRPr lang="el-GR"/>
           </a:p>
         </p:txBody>
       </p:sp>
@@ -583,10 +588,9 @@
           </a:lstStyle>
           <a:p>
             <a:r>
-              <a:rPr lang="el-GR" smtClean="0"/>
+              <a:rPr lang="el-GR"/>
               <a:t>Κάντε κλικ για να επεξεργαστείτε τον υπότιτλο του υποδείγματος</a:t>
             </a:r>
-            <a:endParaRPr lang="el-GR"/>
           </a:p>
         </p:txBody>
       </p:sp>
@@ -607,7 +611,7 @@
           <a:p>
             <a:fld id="{5B0E12DF-B0BC-4B67-81CB-0CED58159EE1}" type="datetimeFigureOut">
               <a:rPr lang="el-GR" smtClean="0"/>
-              <a:t>10/11/2020</a:t>
+              <a:t>15/11/2020</a:t>
             </a:fld>
             <a:endParaRPr lang="el-GR"/>
           </a:p>
@@ -701,10 +705,9 @@
           <a:lstStyle/>
           <a:p>
             <a:r>
-              <a:rPr lang="el-GR" smtClean="0"/>
+              <a:rPr lang="el-GR"/>
               <a:t>Στυλ κύριου τίτλου</a:t>
             </a:r>
-            <a:endParaRPr lang="el-GR"/>
           </a:p>
         </p:txBody>
       </p:sp>
@@ -725,38 +728,37 @@
           <a:p>
             <a:pPr lvl="0"/>
             <a:r>
-              <a:rPr lang="el-GR" smtClean="0"/>
+              <a:rPr lang="el-GR"/>
               <a:t>Επεξεργασία στυλ υποδείγματος κειμένου</a:t>
             </a:r>
           </a:p>
           <a:p>
             <a:pPr lvl="1"/>
             <a:r>
-              <a:rPr lang="el-GR" smtClean="0"/>
+              <a:rPr lang="el-GR"/>
               <a:t>Δεύτερου επιπέδου</a:t>
             </a:r>
           </a:p>
           <a:p>
             <a:pPr lvl="2"/>
             <a:r>
-              <a:rPr lang="el-GR" smtClean="0"/>
+              <a:rPr lang="el-GR"/>
               <a:t>Τρίτου επιπέδου</a:t>
             </a:r>
           </a:p>
           <a:p>
             <a:pPr lvl="3"/>
             <a:r>
-              <a:rPr lang="el-GR" smtClean="0"/>
+              <a:rPr lang="el-GR"/>
               <a:t>Τέταρτου επιπέδου</a:t>
             </a:r>
           </a:p>
           <a:p>
             <a:pPr lvl="4"/>
             <a:r>
-              <a:rPr lang="el-GR" smtClean="0"/>
+              <a:rPr lang="el-GR"/>
               <a:t>Πέμπτου επιπέδου</a:t>
             </a:r>
-            <a:endParaRPr lang="el-GR"/>
           </a:p>
         </p:txBody>
       </p:sp>
@@ -777,7 +779,7 @@
           <a:p>
             <a:fld id="{5B0E12DF-B0BC-4B67-81CB-0CED58159EE1}" type="datetimeFigureOut">
               <a:rPr lang="el-GR" smtClean="0"/>
-              <a:t>10/11/2020</a:t>
+              <a:t>15/11/2020</a:t>
             </a:fld>
             <a:endParaRPr lang="el-GR"/>
           </a:p>
@@ -876,10 +878,9 @@
           <a:lstStyle/>
           <a:p>
             <a:r>
-              <a:rPr lang="el-GR" smtClean="0"/>
+              <a:rPr lang="el-GR"/>
               <a:t>Στυλ κύριου τίτλου</a:t>
             </a:r>
-            <a:endParaRPr lang="el-GR"/>
           </a:p>
         </p:txBody>
       </p:sp>
@@ -905,38 +906,37 @@
           <a:p>
             <a:pPr lvl="0"/>
             <a:r>
-              <a:rPr lang="el-GR" smtClean="0"/>
+              <a:rPr lang="el-GR"/>
               <a:t>Επεξεργασία στυλ υποδείγματος κειμένου</a:t>
             </a:r>
           </a:p>
           <a:p>
             <a:pPr lvl="1"/>
             <a:r>
-              <a:rPr lang="el-GR" smtClean="0"/>
+              <a:rPr lang="el-GR"/>
               <a:t>Δεύτερου επιπέδου</a:t>
             </a:r>
           </a:p>
           <a:p>
             <a:pPr lvl="2"/>
             <a:r>
-              <a:rPr lang="el-GR" smtClean="0"/>
+              <a:rPr lang="el-GR"/>
               <a:t>Τρίτου επιπέδου</a:t>
             </a:r>
           </a:p>
           <a:p>
             <a:pPr lvl="3"/>
             <a:r>
-              <a:rPr lang="el-GR" smtClean="0"/>
+              <a:rPr lang="el-GR"/>
               <a:t>Τέταρτου επιπέδου</a:t>
             </a:r>
           </a:p>
           <a:p>
             <a:pPr lvl="4"/>
             <a:r>
-              <a:rPr lang="el-GR" smtClean="0"/>
+              <a:rPr lang="el-GR"/>
               <a:t>Πέμπτου επιπέδου</a:t>
             </a:r>
-            <a:endParaRPr lang="el-GR"/>
           </a:p>
         </p:txBody>
       </p:sp>
@@ -957,7 +957,7 @@
           <a:p>
             <a:fld id="{5B0E12DF-B0BC-4B67-81CB-0CED58159EE1}" type="datetimeFigureOut">
               <a:rPr lang="el-GR" smtClean="0"/>
-              <a:t>10/11/2020</a:t>
+              <a:t>15/11/2020</a:t>
             </a:fld>
             <a:endParaRPr lang="el-GR"/>
           </a:p>
@@ -1051,10 +1051,9 @@
           <a:lstStyle/>
           <a:p>
             <a:r>
-              <a:rPr lang="el-GR" smtClean="0"/>
+              <a:rPr lang="el-GR"/>
               <a:t>Στυλ κύριου τίτλου</a:t>
             </a:r>
-            <a:endParaRPr lang="el-GR"/>
           </a:p>
         </p:txBody>
       </p:sp>
@@ -1075,38 +1074,37 @@
           <a:p>
             <a:pPr lvl="0"/>
             <a:r>
-              <a:rPr lang="el-GR" smtClean="0"/>
+              <a:rPr lang="el-GR"/>
               <a:t>Επεξεργασία στυλ υποδείγματος κειμένου</a:t>
             </a:r>
           </a:p>
           <a:p>
             <a:pPr lvl="1"/>
             <a:r>
-              <a:rPr lang="el-GR" smtClean="0"/>
+              <a:rPr lang="el-GR"/>
               <a:t>Δεύτερου επιπέδου</a:t>
             </a:r>
           </a:p>
           <a:p>
             <a:pPr lvl="2"/>
             <a:r>
-              <a:rPr lang="el-GR" smtClean="0"/>
+              <a:rPr lang="el-GR"/>
               <a:t>Τρίτου επιπέδου</a:t>
             </a:r>
           </a:p>
           <a:p>
             <a:pPr lvl="3"/>
             <a:r>
-              <a:rPr lang="el-GR" smtClean="0"/>
+              <a:rPr lang="el-GR"/>
               <a:t>Τέταρτου επιπέδου</a:t>
             </a:r>
           </a:p>
           <a:p>
             <a:pPr lvl="4"/>
             <a:r>
-              <a:rPr lang="el-GR" smtClean="0"/>
+              <a:rPr lang="el-GR"/>
               <a:t>Πέμπτου επιπέδου</a:t>
             </a:r>
-            <a:endParaRPr lang="el-GR"/>
           </a:p>
         </p:txBody>
       </p:sp>
@@ -1127,7 +1125,7 @@
           <a:p>
             <a:fld id="{5B0E12DF-B0BC-4B67-81CB-0CED58159EE1}" type="datetimeFigureOut">
               <a:rPr lang="el-GR" smtClean="0"/>
-              <a:t>10/11/2020</a:t>
+              <a:t>15/11/2020</a:t>
             </a:fld>
             <a:endParaRPr lang="el-GR"/>
           </a:p>
@@ -1230,10 +1228,9 @@
           </a:lstStyle>
           <a:p>
             <a:r>
-              <a:rPr lang="el-GR" smtClean="0"/>
+              <a:rPr lang="el-GR"/>
               <a:t>Στυλ κύριου τίτλου</a:t>
             </a:r>
-            <a:endParaRPr lang="el-GR"/>
           </a:p>
         </p:txBody>
       </p:sp>
@@ -1350,7 +1347,7 @@
           <a:p>
             <a:pPr lvl="0"/>
             <a:r>
-              <a:rPr lang="el-GR" smtClean="0"/>
+              <a:rPr lang="el-GR"/>
               <a:t>Επεξεργασία στυλ υποδείγματος κειμένου</a:t>
             </a:r>
           </a:p>
@@ -1373,7 +1370,7 @@
           <a:p>
             <a:fld id="{5B0E12DF-B0BC-4B67-81CB-0CED58159EE1}" type="datetimeFigureOut">
               <a:rPr lang="el-GR" smtClean="0"/>
-              <a:t>10/11/2020</a:t>
+              <a:t>15/11/2020</a:t>
             </a:fld>
             <a:endParaRPr lang="el-GR"/>
           </a:p>
@@ -1467,10 +1464,9 @@
           <a:lstStyle/>
           <a:p>
             <a:r>
-              <a:rPr lang="el-GR" smtClean="0"/>
+              <a:rPr lang="el-GR"/>
               <a:t>Στυλ κύριου τίτλου</a:t>
             </a:r>
-            <a:endParaRPr lang="el-GR"/>
           </a:p>
         </p:txBody>
       </p:sp>
@@ -1496,38 +1492,37 @@
           <a:p>
             <a:pPr lvl="0"/>
             <a:r>
-              <a:rPr lang="el-GR" smtClean="0"/>
+              <a:rPr lang="el-GR"/>
               <a:t>Επεξεργασία στυλ υποδείγματος κειμένου</a:t>
             </a:r>
           </a:p>
           <a:p>
             <a:pPr lvl="1"/>
             <a:r>
-              <a:rPr lang="el-GR" smtClean="0"/>
+              <a:rPr lang="el-GR"/>
               <a:t>Δεύτερου επιπέδου</a:t>
             </a:r>
           </a:p>
           <a:p>
             <a:pPr lvl="2"/>
             <a:r>
-              <a:rPr lang="el-GR" smtClean="0"/>
+              <a:rPr lang="el-GR"/>
               <a:t>Τρίτου επιπέδου</a:t>
             </a:r>
           </a:p>
           <a:p>
             <a:pPr lvl="3"/>
             <a:r>
-              <a:rPr lang="el-GR" smtClean="0"/>
+              <a:rPr lang="el-GR"/>
               <a:t>Τέταρτου επιπέδου</a:t>
             </a:r>
           </a:p>
           <a:p>
             <a:pPr lvl="4"/>
             <a:r>
-              <a:rPr lang="el-GR" smtClean="0"/>
+              <a:rPr lang="el-GR"/>
               <a:t>Πέμπτου επιπέδου</a:t>
             </a:r>
-            <a:endParaRPr lang="el-GR"/>
           </a:p>
         </p:txBody>
       </p:sp>
@@ -1553,38 +1548,37 @@
           <a:p>
             <a:pPr lvl="0"/>
             <a:r>
-              <a:rPr lang="el-GR" smtClean="0"/>
+              <a:rPr lang="el-GR"/>
               <a:t>Επεξεργασία στυλ υποδείγματος κειμένου</a:t>
             </a:r>
           </a:p>
           <a:p>
             <a:pPr lvl="1"/>
             <a:r>
-              <a:rPr lang="el-GR" smtClean="0"/>
+              <a:rPr lang="el-GR"/>
               <a:t>Δεύτερου επιπέδου</a:t>
             </a:r>
           </a:p>
           <a:p>
             <a:pPr lvl="2"/>
             <a:r>
-              <a:rPr lang="el-GR" smtClean="0"/>
+              <a:rPr lang="el-GR"/>
               <a:t>Τρίτου επιπέδου</a:t>
             </a:r>
           </a:p>
           <a:p>
             <a:pPr lvl="3"/>
             <a:r>
-              <a:rPr lang="el-GR" smtClean="0"/>
+              <a:rPr lang="el-GR"/>
               <a:t>Τέταρτου επιπέδου</a:t>
             </a:r>
           </a:p>
           <a:p>
             <a:pPr lvl="4"/>
             <a:r>
-              <a:rPr lang="el-GR" smtClean="0"/>
+              <a:rPr lang="el-GR"/>
               <a:t>Πέμπτου επιπέδου</a:t>
             </a:r>
-            <a:endParaRPr lang="el-GR"/>
           </a:p>
         </p:txBody>
       </p:sp>
@@ -1605,7 +1599,7 @@
           <a:p>
             <a:fld id="{5B0E12DF-B0BC-4B67-81CB-0CED58159EE1}" type="datetimeFigureOut">
               <a:rPr lang="el-GR" smtClean="0"/>
-              <a:t>10/11/2020</a:t>
+              <a:t>15/11/2020</a:t>
             </a:fld>
             <a:endParaRPr lang="el-GR"/>
           </a:p>
@@ -1704,10 +1698,9 @@
           <a:lstStyle/>
           <a:p>
             <a:r>
-              <a:rPr lang="el-GR" smtClean="0"/>
+              <a:rPr lang="el-GR"/>
               <a:t>Στυλ κύριου τίτλου</a:t>
             </a:r>
-            <a:endParaRPr lang="el-GR"/>
           </a:p>
         </p:txBody>
       </p:sp>
@@ -1770,7 +1763,7 @@
           <a:p>
             <a:pPr lvl="0"/>
             <a:r>
-              <a:rPr lang="el-GR" smtClean="0"/>
+              <a:rPr lang="el-GR"/>
               <a:t>Επεξεργασία στυλ υποδείγματος κειμένου</a:t>
             </a:r>
           </a:p>
@@ -1798,38 +1791,37 @@
           <a:p>
             <a:pPr lvl="0"/>
             <a:r>
-              <a:rPr lang="el-GR" smtClean="0"/>
+              <a:rPr lang="el-GR"/>
               <a:t>Επεξεργασία στυλ υποδείγματος κειμένου</a:t>
             </a:r>
           </a:p>
           <a:p>
             <a:pPr lvl="1"/>
             <a:r>
-              <a:rPr lang="el-GR" smtClean="0"/>
+              <a:rPr lang="el-GR"/>
               <a:t>Δεύτερου επιπέδου</a:t>
             </a:r>
           </a:p>
           <a:p>
             <a:pPr lvl="2"/>
             <a:r>
-              <a:rPr lang="el-GR" smtClean="0"/>
+              <a:rPr lang="el-GR"/>
               <a:t>Τρίτου επιπέδου</a:t>
             </a:r>
           </a:p>
           <a:p>
             <a:pPr lvl="3"/>
             <a:r>
-              <a:rPr lang="el-GR" smtClean="0"/>
+              <a:rPr lang="el-GR"/>
               <a:t>Τέταρτου επιπέδου</a:t>
             </a:r>
           </a:p>
           <a:p>
             <a:pPr lvl="4"/>
             <a:r>
-              <a:rPr lang="el-GR" smtClean="0"/>
+              <a:rPr lang="el-GR"/>
               <a:t>Πέμπτου επιπέδου</a:t>
             </a:r>
-            <a:endParaRPr lang="el-GR"/>
           </a:p>
         </p:txBody>
       </p:sp>
@@ -1892,7 +1884,7 @@
           <a:p>
             <a:pPr lvl="0"/>
             <a:r>
-              <a:rPr lang="el-GR" smtClean="0"/>
+              <a:rPr lang="el-GR"/>
               <a:t>Επεξεργασία στυλ υποδείγματος κειμένου</a:t>
             </a:r>
           </a:p>
@@ -1920,38 +1912,37 @@
           <a:p>
             <a:pPr lvl="0"/>
             <a:r>
-              <a:rPr lang="el-GR" smtClean="0"/>
+              <a:rPr lang="el-GR"/>
               <a:t>Επεξεργασία στυλ υποδείγματος κειμένου</a:t>
             </a:r>
           </a:p>
           <a:p>
             <a:pPr lvl="1"/>
             <a:r>
-              <a:rPr lang="el-GR" smtClean="0"/>
+              <a:rPr lang="el-GR"/>
               <a:t>Δεύτερου επιπέδου</a:t>
             </a:r>
           </a:p>
           <a:p>
             <a:pPr lvl="2"/>
             <a:r>
-              <a:rPr lang="el-GR" smtClean="0"/>
+              <a:rPr lang="el-GR"/>
               <a:t>Τρίτου επιπέδου</a:t>
             </a:r>
           </a:p>
           <a:p>
             <a:pPr lvl="3"/>
             <a:r>
-              <a:rPr lang="el-GR" smtClean="0"/>
+              <a:rPr lang="el-GR"/>
               <a:t>Τέταρτου επιπέδου</a:t>
             </a:r>
           </a:p>
           <a:p>
             <a:pPr lvl="4"/>
             <a:r>
-              <a:rPr lang="el-GR" smtClean="0"/>
+              <a:rPr lang="el-GR"/>
               <a:t>Πέμπτου επιπέδου</a:t>
             </a:r>
-            <a:endParaRPr lang="el-GR"/>
           </a:p>
         </p:txBody>
       </p:sp>
@@ -1972,7 +1963,7 @@
           <a:p>
             <a:fld id="{5B0E12DF-B0BC-4B67-81CB-0CED58159EE1}" type="datetimeFigureOut">
               <a:rPr lang="el-GR" smtClean="0"/>
-              <a:t>10/11/2020</a:t>
+              <a:t>15/11/2020</a:t>
             </a:fld>
             <a:endParaRPr lang="el-GR"/>
           </a:p>
@@ -2066,10 +2057,9 @@
           <a:lstStyle/>
           <a:p>
             <a:r>
-              <a:rPr lang="el-GR" smtClean="0"/>
+              <a:rPr lang="el-GR"/>
               <a:t>Στυλ κύριου τίτλου</a:t>
             </a:r>
-            <a:endParaRPr lang="el-GR"/>
           </a:p>
         </p:txBody>
       </p:sp>
@@ -2090,7 +2080,7 @@
           <a:p>
             <a:fld id="{5B0E12DF-B0BC-4B67-81CB-0CED58159EE1}" type="datetimeFigureOut">
               <a:rPr lang="el-GR" smtClean="0"/>
-              <a:t>10/11/2020</a:t>
+              <a:t>15/11/2020</a:t>
             </a:fld>
             <a:endParaRPr lang="el-GR"/>
           </a:p>
@@ -2185,7 +2175,7 @@
           <a:p>
             <a:fld id="{5B0E12DF-B0BC-4B67-81CB-0CED58159EE1}" type="datetimeFigureOut">
               <a:rPr lang="el-GR" smtClean="0"/>
-              <a:t>10/11/2020</a:t>
+              <a:t>15/11/2020</a:t>
             </a:fld>
             <a:endParaRPr lang="el-GR"/>
           </a:p>
@@ -2288,10 +2278,9 @@
           </a:lstStyle>
           <a:p>
             <a:r>
-              <a:rPr lang="el-GR" smtClean="0"/>
+              <a:rPr lang="el-GR"/>
               <a:t>Στυλ κύριου τίτλου</a:t>
             </a:r>
-            <a:endParaRPr lang="el-GR"/>
           </a:p>
         </p:txBody>
       </p:sp>
@@ -2345,38 +2334,37 @@
           <a:p>
             <a:pPr lvl="0"/>
             <a:r>
-              <a:rPr lang="el-GR" smtClean="0"/>
+              <a:rPr lang="el-GR"/>
               <a:t>Επεξεργασία στυλ υποδείγματος κειμένου</a:t>
             </a:r>
           </a:p>
           <a:p>
             <a:pPr lvl="1"/>
             <a:r>
-              <a:rPr lang="el-GR" smtClean="0"/>
+              <a:rPr lang="el-GR"/>
               <a:t>Δεύτερου επιπέδου</a:t>
             </a:r>
           </a:p>
           <a:p>
             <a:pPr lvl="2"/>
             <a:r>
-              <a:rPr lang="el-GR" smtClean="0"/>
+              <a:rPr lang="el-GR"/>
               <a:t>Τρίτου επιπέδου</a:t>
             </a:r>
           </a:p>
           <a:p>
             <a:pPr lvl="3"/>
             <a:r>
-              <a:rPr lang="el-GR" smtClean="0"/>
+              <a:rPr lang="el-GR"/>
               <a:t>Τέταρτου επιπέδου</a:t>
             </a:r>
           </a:p>
           <a:p>
             <a:pPr lvl="4"/>
             <a:r>
-              <a:rPr lang="el-GR" smtClean="0"/>
+              <a:rPr lang="el-GR"/>
               <a:t>Πέμπτου επιπέδου</a:t>
             </a:r>
-            <a:endParaRPr lang="el-GR"/>
           </a:p>
         </p:txBody>
       </p:sp>
@@ -2439,7 +2427,7 @@
           <a:p>
             <a:pPr lvl="0"/>
             <a:r>
-              <a:rPr lang="el-GR" smtClean="0"/>
+              <a:rPr lang="el-GR"/>
               <a:t>Επεξεργασία στυλ υποδείγματος κειμένου</a:t>
             </a:r>
           </a:p>
@@ -2462,7 +2450,7 @@
           <a:p>
             <a:fld id="{5B0E12DF-B0BC-4B67-81CB-0CED58159EE1}" type="datetimeFigureOut">
               <a:rPr lang="el-GR" smtClean="0"/>
-              <a:t>10/11/2020</a:t>
+              <a:t>15/11/2020</a:t>
             </a:fld>
             <a:endParaRPr lang="el-GR"/>
           </a:p>
@@ -2565,10 +2553,9 @@
           </a:lstStyle>
           <a:p>
             <a:r>
-              <a:rPr lang="el-GR" smtClean="0"/>
+              <a:rPr lang="el-GR"/>
               <a:t>Στυλ κύριου τίτλου</a:t>
             </a:r>
-            <a:endParaRPr lang="el-GR"/>
           </a:p>
         </p:txBody>
       </p:sp>
@@ -2692,7 +2679,7 @@
           <a:p>
             <a:pPr lvl="0"/>
             <a:r>
-              <a:rPr lang="el-GR" smtClean="0"/>
+              <a:rPr lang="el-GR"/>
               <a:t>Επεξεργασία στυλ υποδείγματος κειμένου</a:t>
             </a:r>
           </a:p>
@@ -2715,7 +2702,7 @@
           <a:p>
             <a:fld id="{5B0E12DF-B0BC-4B67-81CB-0CED58159EE1}" type="datetimeFigureOut">
               <a:rPr lang="el-GR" smtClean="0"/>
-              <a:t>10/11/2020</a:t>
+              <a:t>15/11/2020</a:t>
             </a:fld>
             <a:endParaRPr lang="el-GR"/>
           </a:p>
@@ -2824,10 +2811,9 @@
           <a:lstStyle/>
           <a:p>
             <a:r>
-              <a:rPr lang="el-GR" smtClean="0"/>
+              <a:rPr lang="el-GR"/>
               <a:t>Στυλ κύριου τίτλου</a:t>
             </a:r>
-            <a:endParaRPr lang="el-GR"/>
           </a:p>
         </p:txBody>
       </p:sp>
@@ -2858,38 +2844,37 @@
           <a:p>
             <a:pPr lvl="0"/>
             <a:r>
-              <a:rPr lang="el-GR" smtClean="0"/>
+              <a:rPr lang="el-GR"/>
               <a:t>Επεξεργασία στυλ υποδείγματος κειμένου</a:t>
             </a:r>
           </a:p>
           <a:p>
             <a:pPr lvl="1"/>
             <a:r>
-              <a:rPr lang="el-GR" smtClean="0"/>
+              <a:rPr lang="el-GR"/>
               <a:t>Δεύτερου επιπέδου</a:t>
             </a:r>
           </a:p>
           <a:p>
             <a:pPr lvl="2"/>
             <a:r>
-              <a:rPr lang="el-GR" smtClean="0"/>
+              <a:rPr lang="el-GR"/>
               <a:t>Τρίτου επιπέδου</a:t>
             </a:r>
           </a:p>
           <a:p>
             <a:pPr lvl="3"/>
             <a:r>
-              <a:rPr lang="el-GR" smtClean="0"/>
+              <a:rPr lang="el-GR"/>
               <a:t>Τέταρτου επιπέδου</a:t>
             </a:r>
           </a:p>
           <a:p>
             <a:pPr lvl="4"/>
             <a:r>
-              <a:rPr lang="el-GR" smtClean="0"/>
+              <a:rPr lang="el-GR"/>
               <a:t>Πέμπτου επιπέδου</a:t>
             </a:r>
-            <a:endParaRPr lang="el-GR"/>
           </a:p>
         </p:txBody>
       </p:sp>
@@ -2928,7 +2913,7 @@
           <a:p>
             <a:fld id="{5B0E12DF-B0BC-4B67-81CB-0CED58159EE1}" type="datetimeFigureOut">
               <a:rPr lang="el-GR" smtClean="0"/>
-              <a:t>10/11/2020</a:t>
+              <a:t>15/11/2020</a:t>
             </a:fld>
             <a:endParaRPr lang="el-GR"/>
           </a:p>
@@ -3356,7 +3341,7 @@
           <a:lstStyle/>
           <a:p>
             <a:r>
-              <a:rPr lang="en-US" dirty="0" smtClean="0"/>
+              <a:rPr lang="en-US" dirty="0"/>
               <a:t>BIOLOGICAL</a:t>
             </a:r>
             <a:endParaRPr lang="el-GR" dirty="0"/>
@@ -3390,7 +3375,7 @@
               <a:buChar char="•"/>
             </a:pPr>
             <a:r>
-              <a:rPr lang="en-US" dirty="0" smtClean="0"/>
+              <a:rPr lang="en-US" dirty="0"/>
               <a:t>What is an allele</a:t>
             </a:r>
           </a:p>
@@ -3400,12 +3385,12 @@
               <a:buChar char="•"/>
             </a:pPr>
             <a:r>
-              <a:rPr lang="en-US" dirty="0" smtClean="0"/>
+              <a:rPr lang="en-US" dirty="0"/>
               <a:t>Allele specific expression</a:t>
             </a:r>
           </a:p>
           <a:p>
-            <a:endParaRPr lang="en-US" dirty="0" smtClean="0"/>
+            <a:endParaRPr lang="en-US" dirty="0"/>
           </a:p>
           <a:p>
             <a:pPr marL="285750" indent="-285750">
@@ -3413,7 +3398,7 @@
               <a:buChar char="•"/>
             </a:pPr>
             <a:r>
-              <a:rPr lang="en-US" dirty="0" smtClean="0"/>
+              <a:rPr lang="en-US" dirty="0"/>
               <a:t>Extreme example: X chromosome</a:t>
             </a:r>
           </a:p>
@@ -3423,7 +3408,7 @@
               <a:buChar char="•"/>
             </a:pPr>
             <a:r>
-              <a:rPr lang="en-US" dirty="0" smtClean="0"/>
+              <a:rPr lang="en-US" dirty="0"/>
               <a:t>Why it matters</a:t>
             </a:r>
           </a:p>
@@ -3433,16 +3418,8 @@
               <a:buChar char="•"/>
             </a:pPr>
             <a:r>
-              <a:rPr lang="en-US" dirty="0" smtClean="0"/>
-              <a:t>Allele specific expr. </a:t>
-            </a:r>
-            <a:r>
               <a:rPr lang="en-US" dirty="0"/>
-              <a:t> </a:t>
-            </a:r>
-            <a:r>
-              <a:rPr lang="en-US" dirty="0" smtClean="0"/>
-              <a:t>-&gt;transcriptional regulation, cancer, metabolic diseases</a:t>
+              <a:t>Allele specific expr.  -&gt;transcriptional regulation, cancer, metabolic diseases</a:t>
             </a:r>
             <a:endParaRPr lang="el-GR" dirty="0"/>
           </a:p>
@@ -3577,7 +3554,7 @@
           <a:lstStyle/>
           <a:p>
             <a:r>
-              <a:rPr lang="en-US" dirty="0" smtClean="0"/>
+              <a:rPr lang="en-US" dirty="0"/>
               <a:t>Results</a:t>
             </a:r>
             <a:endParaRPr lang="el-GR" dirty="0"/>
@@ -3611,7 +3588,7 @@
               <a:buChar char="•"/>
             </a:pPr>
             <a:r>
-              <a:rPr lang="en-US" dirty="0" smtClean="0"/>
+              <a:rPr lang="en-US" dirty="0"/>
               <a:t>Figure 2</a:t>
             </a:r>
           </a:p>
@@ -3621,7 +3598,7 @@
               <a:buChar char="•"/>
             </a:pPr>
             <a:r>
-              <a:rPr lang="en-US" dirty="0" smtClean="0"/>
+              <a:rPr lang="en-US" dirty="0"/>
               <a:t>Figure 6</a:t>
             </a:r>
             <a:endParaRPr lang="el-GR" dirty="0"/>
@@ -3642,6 +3619,3335 @@
 </file>
 
 <file path=ppt/slides/slide11.xml><?xml version="1.0" encoding="utf-8"?>
+<p:sld xmlns:a="http://schemas.openxmlformats.org/drawingml/2006/main" xmlns:r="http://schemas.openxmlformats.org/officeDocument/2006/relationships" xmlns:p="http://schemas.openxmlformats.org/presentationml/2006/main">
+  <p:cSld>
+    <p:spTree>
+      <p:nvGrpSpPr>
+        <p:cNvPr id="1" name=""/>
+        <p:cNvGrpSpPr/>
+        <p:nvPr/>
+      </p:nvGrpSpPr>
+      <p:grpSpPr>
+        <a:xfrm>
+          <a:off x="0" y="0"/>
+          <a:ext cx="0" cy="0"/>
+          <a:chOff x="0" y="0"/>
+          <a:chExt cx="0" cy="0"/>
+        </a:xfrm>
+      </p:grpSpPr>
+      <p:pic>
+        <p:nvPicPr>
+          <p:cNvPr id="5" name="Content Placeholder 4" descr="Map&#10;&#10;Description automatically generated">
+            <a:extLst>
+              <a:ext uri="{FF2B5EF4-FFF2-40B4-BE49-F238E27FC236}">
+                <a16:creationId xmlns:a16="http://schemas.microsoft.com/office/drawing/2014/main" id="{ECF06A25-3BC3-4FD8-A16E-2DB351BFC1C7}"/>
+              </a:ext>
+            </a:extLst>
+          </p:cNvPr>
+          <p:cNvPicPr>
+            <a:picLocks noGrp="1" noChangeAspect="1"/>
+          </p:cNvPicPr>
+          <p:nvPr>
+            <p:ph idx="1"/>
+          </p:nvPr>
+        </p:nvPicPr>
+        <p:blipFill rotWithShape="1">
+          <a:blip r:embed="rId2">
+            <a:extLst>
+              <a:ext uri="{28A0092B-C50C-407E-A947-70E740481C1C}">
+                <a14:useLocalDpi xmlns:a14="http://schemas.microsoft.com/office/drawing/2010/main" val="0"/>
+              </a:ext>
+            </a:extLst>
+          </a:blip>
+          <a:srcRect l="52225" t="6183"/>
+          <a:stretch/>
+        </p:blipFill>
+        <p:spPr>
+          <a:xfrm>
+            <a:off x="6091003" y="2374083"/>
+            <a:ext cx="4164942" cy="4082305"/>
+          </a:xfrm>
+        </p:spPr>
+      </p:pic>
+      <p:pic>
+        <p:nvPicPr>
+          <p:cNvPr id="6" name="Content Placeholder 4" descr="Map&#10;&#10;Description automatically generated">
+            <a:extLst>
+              <a:ext uri="{FF2B5EF4-FFF2-40B4-BE49-F238E27FC236}">
+                <a16:creationId xmlns:a16="http://schemas.microsoft.com/office/drawing/2014/main" id="{C179D979-CC7C-4EC3-9615-D0E2DFCE4A62}"/>
+              </a:ext>
+            </a:extLst>
+          </p:cNvPr>
+          <p:cNvPicPr>
+            <a:picLocks noChangeAspect="1"/>
+          </p:cNvPicPr>
+          <p:nvPr/>
+        </p:nvPicPr>
+        <p:blipFill rotWithShape="1">
+          <a:blip r:embed="rId2">
+            <a:extLst>
+              <a:ext uri="{28A0092B-C50C-407E-A947-70E740481C1C}">
+                <a14:useLocalDpi xmlns:a14="http://schemas.microsoft.com/office/drawing/2010/main" val="0"/>
+              </a:ext>
+            </a:extLst>
+          </a:blip>
+          <a:srcRect t="6183" r="49523"/>
+          <a:stretch/>
+        </p:blipFill>
+        <p:spPr>
+          <a:xfrm>
+            <a:off x="541113" y="2374084"/>
+            <a:ext cx="4400470" cy="4082304"/>
+          </a:xfrm>
+          <a:prstGeom prst="rect">
+            <a:avLst/>
+          </a:prstGeom>
+        </p:spPr>
+      </p:pic>
+      <p:sp>
+        <p:nvSpPr>
+          <p:cNvPr id="8" name="Τίτλος 1">
+            <a:extLst>
+              <a:ext uri="{FF2B5EF4-FFF2-40B4-BE49-F238E27FC236}">
+                <a16:creationId xmlns:a16="http://schemas.microsoft.com/office/drawing/2014/main" id="{7AE3A0AC-021D-4010-93DC-CBE2BAE45DD0}"/>
+              </a:ext>
+            </a:extLst>
+          </p:cNvPr>
+          <p:cNvSpPr txBox="1">
+            <a:spLocks/>
+          </p:cNvSpPr>
+          <p:nvPr/>
+        </p:nvSpPr>
+        <p:spPr>
+          <a:xfrm>
+            <a:off x="326067" y="215006"/>
+            <a:ext cx="11567160" cy="914459"/>
+          </a:xfrm>
+          <a:prstGeom prst="rect">
+            <a:avLst/>
+          </a:prstGeom>
+        </p:spPr>
+        <p:txBody>
+          <a:bodyPr vert="horz" lIns="91440" tIns="45720" rIns="91440" bIns="45720" rtlCol="0" anchor="b">
+            <a:normAutofit/>
+          </a:bodyPr>
+          <a:lstStyle>
+            <a:lvl1pPr algn="ctr" defTabSz="914400" rtl="0" eaLnBrk="1" latinLnBrk="0" hangingPunct="1">
+              <a:lnSpc>
+                <a:spcPct val="90000"/>
+              </a:lnSpc>
+              <a:spcBef>
+                <a:spcPct val="0"/>
+              </a:spcBef>
+              <a:buNone/>
+              <a:defRPr sz="6000" kern="1200">
+                <a:solidFill>
+                  <a:schemeClr val="tx1"/>
+                </a:solidFill>
+                <a:latin typeface="+mj-lt"/>
+                <a:ea typeface="+mj-ea"/>
+                <a:cs typeface="+mj-cs"/>
+              </a:defRPr>
+            </a:lvl1pPr>
+          </a:lstStyle>
+          <a:p>
+            <a:pPr algn="l"/>
+            <a:r>
+              <a:rPr lang="en-US" sz="4400" i="1" dirty="0">
+                <a:latin typeface="Book Antiqua" panose="02040602050305030304" pitchFamily="18" charset="0"/>
+              </a:rPr>
+              <a:t>Results: Unique Reads vs Weighted Allocation</a:t>
+            </a:r>
+            <a:endParaRPr lang="el-GR" sz="4400" i="1" dirty="0">
+              <a:latin typeface="Book Antiqua" panose="02040602050305030304" pitchFamily="18" charset="0"/>
+            </a:endParaRPr>
+          </a:p>
+        </p:txBody>
+      </p:sp>
+      <p:grpSp>
+        <p:nvGrpSpPr>
+          <p:cNvPr id="18" name="Group 17">
+            <a:extLst>
+              <a:ext uri="{FF2B5EF4-FFF2-40B4-BE49-F238E27FC236}">
+                <a16:creationId xmlns:a16="http://schemas.microsoft.com/office/drawing/2014/main" id="{58F0D8FB-9C3B-458A-A9E6-FD3F4F16875A}"/>
+              </a:ext>
+            </a:extLst>
+          </p:cNvPr>
+          <p:cNvGrpSpPr/>
+          <p:nvPr/>
+        </p:nvGrpSpPr>
+        <p:grpSpPr>
+          <a:xfrm>
+            <a:off x="3593712" y="2396431"/>
+            <a:ext cx="1283642" cy="473307"/>
+            <a:chOff x="3922033" y="1287732"/>
+            <a:chExt cx="1283642" cy="473307"/>
+          </a:xfrm>
+        </p:grpSpPr>
+        <p:pic>
+          <p:nvPicPr>
+            <p:cNvPr id="9" name="Content Placeholder 4" descr="Map&#10;&#10;Description automatically generated">
+              <a:extLst>
+                <a:ext uri="{FF2B5EF4-FFF2-40B4-BE49-F238E27FC236}">
+                  <a16:creationId xmlns:a16="http://schemas.microsoft.com/office/drawing/2014/main" id="{6F11F95E-FA7C-4935-95A0-D0C8E8590986}"/>
+                </a:ext>
+              </a:extLst>
+            </p:cNvPr>
+            <p:cNvPicPr>
+              <a:picLocks noChangeAspect="1"/>
+            </p:cNvPicPr>
+            <p:nvPr/>
+          </p:nvPicPr>
+          <p:blipFill rotWithShape="1">
+            <a:blip r:embed="rId2">
+              <a:extLst>
+                <a:ext uri="{28A0092B-C50C-407E-A947-70E740481C1C}">
+                  <a14:useLocalDpi xmlns:a14="http://schemas.microsoft.com/office/drawing/2010/main" val="0"/>
+                </a:ext>
+              </a:extLst>
+            </a:blip>
+            <a:srcRect l="59934" t="286" r="27927" b="94891"/>
+            <a:stretch/>
+          </p:blipFill>
+          <p:spPr>
+            <a:xfrm>
+              <a:off x="3922033" y="1307498"/>
+              <a:ext cx="909431" cy="209851"/>
+            </a:xfrm>
+            <a:prstGeom prst="rect">
+              <a:avLst/>
+            </a:prstGeom>
+          </p:spPr>
+        </p:pic>
+        <p:pic>
+          <p:nvPicPr>
+            <p:cNvPr id="11" name="Content Placeholder 4" descr="Map&#10;&#10;Description automatically generated">
+              <a:extLst>
+                <a:ext uri="{FF2B5EF4-FFF2-40B4-BE49-F238E27FC236}">
+                  <a16:creationId xmlns:a16="http://schemas.microsoft.com/office/drawing/2014/main" id="{0AF6184C-DAE8-4786-84BA-B8E100CC76D3}"/>
+                </a:ext>
+              </a:extLst>
+            </p:cNvPr>
+            <p:cNvPicPr>
+              <a:picLocks noChangeAspect="1"/>
+            </p:cNvPicPr>
+            <p:nvPr/>
+          </p:nvPicPr>
+          <p:blipFill rotWithShape="1">
+            <a:blip r:embed="rId2">
+              <a:extLst>
+                <a:ext uri="{28A0092B-C50C-407E-A947-70E740481C1C}">
+                  <a14:useLocalDpi xmlns:a14="http://schemas.microsoft.com/office/drawing/2010/main" val="0"/>
+                </a:ext>
+              </a:extLst>
+            </a:blip>
+            <a:srcRect l="78421" t="741" r="4996" b="93983"/>
+            <a:stretch/>
+          </p:blipFill>
+          <p:spPr>
+            <a:xfrm>
+              <a:off x="3922033" y="1531423"/>
+              <a:ext cx="1242292" cy="229616"/>
+            </a:xfrm>
+            <a:prstGeom prst="rect">
+              <a:avLst/>
+            </a:prstGeom>
+          </p:spPr>
+        </p:pic>
+        <p:sp>
+          <p:nvSpPr>
+            <p:cNvPr id="12" name="Rectangle 11">
+              <a:extLst>
+                <a:ext uri="{FF2B5EF4-FFF2-40B4-BE49-F238E27FC236}">
+                  <a16:creationId xmlns:a16="http://schemas.microsoft.com/office/drawing/2014/main" id="{D7972B17-AF96-44DF-AC50-04BD7CFCD6B0}"/>
+                </a:ext>
+              </a:extLst>
+            </p:cNvPr>
+            <p:cNvSpPr/>
+            <p:nvPr/>
+          </p:nvSpPr>
+          <p:spPr>
+            <a:xfrm>
+              <a:off x="3926439" y="1287732"/>
+              <a:ext cx="1279236" cy="459233"/>
+            </a:xfrm>
+            <a:prstGeom prst="rect">
+              <a:avLst/>
+            </a:prstGeom>
+            <a:noFill/>
+            <a:ln w="3175">
+              <a:solidFill>
+                <a:schemeClr val="tx1"/>
+              </a:solidFill>
+            </a:ln>
+          </p:spPr>
+          <p:style>
+            <a:lnRef idx="2">
+              <a:schemeClr val="accent1">
+                <a:shade val="50000"/>
+              </a:schemeClr>
+            </a:lnRef>
+            <a:fillRef idx="1">
+              <a:schemeClr val="accent1"/>
+            </a:fillRef>
+            <a:effectRef idx="0">
+              <a:schemeClr val="accent1"/>
+            </a:effectRef>
+            <a:fontRef idx="minor">
+              <a:schemeClr val="lt1"/>
+            </a:fontRef>
+          </p:style>
+          <p:txBody>
+            <a:bodyPr rtlCol="0" anchor="ctr"/>
+            <a:lstStyle/>
+            <a:p>
+              <a:pPr algn="ctr"/>
+              <a:endParaRPr lang="en-GB"/>
+            </a:p>
+          </p:txBody>
+        </p:sp>
+      </p:grpSp>
+      <p:grpSp>
+        <p:nvGrpSpPr>
+          <p:cNvPr id="19" name="Group 18">
+            <a:extLst>
+              <a:ext uri="{FF2B5EF4-FFF2-40B4-BE49-F238E27FC236}">
+                <a16:creationId xmlns:a16="http://schemas.microsoft.com/office/drawing/2014/main" id="{B945D682-7862-49F1-AD63-69723BD44B95}"/>
+              </a:ext>
+            </a:extLst>
+          </p:cNvPr>
+          <p:cNvGrpSpPr/>
+          <p:nvPr/>
+        </p:nvGrpSpPr>
+        <p:grpSpPr>
+          <a:xfrm>
+            <a:off x="6724336" y="2399420"/>
+            <a:ext cx="926424" cy="335392"/>
+            <a:chOff x="3922033" y="1287732"/>
+            <a:chExt cx="1283642" cy="473307"/>
+          </a:xfrm>
+        </p:grpSpPr>
+        <p:pic>
+          <p:nvPicPr>
+            <p:cNvPr id="20" name="Content Placeholder 4" descr="Map&#10;&#10;Description automatically generated">
+              <a:extLst>
+                <a:ext uri="{FF2B5EF4-FFF2-40B4-BE49-F238E27FC236}">
+                  <a16:creationId xmlns:a16="http://schemas.microsoft.com/office/drawing/2014/main" id="{7E1D692E-AFA2-4605-86E5-9C6D84705E29}"/>
+                </a:ext>
+              </a:extLst>
+            </p:cNvPr>
+            <p:cNvPicPr>
+              <a:picLocks noChangeAspect="1"/>
+            </p:cNvPicPr>
+            <p:nvPr/>
+          </p:nvPicPr>
+          <p:blipFill rotWithShape="1">
+            <a:blip r:embed="rId2">
+              <a:extLst>
+                <a:ext uri="{28A0092B-C50C-407E-A947-70E740481C1C}">
+                  <a14:useLocalDpi xmlns:a14="http://schemas.microsoft.com/office/drawing/2010/main" val="0"/>
+                </a:ext>
+              </a:extLst>
+            </a:blip>
+            <a:srcRect l="59934" t="286" r="27927" b="94891"/>
+            <a:stretch/>
+          </p:blipFill>
+          <p:spPr>
+            <a:xfrm>
+              <a:off x="3922033" y="1307498"/>
+              <a:ext cx="909431" cy="209851"/>
+            </a:xfrm>
+            <a:prstGeom prst="rect">
+              <a:avLst/>
+            </a:prstGeom>
+          </p:spPr>
+        </p:pic>
+        <p:pic>
+          <p:nvPicPr>
+            <p:cNvPr id="21" name="Content Placeholder 4" descr="Map&#10;&#10;Description automatically generated">
+              <a:extLst>
+                <a:ext uri="{FF2B5EF4-FFF2-40B4-BE49-F238E27FC236}">
+                  <a16:creationId xmlns:a16="http://schemas.microsoft.com/office/drawing/2014/main" id="{B80ED903-16F2-4CE2-9EDC-F0559AA2B64C}"/>
+                </a:ext>
+              </a:extLst>
+            </p:cNvPr>
+            <p:cNvPicPr>
+              <a:picLocks noChangeAspect="1"/>
+            </p:cNvPicPr>
+            <p:nvPr/>
+          </p:nvPicPr>
+          <p:blipFill rotWithShape="1">
+            <a:blip r:embed="rId2">
+              <a:extLst>
+                <a:ext uri="{28A0092B-C50C-407E-A947-70E740481C1C}">
+                  <a14:useLocalDpi xmlns:a14="http://schemas.microsoft.com/office/drawing/2010/main" val="0"/>
+                </a:ext>
+              </a:extLst>
+            </a:blip>
+            <a:srcRect l="78421" t="741" r="4996" b="93983"/>
+            <a:stretch/>
+          </p:blipFill>
+          <p:spPr>
+            <a:xfrm>
+              <a:off x="3922033" y="1531423"/>
+              <a:ext cx="1242292" cy="229616"/>
+            </a:xfrm>
+            <a:prstGeom prst="rect">
+              <a:avLst/>
+            </a:prstGeom>
+          </p:spPr>
+        </p:pic>
+        <p:sp>
+          <p:nvSpPr>
+            <p:cNvPr id="22" name="Rectangle 21">
+              <a:extLst>
+                <a:ext uri="{FF2B5EF4-FFF2-40B4-BE49-F238E27FC236}">
+                  <a16:creationId xmlns:a16="http://schemas.microsoft.com/office/drawing/2014/main" id="{73CEBC54-8D59-4E99-BDFA-2A2C84C56A95}"/>
+                </a:ext>
+              </a:extLst>
+            </p:cNvPr>
+            <p:cNvSpPr/>
+            <p:nvPr/>
+          </p:nvSpPr>
+          <p:spPr>
+            <a:xfrm>
+              <a:off x="3926439" y="1287732"/>
+              <a:ext cx="1279236" cy="459233"/>
+            </a:xfrm>
+            <a:prstGeom prst="rect">
+              <a:avLst/>
+            </a:prstGeom>
+            <a:noFill/>
+            <a:ln w="3175">
+              <a:solidFill>
+                <a:schemeClr val="tx1"/>
+              </a:solidFill>
+            </a:ln>
+          </p:spPr>
+          <p:style>
+            <a:lnRef idx="2">
+              <a:schemeClr val="accent1">
+                <a:shade val="50000"/>
+              </a:schemeClr>
+            </a:lnRef>
+            <a:fillRef idx="1">
+              <a:schemeClr val="accent1"/>
+            </a:fillRef>
+            <a:effectRef idx="0">
+              <a:schemeClr val="accent1"/>
+            </a:effectRef>
+            <a:fontRef idx="minor">
+              <a:schemeClr val="lt1"/>
+            </a:fontRef>
+          </p:style>
+          <p:txBody>
+            <a:bodyPr rtlCol="0" anchor="ctr"/>
+            <a:lstStyle/>
+            <a:p>
+              <a:pPr algn="ctr"/>
+              <a:endParaRPr lang="en-GB"/>
+            </a:p>
+          </p:txBody>
+        </p:sp>
+      </p:grpSp>
+      <p:sp>
+        <p:nvSpPr>
+          <p:cNvPr id="26" name="TextBox 25">
+            <a:extLst>
+              <a:ext uri="{FF2B5EF4-FFF2-40B4-BE49-F238E27FC236}">
+                <a16:creationId xmlns:a16="http://schemas.microsoft.com/office/drawing/2014/main" id="{5E56E3A0-317B-4A60-8377-FA71B3D2733C}"/>
+              </a:ext>
+            </a:extLst>
+          </p:cNvPr>
+          <p:cNvSpPr txBox="1"/>
+          <p:nvPr/>
+        </p:nvSpPr>
+        <p:spPr>
+          <a:xfrm>
+            <a:off x="1040235" y="1191237"/>
+            <a:ext cx="9328558" cy="880369"/>
+          </a:xfrm>
+          <a:prstGeom prst="rect">
+            <a:avLst/>
+          </a:prstGeom>
+          <a:noFill/>
+        </p:spPr>
+        <p:txBody>
+          <a:bodyPr wrap="square" rtlCol="0">
+            <a:spAutoFit/>
+          </a:bodyPr>
+          <a:lstStyle/>
+          <a:p>
+            <a:pPr marL="285750" indent="-285750" algn="just">
+              <a:lnSpc>
+                <a:spcPct val="150000"/>
+              </a:lnSpc>
+              <a:buFont typeface="Arial" panose="020B0604020202020204" pitchFamily="34" charset="0"/>
+              <a:buChar char="•"/>
+            </a:pPr>
+            <a:r>
+              <a:rPr lang="en-GB" sz="1800" b="1" i="0" u="none" strike="noStrike" baseline="0" dirty="0">
+                <a:latin typeface="AdvOTea1a7398"/>
+              </a:rPr>
+              <a:t>Unique reads</a:t>
+            </a:r>
+            <a:r>
+              <a:rPr lang="en-GB" sz="1800" b="0" i="0" u="none" strike="noStrike" baseline="0" dirty="0">
+                <a:latin typeface="AdvOTea1a7398"/>
+              </a:rPr>
+              <a:t> </a:t>
+            </a:r>
+            <a:r>
+              <a:rPr lang="en-GB" dirty="0">
+                <a:latin typeface="AdvOTea1a7398"/>
+                <a:sym typeface="Wingdings" panose="05000000000000000000" pitchFamily="2" charset="2"/>
+              </a:rPr>
+              <a:t>finds more </a:t>
+            </a:r>
+            <a:r>
+              <a:rPr lang="en-GB" u="sng" dirty="0">
+                <a:latin typeface="AdvOTea1a7398"/>
+                <a:sym typeface="Wingdings" panose="05000000000000000000" pitchFamily="2" charset="2"/>
+              </a:rPr>
+              <a:t>monoallelic</a:t>
+            </a:r>
+            <a:r>
+              <a:rPr lang="en-GB" dirty="0">
+                <a:latin typeface="AdvOTea1a7398"/>
+                <a:sym typeface="Wingdings" panose="05000000000000000000" pitchFamily="2" charset="2"/>
+              </a:rPr>
+              <a:t> expression than Weighted allocation.</a:t>
+            </a:r>
+          </a:p>
+          <a:p>
+            <a:pPr marL="285750" indent="-285750" algn="just">
+              <a:lnSpc>
+                <a:spcPct val="150000"/>
+              </a:lnSpc>
+              <a:buFont typeface="Arial" panose="020B0604020202020204" pitchFamily="34" charset="0"/>
+              <a:buChar char="•"/>
+            </a:pPr>
+            <a:r>
+              <a:rPr lang="en-GB" b="1" dirty="0">
+                <a:latin typeface="AdvOTea1a7398"/>
+                <a:sym typeface="Wingdings" panose="05000000000000000000" pitchFamily="2" charset="2"/>
+              </a:rPr>
+              <a:t>Weighted allocation</a:t>
+            </a:r>
+            <a:r>
+              <a:rPr lang="en-GB" dirty="0">
+                <a:latin typeface="AdvOTea1a7398"/>
+                <a:sym typeface="Wingdings" panose="05000000000000000000" pitchFamily="2" charset="2"/>
+              </a:rPr>
+              <a:t> detects </a:t>
+            </a:r>
+            <a:r>
+              <a:rPr lang="en-GB" u="sng" dirty="0">
+                <a:latin typeface="AdvOTea1a7398"/>
+                <a:sym typeface="Wingdings" panose="05000000000000000000" pitchFamily="2" charset="2"/>
+              </a:rPr>
+              <a:t>bi-allelic</a:t>
+            </a:r>
+            <a:r>
+              <a:rPr lang="en-GB" dirty="0">
+                <a:latin typeface="AdvOTea1a7398"/>
+                <a:sym typeface="Wingdings" panose="05000000000000000000" pitchFamily="2" charset="2"/>
+              </a:rPr>
+              <a:t> expression in more cells than Unique reads</a:t>
+            </a:r>
+            <a:r>
+              <a:rPr lang="en-GB" sz="1800" b="0" i="0" u="none" strike="noStrike" baseline="0" dirty="0">
+                <a:latin typeface="AdvOTea1a7398"/>
+                <a:sym typeface="Wingdings" panose="05000000000000000000" pitchFamily="2" charset="2"/>
+              </a:rPr>
+              <a:t>.</a:t>
+            </a:r>
+            <a:endParaRPr lang="en-GB" dirty="0"/>
+          </a:p>
+        </p:txBody>
+      </p:sp>
+    </p:spTree>
+    <p:extLst>
+      <p:ext uri="{BB962C8B-B14F-4D97-AF65-F5344CB8AC3E}">
+        <p14:creationId xmlns:p14="http://schemas.microsoft.com/office/powerpoint/2010/main" val="3927885287"/>
+      </p:ext>
+    </p:extLst>
+  </p:cSld>
+  <p:clrMapOvr>
+    <a:masterClrMapping/>
+  </p:clrMapOvr>
+</p:sld>
+</file>
+
+<file path=ppt/slides/slide12.xml><?xml version="1.0" encoding="utf-8"?>
+<p:sld xmlns:a="http://schemas.openxmlformats.org/drawingml/2006/main" xmlns:r="http://schemas.openxmlformats.org/officeDocument/2006/relationships" xmlns:p="http://schemas.openxmlformats.org/presentationml/2006/main">
+  <p:cSld>
+    <p:spTree>
+      <p:nvGrpSpPr>
+        <p:cNvPr id="1" name=""/>
+        <p:cNvGrpSpPr/>
+        <p:nvPr/>
+      </p:nvGrpSpPr>
+      <p:grpSpPr>
+        <a:xfrm>
+          <a:off x="0" y="0"/>
+          <a:ext cx="0" cy="0"/>
+          <a:chOff x="0" y="0"/>
+          <a:chExt cx="0" cy="0"/>
+        </a:xfrm>
+      </p:grpSpPr>
+      <p:grpSp>
+        <p:nvGrpSpPr>
+          <p:cNvPr id="49" name="Group 48">
+            <a:extLst>
+              <a:ext uri="{FF2B5EF4-FFF2-40B4-BE49-F238E27FC236}">
+                <a16:creationId xmlns:a16="http://schemas.microsoft.com/office/drawing/2014/main" id="{D60CB0A3-1F0D-481C-9790-4C207B063AB4}"/>
+              </a:ext>
+            </a:extLst>
+          </p:cNvPr>
+          <p:cNvGrpSpPr/>
+          <p:nvPr/>
+        </p:nvGrpSpPr>
+        <p:grpSpPr>
+          <a:xfrm>
+            <a:off x="720200" y="4029763"/>
+            <a:ext cx="2817851" cy="2523233"/>
+            <a:chOff x="6636333" y="3595947"/>
+            <a:chExt cx="2817851" cy="2523233"/>
+          </a:xfrm>
+        </p:grpSpPr>
+        <p:pic>
+          <p:nvPicPr>
+            <p:cNvPr id="36" name="Picture 35" descr="Chart, scatter chart&#10;&#10;Description automatically generated">
+              <a:extLst>
+                <a:ext uri="{FF2B5EF4-FFF2-40B4-BE49-F238E27FC236}">
+                  <a16:creationId xmlns:a16="http://schemas.microsoft.com/office/drawing/2014/main" id="{4D17D7A8-4E9C-455F-BEF4-9F61A13591EA}"/>
+                </a:ext>
+              </a:extLst>
+            </p:cNvPr>
+            <p:cNvPicPr>
+              <a:picLocks noChangeAspect="1"/>
+            </p:cNvPicPr>
+            <p:nvPr/>
+          </p:nvPicPr>
+          <p:blipFill>
+            <a:blip r:embed="rId2">
+              <a:extLst>
+                <a:ext uri="{28A0092B-C50C-407E-A947-70E740481C1C}">
+                  <a14:useLocalDpi xmlns:a14="http://schemas.microsoft.com/office/drawing/2010/main" val="0"/>
+                </a:ext>
+              </a:extLst>
+            </a:blip>
+            <a:stretch>
+              <a:fillRect/>
+            </a:stretch>
+          </p:blipFill>
+          <p:spPr>
+            <a:xfrm>
+              <a:off x="6786812" y="3595947"/>
+              <a:ext cx="2667372" cy="2286319"/>
+            </a:xfrm>
+            <a:prstGeom prst="rect">
+              <a:avLst/>
+            </a:prstGeom>
+          </p:spPr>
+        </p:pic>
+        <p:sp>
+          <p:nvSpPr>
+            <p:cNvPr id="42" name="TextBox 41">
+              <a:extLst>
+                <a:ext uri="{FF2B5EF4-FFF2-40B4-BE49-F238E27FC236}">
+                  <a16:creationId xmlns:a16="http://schemas.microsoft.com/office/drawing/2014/main" id="{E0898EC0-54B8-4FDC-B508-33FF71190387}"/>
+                </a:ext>
+              </a:extLst>
+            </p:cNvPr>
+            <p:cNvSpPr txBox="1"/>
+            <p:nvPr/>
+          </p:nvSpPr>
+          <p:spPr>
+            <a:xfrm>
+              <a:off x="6636333" y="3811609"/>
+              <a:ext cx="338554" cy="1836046"/>
+            </a:xfrm>
+            <a:prstGeom prst="rect">
+              <a:avLst/>
+            </a:prstGeom>
+            <a:noFill/>
+          </p:spPr>
+          <p:txBody>
+            <a:bodyPr vert="vert270" wrap="square" rtlCol="0">
+              <a:spAutoFit/>
+            </a:bodyPr>
+            <a:lstStyle/>
+            <a:p>
+              <a:r>
+                <a:rPr lang="en-GB" sz="1000" b="0" i="0" u="none" strike="noStrike" baseline="0" dirty="0">
+                  <a:latin typeface="Helvetica" panose="020B0604020202020204" pitchFamily="34" charset="0"/>
+                </a:rPr>
+                <a:t>log10(paternal allele count+1)</a:t>
+              </a:r>
+              <a:endParaRPr lang="en-GB" sz="1000" dirty="0"/>
+            </a:p>
+          </p:txBody>
+        </p:sp>
+        <p:sp>
+          <p:nvSpPr>
+            <p:cNvPr id="46" name="TextBox 45">
+              <a:extLst>
+                <a:ext uri="{FF2B5EF4-FFF2-40B4-BE49-F238E27FC236}">
+                  <a16:creationId xmlns:a16="http://schemas.microsoft.com/office/drawing/2014/main" id="{BF73E345-7658-4339-BC2D-B29239543EBF}"/>
+                </a:ext>
+              </a:extLst>
+            </p:cNvPr>
+            <p:cNvSpPr txBox="1"/>
+            <p:nvPr/>
+          </p:nvSpPr>
+          <p:spPr>
+            <a:xfrm rot="5400000">
+              <a:off x="8041460" y="5031880"/>
+              <a:ext cx="338554" cy="1836046"/>
+            </a:xfrm>
+            <a:prstGeom prst="rect">
+              <a:avLst/>
+            </a:prstGeom>
+            <a:noFill/>
+          </p:spPr>
+          <p:txBody>
+            <a:bodyPr vert="vert270" wrap="square" rtlCol="0">
+              <a:spAutoFit/>
+            </a:bodyPr>
+            <a:lstStyle/>
+            <a:p>
+              <a:r>
+                <a:rPr lang="en-GB" sz="1000" b="0" i="0" u="none" strike="noStrike" baseline="0" dirty="0">
+                  <a:latin typeface="Helvetica" panose="020B0604020202020204" pitchFamily="34" charset="0"/>
+                </a:rPr>
+                <a:t>log10(</a:t>
+              </a:r>
+              <a:r>
+                <a:rPr lang="en-GB" sz="1000" dirty="0">
+                  <a:latin typeface="Helvetica" panose="020B0604020202020204" pitchFamily="34" charset="0"/>
+                </a:rPr>
+                <a:t>mat</a:t>
+              </a:r>
+              <a:r>
+                <a:rPr lang="en-GB" sz="1000" b="0" i="0" u="none" strike="noStrike" baseline="0" dirty="0">
+                  <a:latin typeface="Helvetica" panose="020B0604020202020204" pitchFamily="34" charset="0"/>
+                </a:rPr>
+                <a:t>ernal allele count+1)</a:t>
+              </a:r>
+              <a:endParaRPr lang="en-GB" sz="1000" dirty="0"/>
+            </a:p>
+          </p:txBody>
+        </p:sp>
+      </p:grpSp>
+      <p:sp>
+        <p:nvSpPr>
+          <p:cNvPr id="13" name="Rectangle 12">
+            <a:extLst>
+              <a:ext uri="{FF2B5EF4-FFF2-40B4-BE49-F238E27FC236}">
+                <a16:creationId xmlns:a16="http://schemas.microsoft.com/office/drawing/2014/main" id="{BBF7A18B-A02C-43C0-BD41-145B7F692ABA}"/>
+              </a:ext>
+            </a:extLst>
+          </p:cNvPr>
+          <p:cNvSpPr/>
+          <p:nvPr/>
+        </p:nvSpPr>
+        <p:spPr>
+          <a:xfrm>
+            <a:off x="1048624" y="1894955"/>
+            <a:ext cx="897622" cy="1226706"/>
+          </a:xfrm>
+          <a:prstGeom prst="rect">
+            <a:avLst/>
+          </a:prstGeom>
+          <a:solidFill>
+            <a:schemeClr val="bg1"/>
+          </a:solidFill>
+          <a:ln>
+            <a:solidFill>
+              <a:schemeClr val="bg1"/>
+            </a:solidFill>
+          </a:ln>
+        </p:spPr>
+        <p:style>
+          <a:lnRef idx="2">
+            <a:schemeClr val="accent1">
+              <a:shade val="50000"/>
+            </a:schemeClr>
+          </a:lnRef>
+          <a:fillRef idx="1">
+            <a:schemeClr val="accent1"/>
+          </a:fillRef>
+          <a:effectRef idx="0">
+            <a:schemeClr val="accent1"/>
+          </a:effectRef>
+          <a:fontRef idx="minor">
+            <a:schemeClr val="lt1"/>
+          </a:fontRef>
+        </p:style>
+        <p:txBody>
+          <a:bodyPr rtlCol="0" anchor="ctr"/>
+          <a:lstStyle/>
+          <a:p>
+            <a:pPr algn="ctr"/>
+            <a:endParaRPr lang="en-GB"/>
+          </a:p>
+        </p:txBody>
+      </p:sp>
+      <p:sp>
+        <p:nvSpPr>
+          <p:cNvPr id="14" name="Rectangle 13">
+            <a:extLst>
+              <a:ext uri="{FF2B5EF4-FFF2-40B4-BE49-F238E27FC236}">
+                <a16:creationId xmlns:a16="http://schemas.microsoft.com/office/drawing/2014/main" id="{7E03D47B-79A7-4248-B315-ED0279741603}"/>
+              </a:ext>
+            </a:extLst>
+          </p:cNvPr>
+          <p:cNvSpPr/>
+          <p:nvPr/>
+        </p:nvSpPr>
+        <p:spPr>
+          <a:xfrm>
+            <a:off x="3247936" y="1797191"/>
+            <a:ext cx="1896789" cy="801448"/>
+          </a:xfrm>
+          <a:prstGeom prst="rect">
+            <a:avLst/>
+          </a:prstGeom>
+          <a:solidFill>
+            <a:schemeClr val="bg1"/>
+          </a:solidFill>
+          <a:ln>
+            <a:solidFill>
+              <a:schemeClr val="bg1"/>
+            </a:solidFill>
+          </a:ln>
+        </p:spPr>
+        <p:style>
+          <a:lnRef idx="2">
+            <a:schemeClr val="accent1">
+              <a:shade val="50000"/>
+            </a:schemeClr>
+          </a:lnRef>
+          <a:fillRef idx="1">
+            <a:schemeClr val="accent1"/>
+          </a:fillRef>
+          <a:effectRef idx="0">
+            <a:schemeClr val="accent1"/>
+          </a:effectRef>
+          <a:fontRef idx="minor">
+            <a:schemeClr val="lt1"/>
+          </a:fontRef>
+        </p:style>
+        <p:txBody>
+          <a:bodyPr rtlCol="0" anchor="ctr"/>
+          <a:lstStyle/>
+          <a:p>
+            <a:pPr algn="ctr"/>
+            <a:endParaRPr lang="en-GB"/>
+          </a:p>
+        </p:txBody>
+      </p:sp>
+      <p:sp>
+        <p:nvSpPr>
+          <p:cNvPr id="15" name="Rectangle 14">
+            <a:extLst>
+              <a:ext uri="{FF2B5EF4-FFF2-40B4-BE49-F238E27FC236}">
+                <a16:creationId xmlns:a16="http://schemas.microsoft.com/office/drawing/2014/main" id="{88F251E6-33E5-4D04-A749-709ABFE83078}"/>
+              </a:ext>
+            </a:extLst>
+          </p:cNvPr>
+          <p:cNvSpPr/>
+          <p:nvPr/>
+        </p:nvSpPr>
+        <p:spPr>
+          <a:xfrm>
+            <a:off x="4289569" y="2735483"/>
+            <a:ext cx="1020663" cy="2003624"/>
+          </a:xfrm>
+          <a:prstGeom prst="rect">
+            <a:avLst/>
+          </a:prstGeom>
+          <a:solidFill>
+            <a:schemeClr val="bg1"/>
+          </a:solidFill>
+          <a:ln>
+            <a:solidFill>
+              <a:schemeClr val="bg1"/>
+            </a:solidFill>
+          </a:ln>
+        </p:spPr>
+        <p:style>
+          <a:lnRef idx="2">
+            <a:schemeClr val="accent1">
+              <a:shade val="50000"/>
+            </a:schemeClr>
+          </a:lnRef>
+          <a:fillRef idx="1">
+            <a:schemeClr val="accent1"/>
+          </a:fillRef>
+          <a:effectRef idx="0">
+            <a:schemeClr val="accent1"/>
+          </a:effectRef>
+          <a:fontRef idx="minor">
+            <a:schemeClr val="lt1"/>
+          </a:fontRef>
+        </p:style>
+        <p:txBody>
+          <a:bodyPr rtlCol="0" anchor="ctr"/>
+          <a:lstStyle/>
+          <a:p>
+            <a:pPr algn="ctr"/>
+            <a:endParaRPr lang="en-GB"/>
+          </a:p>
+        </p:txBody>
+      </p:sp>
+      <mc:AlternateContent xmlns:mc="http://schemas.openxmlformats.org/markup-compatibility/2006">
+        <mc:Choice xmlns:a14="http://schemas.microsoft.com/office/drawing/2010/main" Requires="a14">
+          <p:sp>
+            <p:nvSpPr>
+              <p:cNvPr id="65" name="TextBox 64">
+                <a:extLst>
+                  <a:ext uri="{FF2B5EF4-FFF2-40B4-BE49-F238E27FC236}">
+                    <a16:creationId xmlns:a16="http://schemas.microsoft.com/office/drawing/2014/main" id="{68B8247E-F897-4FE9-A037-C1E13A78ECB7}"/>
+                  </a:ext>
+                </a:extLst>
+              </p:cNvPr>
+              <p:cNvSpPr txBox="1"/>
+              <p:nvPr/>
+            </p:nvSpPr>
+            <p:spPr>
+              <a:xfrm>
+                <a:off x="4709756" y="5709168"/>
+                <a:ext cx="6198133" cy="861070"/>
+              </a:xfrm>
+              <a:prstGeom prst="rect">
+                <a:avLst/>
+              </a:prstGeom>
+              <a:noFill/>
+            </p:spPr>
+            <p:txBody>
+              <a:bodyPr wrap="square" rtlCol="0">
+                <a:spAutoFit/>
+              </a:bodyPr>
+              <a:lstStyle/>
+              <a:p>
+                <a:pPr algn="just"/>
+                <a:r>
+                  <a:rPr lang="en-GB" sz="2400" dirty="0"/>
+                  <a:t>A point in the triangle represents the average proportions of cells in each allelic state (</a:t>
+                </a:r>
+                <a14:m>
+                  <m:oMath xmlns:m="http://schemas.openxmlformats.org/officeDocument/2006/math">
+                    <m:sSubSup>
+                      <m:sSubSupPr>
+                        <m:ctrlPr>
+                          <a:rPr lang="en-US" sz="2400" b="0" i="1" smtClean="0">
+                            <a:latin typeface="Cambria Math" panose="02040503050406030204" pitchFamily="18" charset="0"/>
+                          </a:rPr>
+                        </m:ctrlPr>
+                      </m:sSubSupPr>
+                      <m:e>
+                        <m:r>
+                          <a:rPr lang="el-GR" sz="2400" b="0" i="1" smtClean="0">
+                            <a:latin typeface="Cambria Math" panose="02040503050406030204" pitchFamily="18" charset="0"/>
+                          </a:rPr>
+                          <m:t>𝜋</m:t>
+                        </m:r>
+                      </m:e>
+                      <m:sub>
+                        <m:r>
+                          <a:rPr lang="en-US" sz="2400" b="0" i="1" smtClean="0">
+                            <a:latin typeface="Cambria Math" panose="02040503050406030204" pitchFamily="18" charset="0"/>
+                          </a:rPr>
+                          <m:t>𝑔</m:t>
+                        </m:r>
+                      </m:sub>
+                      <m:sup>
+                        <m:r>
+                          <a:rPr lang="en-US" sz="2400" b="0" i="1" smtClean="0">
+                            <a:latin typeface="Cambria Math" panose="02040503050406030204" pitchFamily="18" charset="0"/>
+                          </a:rPr>
+                          <m:t>𝑠</m:t>
+                        </m:r>
+                      </m:sup>
+                    </m:sSubSup>
+                  </m:oMath>
+                </a14:m>
+                <a:r>
+                  <a:rPr lang="en-GB" sz="2400" dirty="0"/>
+                  <a:t>).</a:t>
+                </a:r>
+              </a:p>
+            </p:txBody>
+          </p:sp>
+        </mc:Choice>
+        <mc:Fallback>
+          <p:sp>
+            <p:nvSpPr>
+              <p:cNvPr id="65" name="TextBox 64">
+                <a:extLst>
+                  <a:ext uri="{FF2B5EF4-FFF2-40B4-BE49-F238E27FC236}">
+                    <a16:creationId xmlns:a16="http://schemas.microsoft.com/office/drawing/2014/main" id="{68B8247E-F897-4FE9-A037-C1E13A78ECB7}"/>
+                  </a:ext>
+                </a:extLst>
+              </p:cNvPr>
+              <p:cNvSpPr txBox="1">
+                <a:spLocks noRot="1" noChangeAspect="1" noMove="1" noResize="1" noEditPoints="1" noAdjustHandles="1" noChangeArrowheads="1" noChangeShapeType="1" noTextEdit="1"/>
+              </p:cNvSpPr>
+              <p:nvPr/>
+            </p:nvSpPr>
+            <p:spPr>
+              <a:xfrm>
+                <a:off x="4709756" y="5709168"/>
+                <a:ext cx="6198133" cy="861070"/>
+              </a:xfrm>
+              <a:prstGeom prst="rect">
+                <a:avLst/>
+              </a:prstGeom>
+              <a:blipFill>
+                <a:blip r:embed="rId3"/>
+                <a:stretch>
+                  <a:fillRect l="-1575" t="-5674" r="-1575" b="-12766"/>
+                </a:stretch>
+              </a:blipFill>
+            </p:spPr>
+            <p:txBody>
+              <a:bodyPr/>
+              <a:lstStyle/>
+              <a:p>
+                <a:r>
+                  <a:rPr lang="en-GB">
+                    <a:noFill/>
+                  </a:rPr>
+                  <a:t> </a:t>
+                </a:r>
+              </a:p>
+            </p:txBody>
+          </p:sp>
+        </mc:Fallback>
+      </mc:AlternateContent>
+      <p:grpSp>
+        <p:nvGrpSpPr>
+          <p:cNvPr id="64" name="Group 63">
+            <a:extLst>
+              <a:ext uri="{FF2B5EF4-FFF2-40B4-BE49-F238E27FC236}">
+                <a16:creationId xmlns:a16="http://schemas.microsoft.com/office/drawing/2014/main" id="{A609B49A-7BC1-4B8D-A348-6BA61CF900BC}"/>
+              </a:ext>
+            </a:extLst>
+          </p:cNvPr>
+          <p:cNvGrpSpPr/>
+          <p:nvPr/>
+        </p:nvGrpSpPr>
+        <p:grpSpPr>
+          <a:xfrm>
+            <a:off x="2960892" y="778841"/>
+            <a:ext cx="5408255" cy="4623827"/>
+            <a:chOff x="25340" y="1258772"/>
+            <a:chExt cx="5192263" cy="4340456"/>
+          </a:xfrm>
+        </p:grpSpPr>
+        <p:pic>
+          <p:nvPicPr>
+            <p:cNvPr id="17" name="Picture 16" descr="Shape&#10;&#10;Description automatically generated">
+              <a:extLst>
+                <a:ext uri="{FF2B5EF4-FFF2-40B4-BE49-F238E27FC236}">
+                  <a16:creationId xmlns:a16="http://schemas.microsoft.com/office/drawing/2014/main" id="{18571A07-E1E8-442E-B15D-551B3CD58522}"/>
+                </a:ext>
+              </a:extLst>
+            </p:cNvPr>
+            <p:cNvPicPr>
+              <a:picLocks noChangeAspect="1"/>
+            </p:cNvPicPr>
+            <p:nvPr/>
+          </p:nvPicPr>
+          <p:blipFill>
+            <a:blip r:embed="rId4">
+              <a:extLst>
+                <a:ext uri="{28A0092B-C50C-407E-A947-70E740481C1C}">
+                  <a14:useLocalDpi xmlns:a14="http://schemas.microsoft.com/office/drawing/2010/main" val="0"/>
+                </a:ext>
+              </a:extLst>
+            </a:blip>
+            <a:stretch>
+              <a:fillRect/>
+            </a:stretch>
+          </p:blipFill>
+          <p:spPr>
+            <a:xfrm>
+              <a:off x="25340" y="1258772"/>
+              <a:ext cx="5192263" cy="4340456"/>
+            </a:xfrm>
+            <a:prstGeom prst="rect">
+              <a:avLst/>
+            </a:prstGeom>
+          </p:spPr>
+        </p:pic>
+        <p:sp>
+          <p:nvSpPr>
+            <p:cNvPr id="63" name="Rectangle 62">
+              <a:extLst>
+                <a:ext uri="{FF2B5EF4-FFF2-40B4-BE49-F238E27FC236}">
+                  <a16:creationId xmlns:a16="http://schemas.microsoft.com/office/drawing/2014/main" id="{B99A9BDA-E6BC-445E-8A42-0CE60BD46F1D}"/>
+                </a:ext>
+              </a:extLst>
+            </p:cNvPr>
+            <p:cNvSpPr/>
+            <p:nvPr/>
+          </p:nvSpPr>
+          <p:spPr>
+            <a:xfrm>
+              <a:off x="4289569" y="4228032"/>
+              <a:ext cx="780176" cy="201695"/>
+            </a:xfrm>
+            <a:prstGeom prst="rect">
+              <a:avLst/>
+            </a:prstGeom>
+            <a:solidFill>
+              <a:schemeClr val="bg1"/>
+            </a:solidFill>
+            <a:ln>
+              <a:solidFill>
+                <a:schemeClr val="bg1"/>
+              </a:solidFill>
+            </a:ln>
+          </p:spPr>
+          <p:style>
+            <a:lnRef idx="2">
+              <a:schemeClr val="accent1">
+                <a:shade val="50000"/>
+              </a:schemeClr>
+            </a:lnRef>
+            <a:fillRef idx="1">
+              <a:schemeClr val="accent1"/>
+            </a:fillRef>
+            <a:effectRef idx="0">
+              <a:schemeClr val="accent1"/>
+            </a:effectRef>
+            <a:fontRef idx="minor">
+              <a:schemeClr val="lt1"/>
+            </a:fontRef>
+          </p:style>
+          <p:txBody>
+            <a:bodyPr rtlCol="0" anchor="ctr"/>
+            <a:lstStyle/>
+            <a:p>
+              <a:pPr algn="ctr"/>
+              <a:endParaRPr lang="en-GB"/>
+            </a:p>
+          </p:txBody>
+        </p:sp>
+      </p:grpSp>
+      <p:grpSp>
+        <p:nvGrpSpPr>
+          <p:cNvPr id="50" name="Group 49">
+            <a:extLst>
+              <a:ext uri="{FF2B5EF4-FFF2-40B4-BE49-F238E27FC236}">
+                <a16:creationId xmlns:a16="http://schemas.microsoft.com/office/drawing/2014/main" id="{82E9F721-E14B-47ED-971E-6E40B0FACC67}"/>
+              </a:ext>
+            </a:extLst>
+          </p:cNvPr>
+          <p:cNvGrpSpPr/>
+          <p:nvPr/>
+        </p:nvGrpSpPr>
+        <p:grpSpPr>
+          <a:xfrm>
+            <a:off x="7595066" y="1148832"/>
+            <a:ext cx="2784539" cy="2618496"/>
+            <a:chOff x="7812805" y="1007123"/>
+            <a:chExt cx="2784539" cy="2618496"/>
+          </a:xfrm>
+        </p:grpSpPr>
+        <p:pic>
+          <p:nvPicPr>
+            <p:cNvPr id="34" name="Picture 33" descr="Chart, scatter chart&#10;&#10;Description automatically generated">
+              <a:extLst>
+                <a:ext uri="{FF2B5EF4-FFF2-40B4-BE49-F238E27FC236}">
+                  <a16:creationId xmlns:a16="http://schemas.microsoft.com/office/drawing/2014/main" id="{7D253D54-8B08-4B1C-9094-81B23FCF58BC}"/>
+                </a:ext>
+              </a:extLst>
+            </p:cNvPr>
+            <p:cNvPicPr>
+              <a:picLocks noChangeAspect="1"/>
+            </p:cNvPicPr>
+            <p:nvPr/>
+          </p:nvPicPr>
+          <p:blipFill>
+            <a:blip r:embed="rId5">
+              <a:extLst>
+                <a:ext uri="{28A0092B-C50C-407E-A947-70E740481C1C}">
+                  <a14:useLocalDpi xmlns:a14="http://schemas.microsoft.com/office/drawing/2010/main" val="0"/>
+                </a:ext>
+              </a:extLst>
+            </a:blip>
+            <a:stretch>
+              <a:fillRect/>
+            </a:stretch>
+          </p:blipFill>
+          <p:spPr>
+            <a:xfrm>
+              <a:off x="8120498" y="1007123"/>
+              <a:ext cx="2476846" cy="2381582"/>
+            </a:xfrm>
+            <a:prstGeom prst="rect">
+              <a:avLst/>
+            </a:prstGeom>
+          </p:spPr>
+        </p:pic>
+        <p:sp>
+          <p:nvSpPr>
+            <p:cNvPr id="40" name="TextBox 39">
+              <a:extLst>
+                <a:ext uri="{FF2B5EF4-FFF2-40B4-BE49-F238E27FC236}">
+                  <a16:creationId xmlns:a16="http://schemas.microsoft.com/office/drawing/2014/main" id="{1FD19F5F-FAF7-464D-B84E-271924288EC2}"/>
+                </a:ext>
+              </a:extLst>
+            </p:cNvPr>
+            <p:cNvSpPr txBox="1"/>
+            <p:nvPr/>
+          </p:nvSpPr>
+          <p:spPr>
+            <a:xfrm>
+              <a:off x="7812805" y="1278453"/>
+              <a:ext cx="338554" cy="1836046"/>
+            </a:xfrm>
+            <a:prstGeom prst="rect">
+              <a:avLst/>
+            </a:prstGeom>
+            <a:noFill/>
+          </p:spPr>
+          <p:txBody>
+            <a:bodyPr vert="vert270" wrap="square" rtlCol="0">
+              <a:spAutoFit/>
+            </a:bodyPr>
+            <a:lstStyle/>
+            <a:p>
+              <a:r>
+                <a:rPr lang="en-GB" sz="1000" b="0" i="0" u="none" strike="noStrike" baseline="0" dirty="0">
+                  <a:latin typeface="Helvetica" panose="020B0604020202020204" pitchFamily="34" charset="0"/>
+                </a:rPr>
+                <a:t>log10(paternal allele count+1)</a:t>
+              </a:r>
+              <a:endParaRPr lang="en-GB" sz="1000" dirty="0"/>
+            </a:p>
+          </p:txBody>
+        </p:sp>
+        <p:sp>
+          <p:nvSpPr>
+            <p:cNvPr id="48" name="TextBox 47">
+              <a:extLst>
+                <a:ext uri="{FF2B5EF4-FFF2-40B4-BE49-F238E27FC236}">
+                  <a16:creationId xmlns:a16="http://schemas.microsoft.com/office/drawing/2014/main" id="{A995BD78-7883-44A9-975B-F3165FA3BBBE}"/>
+                </a:ext>
+              </a:extLst>
+            </p:cNvPr>
+            <p:cNvSpPr txBox="1"/>
+            <p:nvPr/>
+          </p:nvSpPr>
+          <p:spPr>
+            <a:xfrm rot="5400000">
+              <a:off x="9208483" y="2538319"/>
+              <a:ext cx="338554" cy="1836046"/>
+            </a:xfrm>
+            <a:prstGeom prst="rect">
+              <a:avLst/>
+            </a:prstGeom>
+            <a:noFill/>
+          </p:spPr>
+          <p:txBody>
+            <a:bodyPr vert="vert270" wrap="square" rtlCol="0">
+              <a:spAutoFit/>
+            </a:bodyPr>
+            <a:lstStyle/>
+            <a:p>
+              <a:r>
+                <a:rPr lang="en-GB" sz="1000" b="0" i="0" u="none" strike="noStrike" baseline="0" dirty="0">
+                  <a:latin typeface="Helvetica" panose="020B0604020202020204" pitchFamily="34" charset="0"/>
+                </a:rPr>
+                <a:t>log10(</a:t>
+              </a:r>
+              <a:r>
+                <a:rPr lang="en-GB" sz="1000" dirty="0">
+                  <a:latin typeface="Helvetica" panose="020B0604020202020204" pitchFamily="34" charset="0"/>
+                </a:rPr>
+                <a:t>mat</a:t>
+              </a:r>
+              <a:r>
+                <a:rPr lang="en-GB" sz="1000" b="0" i="0" u="none" strike="noStrike" baseline="0" dirty="0">
+                  <a:latin typeface="Helvetica" panose="020B0604020202020204" pitchFamily="34" charset="0"/>
+                </a:rPr>
+                <a:t>ernal allele count+1)</a:t>
+              </a:r>
+              <a:endParaRPr lang="en-GB" sz="1000" dirty="0"/>
+            </a:p>
+          </p:txBody>
+        </p:sp>
+      </p:grpSp>
+      <p:pic>
+        <p:nvPicPr>
+          <p:cNvPr id="91" name="Content Placeholder 61" descr="Chart, scatter chart&#10;&#10;Description automatically generated">
+            <a:extLst>
+              <a:ext uri="{FF2B5EF4-FFF2-40B4-BE49-F238E27FC236}">
+                <a16:creationId xmlns:a16="http://schemas.microsoft.com/office/drawing/2014/main" id="{49BB67EA-03B8-414D-A65A-32FA8FCE8637}"/>
+              </a:ext>
+            </a:extLst>
+          </p:cNvPr>
+          <p:cNvPicPr>
+            <a:picLocks noChangeAspect="1"/>
+          </p:cNvPicPr>
+          <p:nvPr/>
+        </p:nvPicPr>
+        <p:blipFill>
+          <a:blip r:embed="rId6">
+            <a:extLst>
+              <a:ext uri="{28A0092B-C50C-407E-A947-70E740481C1C}">
+                <a14:useLocalDpi xmlns:a14="http://schemas.microsoft.com/office/drawing/2010/main" val="0"/>
+              </a:ext>
+            </a:extLst>
+          </a:blip>
+          <a:stretch>
+            <a:fillRect/>
+          </a:stretch>
+        </p:blipFill>
+        <p:spPr>
+          <a:xfrm>
+            <a:off x="772550" y="1423313"/>
+            <a:ext cx="2810500" cy="2651990"/>
+          </a:xfrm>
+          <a:prstGeom prst="rect">
+            <a:avLst/>
+          </a:prstGeom>
+        </p:spPr>
+      </p:pic>
+      <p:cxnSp>
+        <p:nvCxnSpPr>
+          <p:cNvPr id="69" name="Straight Arrow Connector 68">
+            <a:extLst>
+              <a:ext uri="{FF2B5EF4-FFF2-40B4-BE49-F238E27FC236}">
+                <a16:creationId xmlns:a16="http://schemas.microsoft.com/office/drawing/2014/main" id="{B9FD83F3-32C7-4FDE-84F9-469295C6745A}"/>
+              </a:ext>
+            </a:extLst>
+          </p:cNvPr>
+          <p:cNvCxnSpPr>
+            <a:cxnSpLocks/>
+          </p:cNvCxnSpPr>
+          <p:nvPr/>
+        </p:nvCxnSpPr>
+        <p:spPr>
+          <a:xfrm flipH="1">
+            <a:off x="2854701" y="4902369"/>
+            <a:ext cx="695959" cy="322604"/>
+          </a:xfrm>
+          <a:prstGeom prst="straightConnector1">
+            <a:avLst/>
+          </a:prstGeom>
+          <a:ln w="19050">
+            <a:tailEnd type="triangle"/>
+          </a:ln>
+        </p:spPr>
+        <p:style>
+          <a:lnRef idx="1">
+            <a:schemeClr val="accent1"/>
+          </a:lnRef>
+          <a:fillRef idx="0">
+            <a:schemeClr val="accent1"/>
+          </a:fillRef>
+          <a:effectRef idx="0">
+            <a:schemeClr val="accent1"/>
+          </a:effectRef>
+          <a:fontRef idx="minor">
+            <a:schemeClr val="tx1"/>
+          </a:fontRef>
+        </p:style>
+      </p:cxnSp>
+      <p:cxnSp>
+        <p:nvCxnSpPr>
+          <p:cNvPr id="70" name="Straight Arrow Connector 69">
+            <a:extLst>
+              <a:ext uri="{FF2B5EF4-FFF2-40B4-BE49-F238E27FC236}">
+                <a16:creationId xmlns:a16="http://schemas.microsoft.com/office/drawing/2014/main" id="{D0BCF161-C24E-4611-B907-75D6E49413CE}"/>
+              </a:ext>
+            </a:extLst>
+          </p:cNvPr>
+          <p:cNvCxnSpPr>
+            <a:cxnSpLocks/>
+          </p:cNvCxnSpPr>
+          <p:nvPr/>
+        </p:nvCxnSpPr>
+        <p:spPr>
+          <a:xfrm flipV="1">
+            <a:off x="6742912" y="3269854"/>
+            <a:ext cx="1129807" cy="567861"/>
+          </a:xfrm>
+          <a:prstGeom prst="straightConnector1">
+            <a:avLst/>
+          </a:prstGeom>
+          <a:ln w="19050">
+            <a:tailEnd type="triangle"/>
+          </a:ln>
+        </p:spPr>
+        <p:style>
+          <a:lnRef idx="1">
+            <a:schemeClr val="accent1"/>
+          </a:lnRef>
+          <a:fillRef idx="0">
+            <a:schemeClr val="accent1"/>
+          </a:fillRef>
+          <a:effectRef idx="0">
+            <a:schemeClr val="accent1"/>
+          </a:effectRef>
+          <a:fontRef idx="minor">
+            <a:schemeClr val="tx1"/>
+          </a:fontRef>
+        </p:style>
+      </p:cxnSp>
+      <p:cxnSp>
+        <p:nvCxnSpPr>
+          <p:cNvPr id="67" name="Straight Arrow Connector 66">
+            <a:extLst>
+              <a:ext uri="{FF2B5EF4-FFF2-40B4-BE49-F238E27FC236}">
+                <a16:creationId xmlns:a16="http://schemas.microsoft.com/office/drawing/2014/main" id="{1C18D590-6DED-49EC-837A-9EA1B4E7FDCE}"/>
+              </a:ext>
+            </a:extLst>
+          </p:cNvPr>
+          <p:cNvCxnSpPr>
+            <a:cxnSpLocks/>
+          </p:cNvCxnSpPr>
+          <p:nvPr/>
+        </p:nvCxnSpPr>
+        <p:spPr>
+          <a:xfrm flipH="1" flipV="1">
+            <a:off x="3197457" y="3094361"/>
+            <a:ext cx="1719555" cy="807709"/>
+          </a:xfrm>
+          <a:prstGeom prst="straightConnector1">
+            <a:avLst/>
+          </a:prstGeom>
+          <a:ln w="19050">
+            <a:tailEnd type="triangle"/>
+          </a:ln>
+        </p:spPr>
+        <p:style>
+          <a:lnRef idx="1">
+            <a:schemeClr val="accent1"/>
+          </a:lnRef>
+          <a:fillRef idx="0">
+            <a:schemeClr val="accent1"/>
+          </a:fillRef>
+          <a:effectRef idx="0">
+            <a:schemeClr val="accent1"/>
+          </a:effectRef>
+          <a:fontRef idx="minor">
+            <a:schemeClr val="tx1"/>
+          </a:fontRef>
+        </p:style>
+      </p:cxnSp>
+      <p:sp>
+        <p:nvSpPr>
+          <p:cNvPr id="30" name="Τίτλος 1">
+            <a:extLst>
+              <a:ext uri="{FF2B5EF4-FFF2-40B4-BE49-F238E27FC236}">
+                <a16:creationId xmlns:a16="http://schemas.microsoft.com/office/drawing/2014/main" id="{7BC3317D-A93B-443A-842F-3142ED988217}"/>
+              </a:ext>
+            </a:extLst>
+          </p:cNvPr>
+          <p:cNvSpPr txBox="1">
+            <a:spLocks/>
+          </p:cNvSpPr>
+          <p:nvPr/>
+        </p:nvSpPr>
+        <p:spPr>
+          <a:xfrm>
+            <a:off x="326067" y="215006"/>
+            <a:ext cx="11567160" cy="914459"/>
+          </a:xfrm>
+          <a:prstGeom prst="rect">
+            <a:avLst/>
+          </a:prstGeom>
+        </p:spPr>
+        <p:txBody>
+          <a:bodyPr vert="horz" lIns="91440" tIns="45720" rIns="91440" bIns="45720" rtlCol="0" anchor="b">
+            <a:normAutofit/>
+          </a:bodyPr>
+          <a:lstStyle>
+            <a:lvl1pPr algn="ctr" defTabSz="914400" rtl="0" eaLnBrk="1" latinLnBrk="0" hangingPunct="1">
+              <a:lnSpc>
+                <a:spcPct val="90000"/>
+              </a:lnSpc>
+              <a:spcBef>
+                <a:spcPct val="0"/>
+              </a:spcBef>
+              <a:buNone/>
+              <a:defRPr sz="6000" kern="1200">
+                <a:solidFill>
+                  <a:schemeClr val="tx1"/>
+                </a:solidFill>
+                <a:latin typeface="+mj-lt"/>
+                <a:ea typeface="+mj-ea"/>
+                <a:cs typeface="+mj-cs"/>
+              </a:defRPr>
+            </a:lvl1pPr>
+          </a:lstStyle>
+          <a:p>
+            <a:pPr algn="l"/>
+            <a:r>
+              <a:rPr lang="en-US" sz="4400" i="1" dirty="0">
+                <a:latin typeface="Book Antiqua" panose="02040602050305030304" pitchFamily="18" charset="0"/>
+              </a:rPr>
+              <a:t>Representation of allelic expression</a:t>
+            </a:r>
+            <a:endParaRPr lang="el-GR" sz="4400" i="1" dirty="0">
+              <a:latin typeface="Book Antiqua" panose="02040602050305030304" pitchFamily="18" charset="0"/>
+            </a:endParaRPr>
+          </a:p>
+        </p:txBody>
+      </p:sp>
+    </p:spTree>
+    <p:extLst>
+      <p:ext uri="{BB962C8B-B14F-4D97-AF65-F5344CB8AC3E}">
+        <p14:creationId xmlns:p14="http://schemas.microsoft.com/office/powerpoint/2010/main" val="2638422757"/>
+      </p:ext>
+    </p:extLst>
+  </p:cSld>
+  <p:clrMapOvr>
+    <a:masterClrMapping/>
+  </p:clrMapOvr>
+</p:sld>
+</file>
+
+<file path=ppt/slides/slide13.xml><?xml version="1.0" encoding="utf-8"?>
+<p:sld xmlns:a="http://schemas.openxmlformats.org/drawingml/2006/main" xmlns:r="http://schemas.openxmlformats.org/officeDocument/2006/relationships" xmlns:p="http://schemas.openxmlformats.org/presentationml/2006/main">
+  <p:cSld>
+    <p:spTree>
+      <p:nvGrpSpPr>
+        <p:cNvPr id="1" name=""/>
+        <p:cNvGrpSpPr/>
+        <p:nvPr/>
+      </p:nvGrpSpPr>
+      <p:grpSpPr>
+        <a:xfrm>
+          <a:off x="0" y="0"/>
+          <a:ext cx="0" cy="0"/>
+          <a:chOff x="0" y="0"/>
+          <a:chExt cx="0" cy="0"/>
+        </a:xfrm>
+      </p:grpSpPr>
+      <p:sp>
+        <p:nvSpPr>
+          <p:cNvPr id="8" name="Τίτλος 1">
+            <a:extLst>
+              <a:ext uri="{FF2B5EF4-FFF2-40B4-BE49-F238E27FC236}">
+                <a16:creationId xmlns:a16="http://schemas.microsoft.com/office/drawing/2014/main" id="{7AE3A0AC-021D-4010-93DC-CBE2BAE45DD0}"/>
+              </a:ext>
+            </a:extLst>
+          </p:cNvPr>
+          <p:cNvSpPr txBox="1">
+            <a:spLocks/>
+          </p:cNvSpPr>
+          <p:nvPr/>
+        </p:nvSpPr>
+        <p:spPr>
+          <a:xfrm>
+            <a:off x="326067" y="215006"/>
+            <a:ext cx="11567160" cy="914459"/>
+          </a:xfrm>
+          <a:prstGeom prst="rect">
+            <a:avLst/>
+          </a:prstGeom>
+        </p:spPr>
+        <p:txBody>
+          <a:bodyPr vert="horz" lIns="91440" tIns="45720" rIns="91440" bIns="45720" rtlCol="0" anchor="b">
+            <a:normAutofit/>
+          </a:bodyPr>
+          <a:lstStyle>
+            <a:lvl1pPr algn="ctr" defTabSz="914400" rtl="0" eaLnBrk="1" latinLnBrk="0" hangingPunct="1">
+              <a:lnSpc>
+                <a:spcPct val="90000"/>
+              </a:lnSpc>
+              <a:spcBef>
+                <a:spcPct val="0"/>
+              </a:spcBef>
+              <a:buNone/>
+              <a:defRPr sz="6000" kern="1200">
+                <a:solidFill>
+                  <a:schemeClr val="tx1"/>
+                </a:solidFill>
+                <a:latin typeface="+mj-lt"/>
+                <a:ea typeface="+mj-ea"/>
+                <a:cs typeface="+mj-cs"/>
+              </a:defRPr>
+            </a:lvl1pPr>
+          </a:lstStyle>
+          <a:p>
+            <a:pPr algn="l"/>
+            <a:r>
+              <a:rPr lang="en-US" sz="4400" i="1" dirty="0">
+                <a:latin typeface="Book Antiqua" panose="02040602050305030304" pitchFamily="18" charset="0"/>
+              </a:rPr>
+              <a:t>Truth standard and Data</a:t>
+            </a:r>
+            <a:endParaRPr lang="el-GR" sz="4400" i="1" dirty="0">
+              <a:latin typeface="Book Antiqua" panose="02040602050305030304" pitchFamily="18" charset="0"/>
+            </a:endParaRPr>
+          </a:p>
+        </p:txBody>
+      </p:sp>
+      <p:sp>
+        <p:nvSpPr>
+          <p:cNvPr id="3" name="Content Placeholder 2">
+            <a:extLst>
+              <a:ext uri="{FF2B5EF4-FFF2-40B4-BE49-F238E27FC236}">
+                <a16:creationId xmlns:a16="http://schemas.microsoft.com/office/drawing/2014/main" id="{BFC3AAA1-5FD3-4CE3-BCF5-5CDF6EDF6760}"/>
+              </a:ext>
+            </a:extLst>
+          </p:cNvPr>
+          <p:cNvSpPr>
+            <a:spLocks noGrp="1"/>
+          </p:cNvSpPr>
+          <p:nvPr>
+            <p:ph idx="1"/>
+          </p:nvPr>
+        </p:nvSpPr>
+        <p:spPr>
+          <a:xfrm>
+            <a:off x="838200" y="1630696"/>
+            <a:ext cx="10515600" cy="4351338"/>
+          </a:xfrm>
+        </p:spPr>
+        <p:txBody>
+          <a:bodyPr>
+            <a:normAutofit/>
+          </a:bodyPr>
+          <a:lstStyle/>
+          <a:p>
+            <a:r>
+              <a:rPr lang="en-US" sz="2400" dirty="0"/>
+              <a:t>Truth standard: 122 mature blastocyst cells (~14.8M reads/cell)</a:t>
+            </a:r>
+          </a:p>
+          <a:p>
+            <a:endParaRPr lang="en-US" sz="2400" dirty="0"/>
+          </a:p>
+          <a:p>
+            <a:pPr marL="0" indent="0">
+              <a:buNone/>
+            </a:pPr>
+            <a:r>
+              <a:rPr lang="en-US" sz="2400" dirty="0"/>
+              <a:t>			</a:t>
+            </a:r>
+            <a:r>
+              <a:rPr lang="en-US" sz="1800" dirty="0"/>
+              <a:t>         </a:t>
+            </a:r>
+            <a:r>
+              <a:rPr lang="en-US" sz="1800" i="1" dirty="0" err="1"/>
+              <a:t>Downsampling</a:t>
+            </a:r>
+            <a:endParaRPr lang="en-US" sz="1400" i="1" dirty="0"/>
+          </a:p>
+          <a:p>
+            <a:endParaRPr lang="en-US" sz="1800" dirty="0"/>
+          </a:p>
+          <a:p>
+            <a:pPr marL="0" indent="0">
+              <a:buNone/>
+            </a:pPr>
+            <a:r>
+              <a:rPr lang="en-US" sz="2400" dirty="0"/>
+              <a:t> 				</a:t>
+            </a:r>
+          </a:p>
+          <a:p>
+            <a:pPr marL="0" indent="0">
+              <a:buNone/>
+            </a:pPr>
+            <a:r>
+              <a:rPr lang="en-US" sz="2400" dirty="0"/>
+              <a:t>				148k reads/cell</a:t>
+            </a:r>
+          </a:p>
+          <a:p>
+            <a:pPr marL="0" indent="0">
+              <a:buNone/>
+            </a:pPr>
+            <a:endParaRPr lang="en-US" sz="2400" dirty="0"/>
+          </a:p>
+          <a:p>
+            <a:r>
+              <a:rPr lang="en-US" sz="2400" u="sng" dirty="0"/>
+              <a:t>Mature cells</a:t>
+            </a:r>
+            <a:r>
+              <a:rPr lang="en-US" sz="2400" dirty="0"/>
+              <a:t> are chosen so that their allelic expression does not vary too much.</a:t>
+            </a:r>
+          </a:p>
+          <a:p>
+            <a:pPr marL="0" indent="0">
+              <a:buNone/>
+            </a:pPr>
+            <a:endParaRPr lang="en-GB" sz="2400" dirty="0"/>
+          </a:p>
+        </p:txBody>
+      </p:sp>
+      <p:cxnSp>
+        <p:nvCxnSpPr>
+          <p:cNvPr id="7" name="Straight Arrow Connector 6">
+            <a:extLst>
+              <a:ext uri="{FF2B5EF4-FFF2-40B4-BE49-F238E27FC236}">
+                <a16:creationId xmlns:a16="http://schemas.microsoft.com/office/drawing/2014/main" id="{3D3F49E1-19C8-4E25-9F92-FDCCC4880237}"/>
+              </a:ext>
+            </a:extLst>
+          </p:cNvPr>
+          <p:cNvCxnSpPr>
+            <a:cxnSpLocks/>
+          </p:cNvCxnSpPr>
+          <p:nvPr/>
+        </p:nvCxnSpPr>
+        <p:spPr>
+          <a:xfrm>
+            <a:off x="5692502" y="2002972"/>
+            <a:ext cx="0" cy="1727199"/>
+          </a:xfrm>
+          <a:prstGeom prst="straightConnector1">
+            <a:avLst/>
+          </a:prstGeom>
+          <a:ln w="38100">
+            <a:tailEnd type="triangle"/>
+          </a:ln>
+        </p:spPr>
+        <p:style>
+          <a:lnRef idx="1">
+            <a:schemeClr val="accent1"/>
+          </a:lnRef>
+          <a:fillRef idx="0">
+            <a:schemeClr val="accent1"/>
+          </a:fillRef>
+          <a:effectRef idx="0">
+            <a:schemeClr val="accent1"/>
+          </a:effectRef>
+          <a:fontRef idx="minor">
+            <a:schemeClr val="tx1"/>
+          </a:fontRef>
+        </p:style>
+      </p:cxnSp>
+    </p:spTree>
+    <p:extLst>
+      <p:ext uri="{BB962C8B-B14F-4D97-AF65-F5344CB8AC3E}">
+        <p14:creationId xmlns:p14="http://schemas.microsoft.com/office/powerpoint/2010/main" val="953215012"/>
+      </p:ext>
+    </p:extLst>
+  </p:cSld>
+  <p:clrMapOvr>
+    <a:masterClrMapping/>
+  </p:clrMapOvr>
+</p:sld>
+</file>
+
+<file path=ppt/slides/slide14.xml><?xml version="1.0" encoding="utf-8"?>
+<p:sld xmlns:a="http://schemas.openxmlformats.org/drawingml/2006/main" xmlns:r="http://schemas.openxmlformats.org/officeDocument/2006/relationships" xmlns:p="http://schemas.openxmlformats.org/presentationml/2006/main">
+  <p:cSld>
+    <p:spTree>
+      <p:nvGrpSpPr>
+        <p:cNvPr id="1" name=""/>
+        <p:cNvGrpSpPr/>
+        <p:nvPr/>
+      </p:nvGrpSpPr>
+      <p:grpSpPr>
+        <a:xfrm>
+          <a:off x="0" y="0"/>
+          <a:ext cx="0" cy="0"/>
+          <a:chOff x="0" y="0"/>
+          <a:chExt cx="0" cy="0"/>
+        </a:xfrm>
+      </p:grpSpPr>
+      <p:sp>
+        <p:nvSpPr>
+          <p:cNvPr id="8" name="Τίτλος 1">
+            <a:extLst>
+              <a:ext uri="{FF2B5EF4-FFF2-40B4-BE49-F238E27FC236}">
+                <a16:creationId xmlns:a16="http://schemas.microsoft.com/office/drawing/2014/main" id="{7AE3A0AC-021D-4010-93DC-CBE2BAE45DD0}"/>
+              </a:ext>
+            </a:extLst>
+          </p:cNvPr>
+          <p:cNvSpPr txBox="1">
+            <a:spLocks/>
+          </p:cNvSpPr>
+          <p:nvPr/>
+        </p:nvSpPr>
+        <p:spPr>
+          <a:xfrm>
+            <a:off x="326067" y="215006"/>
+            <a:ext cx="11567160" cy="914459"/>
+          </a:xfrm>
+          <a:prstGeom prst="rect">
+            <a:avLst/>
+          </a:prstGeom>
+        </p:spPr>
+        <p:txBody>
+          <a:bodyPr vert="horz" lIns="91440" tIns="45720" rIns="91440" bIns="45720" rtlCol="0" anchor="b">
+            <a:normAutofit/>
+          </a:bodyPr>
+          <a:lstStyle>
+            <a:lvl1pPr algn="ctr" defTabSz="914400" rtl="0" eaLnBrk="1" latinLnBrk="0" hangingPunct="1">
+              <a:lnSpc>
+                <a:spcPct val="90000"/>
+              </a:lnSpc>
+              <a:spcBef>
+                <a:spcPct val="0"/>
+              </a:spcBef>
+              <a:buNone/>
+              <a:defRPr sz="6000" kern="1200">
+                <a:solidFill>
+                  <a:schemeClr val="tx1"/>
+                </a:solidFill>
+                <a:latin typeface="+mj-lt"/>
+                <a:ea typeface="+mj-ea"/>
+                <a:cs typeface="+mj-cs"/>
+              </a:defRPr>
+            </a:lvl1pPr>
+          </a:lstStyle>
+          <a:p>
+            <a:pPr algn="l"/>
+            <a:r>
+              <a:rPr lang="en-US" sz="4400" i="1" dirty="0">
+                <a:latin typeface="Book Antiqua" panose="02040602050305030304" pitchFamily="18" charset="0"/>
+              </a:rPr>
+              <a:t>Results: Effect of Partial Pooling</a:t>
+            </a:r>
+            <a:endParaRPr lang="el-GR" sz="4400" i="1" dirty="0">
+              <a:latin typeface="Book Antiqua" panose="02040602050305030304" pitchFamily="18" charset="0"/>
+            </a:endParaRPr>
+          </a:p>
+        </p:txBody>
+      </p:sp>
+      <p:pic>
+        <p:nvPicPr>
+          <p:cNvPr id="7" name="Picture 6" descr="Graphical user interface, chart&#10;&#10;Description automatically generated">
+            <a:extLst>
+              <a:ext uri="{FF2B5EF4-FFF2-40B4-BE49-F238E27FC236}">
+                <a16:creationId xmlns:a16="http://schemas.microsoft.com/office/drawing/2014/main" id="{6806422C-287C-4B62-8EC7-8B1BF589C702}"/>
+              </a:ext>
+            </a:extLst>
+          </p:cNvPr>
+          <p:cNvPicPr>
+            <a:picLocks noChangeAspect="1"/>
+          </p:cNvPicPr>
+          <p:nvPr/>
+        </p:nvPicPr>
+        <p:blipFill>
+          <a:blip r:embed="rId2">
+            <a:extLst>
+              <a:ext uri="{28A0092B-C50C-407E-A947-70E740481C1C}">
+                <a14:useLocalDpi xmlns:a14="http://schemas.microsoft.com/office/drawing/2010/main" val="0"/>
+              </a:ext>
+            </a:extLst>
+          </a:blip>
+          <a:stretch>
+            <a:fillRect/>
+          </a:stretch>
+        </p:blipFill>
+        <p:spPr>
+          <a:xfrm>
+            <a:off x="856342" y="2717138"/>
+            <a:ext cx="10355895" cy="4140861"/>
+          </a:xfrm>
+          <a:prstGeom prst="rect">
+            <a:avLst/>
+          </a:prstGeom>
+        </p:spPr>
+      </p:pic>
+      <p:sp>
+        <p:nvSpPr>
+          <p:cNvPr id="26" name="TextBox 25">
+            <a:extLst>
+              <a:ext uri="{FF2B5EF4-FFF2-40B4-BE49-F238E27FC236}">
+                <a16:creationId xmlns:a16="http://schemas.microsoft.com/office/drawing/2014/main" id="{5E56E3A0-317B-4A60-8377-FA71B3D2733C}"/>
+              </a:ext>
+            </a:extLst>
+          </p:cNvPr>
+          <p:cNvSpPr txBox="1"/>
+          <p:nvPr/>
+        </p:nvSpPr>
+        <p:spPr>
+          <a:xfrm>
+            <a:off x="1040235" y="1104155"/>
+            <a:ext cx="9328558" cy="1429622"/>
+          </a:xfrm>
+          <a:prstGeom prst="rect">
+            <a:avLst/>
+          </a:prstGeom>
+          <a:noFill/>
+        </p:spPr>
+        <p:txBody>
+          <a:bodyPr wrap="square" rtlCol="0">
+            <a:spAutoFit/>
+          </a:bodyPr>
+          <a:lstStyle/>
+          <a:p>
+            <a:pPr marL="285750" indent="-285750" algn="just">
+              <a:lnSpc>
+                <a:spcPct val="150000"/>
+              </a:lnSpc>
+              <a:buFont typeface="Arial" panose="020B0604020202020204" pitchFamily="34" charset="0"/>
+              <a:buChar char="•"/>
+            </a:pPr>
+            <a:r>
+              <a:rPr lang="en-US" sz="2000" dirty="0">
+                <a:latin typeface="AdvOTea1a7398"/>
+              </a:rPr>
+              <a:t>U</a:t>
+            </a:r>
+            <a:r>
+              <a:rPr lang="en-GB" sz="2000" dirty="0">
+                <a:latin typeface="AdvOTea1a7398"/>
+              </a:rPr>
+              <a:t>sing truth standard, MSE for proportions is computed for when pooling is used and for when pooling is not used. </a:t>
+            </a:r>
+          </a:p>
+          <a:p>
+            <a:pPr marL="285750" indent="-285750" algn="just">
+              <a:lnSpc>
+                <a:spcPct val="150000"/>
+              </a:lnSpc>
+              <a:buFont typeface="Arial" panose="020B0604020202020204" pitchFamily="34" charset="0"/>
+              <a:buChar char="•"/>
+            </a:pPr>
+            <a:r>
+              <a:rPr lang="en-GB" sz="2000" dirty="0">
+                <a:latin typeface="AdvOTea1a7398"/>
+              </a:rPr>
+              <a:t>Effect of </a:t>
+            </a:r>
+            <a:r>
+              <a:rPr lang="en-GB" sz="2000" b="1" dirty="0">
+                <a:latin typeface="AdvOTea1a7398"/>
+              </a:rPr>
+              <a:t>pooling</a:t>
+            </a:r>
+            <a:r>
+              <a:rPr lang="en-GB" sz="2000" dirty="0">
+                <a:latin typeface="AdvOTea1a7398"/>
+              </a:rPr>
+              <a:t> is larger for l</a:t>
+            </a:r>
+            <a:r>
+              <a:rPr lang="en-GB" sz="2000" b="1" dirty="0">
+                <a:latin typeface="AdvOTea1a7398"/>
+              </a:rPr>
+              <a:t>ow read coverage</a:t>
+            </a:r>
+            <a:r>
+              <a:rPr lang="en-GB" sz="2000" dirty="0">
+                <a:latin typeface="AdvOTea1a7398"/>
+              </a:rPr>
+              <a:t> for large number of cells </a:t>
+            </a:r>
+            <a:endParaRPr lang="en-GB" sz="2000" dirty="0"/>
+          </a:p>
+        </p:txBody>
+      </p:sp>
+      <mc:AlternateContent xmlns:mc="http://schemas.openxmlformats.org/markup-compatibility/2006">
+        <mc:Choice xmlns:a14="http://schemas.microsoft.com/office/drawing/2010/main" Requires="a14">
+          <p:sp>
+            <p:nvSpPr>
+              <p:cNvPr id="10" name="TextBox 9">
+                <a:extLst>
+                  <a:ext uri="{FF2B5EF4-FFF2-40B4-BE49-F238E27FC236}">
+                    <a16:creationId xmlns:a16="http://schemas.microsoft.com/office/drawing/2014/main" id="{852EF287-E151-4E1D-9FE8-8F368F5AF339}"/>
+                  </a:ext>
+                </a:extLst>
+              </p:cNvPr>
+              <p:cNvSpPr txBox="1"/>
+              <p:nvPr/>
+            </p:nvSpPr>
+            <p:spPr>
+              <a:xfrm>
+                <a:off x="3570514" y="5776685"/>
+                <a:ext cx="1640115" cy="369909"/>
+              </a:xfrm>
+              <a:prstGeom prst="rect">
+                <a:avLst/>
+              </a:prstGeom>
+              <a:noFill/>
+            </p:spPr>
+            <p:txBody>
+              <a:bodyPr wrap="square" rtlCol="0">
+                <a:spAutoFit/>
+              </a:bodyPr>
+              <a:lstStyle/>
+              <a:p>
+                <a14:m>
+                  <m:oMathPara xmlns:m="http://schemas.openxmlformats.org/officeDocument/2006/math">
+                    <m:oMathParaPr>
+                      <m:jc m:val="centerGroup"/>
+                    </m:oMathParaPr>
+                    <m:oMath xmlns:m="http://schemas.openxmlformats.org/officeDocument/2006/math">
+                      <m:acc>
+                        <m:accPr>
+                          <m:chr m:val="̅"/>
+                          <m:ctrlPr>
+                            <a:rPr lang="en-US" b="0" i="1" smtClean="0">
+                              <a:latin typeface="Cambria Math" panose="02040503050406030204" pitchFamily="18" charset="0"/>
+                            </a:rPr>
+                          </m:ctrlPr>
+                        </m:accPr>
+                        <m:e>
+                          <m:r>
+                            <a:rPr lang="en-US" b="0" i="1" smtClean="0">
+                              <a:latin typeface="Cambria Math" panose="02040503050406030204" pitchFamily="18" charset="0"/>
+                            </a:rPr>
+                            <m:t>𝑀𝑆𝐸</m:t>
+                          </m:r>
+                        </m:e>
+                      </m:acc>
+                      <m:r>
+                        <a:rPr lang="en-US" b="0" i="1" smtClean="0">
+                          <a:latin typeface="Cambria Math" panose="02040503050406030204" pitchFamily="18" charset="0"/>
+                        </a:rPr>
+                        <m:t>=0.018</m:t>
+                      </m:r>
+                    </m:oMath>
+                  </m:oMathPara>
+                </a14:m>
+                <a:endParaRPr lang="en-GB" dirty="0"/>
+              </a:p>
+            </p:txBody>
+          </p:sp>
+        </mc:Choice>
+        <mc:Fallback>
+          <p:sp>
+            <p:nvSpPr>
+              <p:cNvPr id="10" name="TextBox 9">
+                <a:extLst>
+                  <a:ext uri="{FF2B5EF4-FFF2-40B4-BE49-F238E27FC236}">
+                    <a16:creationId xmlns:a16="http://schemas.microsoft.com/office/drawing/2014/main" id="{852EF287-E151-4E1D-9FE8-8F368F5AF339}"/>
+                  </a:ext>
+                </a:extLst>
+              </p:cNvPr>
+              <p:cNvSpPr txBox="1">
+                <a:spLocks noRot="1" noChangeAspect="1" noMove="1" noResize="1" noEditPoints="1" noAdjustHandles="1" noChangeArrowheads="1" noChangeShapeType="1" noTextEdit="1"/>
+              </p:cNvSpPr>
+              <p:nvPr/>
+            </p:nvSpPr>
+            <p:spPr>
+              <a:xfrm>
+                <a:off x="3570514" y="5776685"/>
+                <a:ext cx="1640115" cy="369909"/>
+              </a:xfrm>
+              <a:prstGeom prst="rect">
+                <a:avLst/>
+              </a:prstGeom>
+              <a:blipFill>
+                <a:blip r:embed="rId3"/>
+                <a:stretch>
+                  <a:fillRect/>
+                </a:stretch>
+              </a:blipFill>
+            </p:spPr>
+            <p:txBody>
+              <a:bodyPr/>
+              <a:lstStyle/>
+              <a:p>
+                <a:r>
+                  <a:rPr lang="en-GB">
+                    <a:noFill/>
+                  </a:rPr>
+                  <a:t> </a:t>
+                </a:r>
+              </a:p>
+            </p:txBody>
+          </p:sp>
+        </mc:Fallback>
+      </mc:AlternateContent>
+      <mc:AlternateContent xmlns:mc="http://schemas.openxmlformats.org/markup-compatibility/2006">
+        <mc:Choice xmlns:a14="http://schemas.microsoft.com/office/drawing/2010/main" Requires="a14">
+          <p:sp>
+            <p:nvSpPr>
+              <p:cNvPr id="13" name="TextBox 12">
+                <a:extLst>
+                  <a:ext uri="{FF2B5EF4-FFF2-40B4-BE49-F238E27FC236}">
+                    <a16:creationId xmlns:a16="http://schemas.microsoft.com/office/drawing/2014/main" id="{7BCF3506-D412-465C-8EF8-DC6A1C3933B3}"/>
+                  </a:ext>
+                </a:extLst>
+              </p:cNvPr>
+              <p:cNvSpPr txBox="1"/>
+              <p:nvPr/>
+            </p:nvSpPr>
+            <p:spPr>
+              <a:xfrm>
+                <a:off x="8757706" y="5776685"/>
+                <a:ext cx="1640115" cy="369909"/>
+              </a:xfrm>
+              <a:prstGeom prst="rect">
+                <a:avLst/>
+              </a:prstGeom>
+              <a:noFill/>
+            </p:spPr>
+            <p:txBody>
+              <a:bodyPr wrap="square" rtlCol="0">
+                <a:spAutoFit/>
+              </a:bodyPr>
+              <a:lstStyle/>
+              <a:p>
+                <a:pPr/>
+                <a14:m>
+                  <m:oMathPara xmlns:m="http://schemas.openxmlformats.org/officeDocument/2006/math">
+                    <m:oMathParaPr>
+                      <m:jc m:val="centerGroup"/>
+                    </m:oMathParaPr>
+                    <m:oMath xmlns:m="http://schemas.openxmlformats.org/officeDocument/2006/math">
+                      <m:acc>
+                        <m:accPr>
+                          <m:chr m:val="̅"/>
+                          <m:ctrlPr>
+                            <a:rPr lang="en-US" b="0" i="1" smtClean="0">
+                              <a:latin typeface="Cambria Math" panose="02040503050406030204" pitchFamily="18" charset="0"/>
+                            </a:rPr>
+                          </m:ctrlPr>
+                        </m:accPr>
+                        <m:e>
+                          <m:r>
+                            <a:rPr lang="en-US" b="0" i="1" smtClean="0">
+                              <a:latin typeface="Cambria Math" panose="02040503050406030204" pitchFamily="18" charset="0"/>
+                            </a:rPr>
+                            <m:t>𝑀𝑆𝐸</m:t>
+                          </m:r>
+                        </m:e>
+                      </m:acc>
+                      <m:r>
+                        <a:rPr lang="en-US" b="0" i="1" smtClean="0">
+                          <a:latin typeface="Cambria Math" panose="02040503050406030204" pitchFamily="18" charset="0"/>
+                        </a:rPr>
+                        <m:t>=0.01</m:t>
+                      </m:r>
+                      <m:r>
+                        <a:rPr lang="en-US" b="0" i="1" smtClean="0">
+                          <a:latin typeface="Cambria Math" panose="02040503050406030204" pitchFamily="18" charset="0"/>
+                        </a:rPr>
+                        <m:t>6</m:t>
+                      </m:r>
+                    </m:oMath>
+                  </m:oMathPara>
+                </a14:m>
+                <a:endParaRPr lang="en-GB" dirty="0"/>
+              </a:p>
+            </p:txBody>
+          </p:sp>
+        </mc:Choice>
+        <mc:Fallback>
+          <p:sp>
+            <p:nvSpPr>
+              <p:cNvPr id="13" name="TextBox 12">
+                <a:extLst>
+                  <a:ext uri="{FF2B5EF4-FFF2-40B4-BE49-F238E27FC236}">
+                    <a16:creationId xmlns:a16="http://schemas.microsoft.com/office/drawing/2014/main" id="{7BCF3506-D412-465C-8EF8-DC6A1C3933B3}"/>
+                  </a:ext>
+                </a:extLst>
+              </p:cNvPr>
+              <p:cNvSpPr txBox="1">
+                <a:spLocks noRot="1" noChangeAspect="1" noMove="1" noResize="1" noEditPoints="1" noAdjustHandles="1" noChangeArrowheads="1" noChangeShapeType="1" noTextEdit="1"/>
+              </p:cNvSpPr>
+              <p:nvPr/>
+            </p:nvSpPr>
+            <p:spPr>
+              <a:xfrm>
+                <a:off x="8757706" y="5776685"/>
+                <a:ext cx="1640115" cy="369909"/>
+              </a:xfrm>
+              <a:prstGeom prst="rect">
+                <a:avLst/>
+              </a:prstGeom>
+              <a:blipFill>
+                <a:blip r:embed="rId4"/>
+                <a:stretch>
+                  <a:fillRect/>
+                </a:stretch>
+              </a:blipFill>
+            </p:spPr>
+            <p:txBody>
+              <a:bodyPr/>
+              <a:lstStyle/>
+              <a:p>
+                <a:r>
+                  <a:rPr lang="en-GB">
+                    <a:noFill/>
+                  </a:rPr>
+                  <a:t> </a:t>
+                </a:r>
+              </a:p>
+            </p:txBody>
+          </p:sp>
+        </mc:Fallback>
+      </mc:AlternateContent>
+      <p:sp>
+        <p:nvSpPr>
+          <p:cNvPr id="14" name="TextBox 13">
+            <a:extLst>
+              <a:ext uri="{FF2B5EF4-FFF2-40B4-BE49-F238E27FC236}">
+                <a16:creationId xmlns:a16="http://schemas.microsoft.com/office/drawing/2014/main" id="{838FC996-4C81-4B17-BC97-162C84DF67E0}"/>
+              </a:ext>
+            </a:extLst>
+          </p:cNvPr>
+          <p:cNvSpPr txBox="1"/>
+          <p:nvPr/>
+        </p:nvSpPr>
+        <p:spPr>
+          <a:xfrm>
+            <a:off x="2757714" y="2577319"/>
+            <a:ext cx="1640115" cy="369332"/>
+          </a:xfrm>
+          <a:prstGeom prst="rect">
+            <a:avLst/>
+          </a:prstGeom>
+          <a:noFill/>
+        </p:spPr>
+        <p:txBody>
+          <a:bodyPr wrap="square" rtlCol="0">
+            <a:spAutoFit/>
+          </a:bodyPr>
+          <a:lstStyle/>
+          <a:p>
+            <a:r>
+              <a:rPr lang="en-US" dirty="0"/>
+              <a:t>Unique Reads</a:t>
+            </a:r>
+            <a:endParaRPr lang="en-GB" dirty="0"/>
+          </a:p>
+        </p:txBody>
+      </p:sp>
+      <p:sp>
+        <p:nvSpPr>
+          <p:cNvPr id="15" name="TextBox 14">
+            <a:extLst>
+              <a:ext uri="{FF2B5EF4-FFF2-40B4-BE49-F238E27FC236}">
+                <a16:creationId xmlns:a16="http://schemas.microsoft.com/office/drawing/2014/main" id="{205429DF-20D3-4E41-B1BB-CB6B4AC69310}"/>
+              </a:ext>
+            </a:extLst>
+          </p:cNvPr>
+          <p:cNvSpPr txBox="1"/>
+          <p:nvPr/>
+        </p:nvSpPr>
+        <p:spPr>
+          <a:xfrm>
+            <a:off x="7561943" y="2517958"/>
+            <a:ext cx="2164295" cy="369332"/>
+          </a:xfrm>
+          <a:prstGeom prst="rect">
+            <a:avLst/>
+          </a:prstGeom>
+          <a:noFill/>
+        </p:spPr>
+        <p:txBody>
+          <a:bodyPr wrap="square" rtlCol="0">
+            <a:spAutoFit/>
+          </a:bodyPr>
+          <a:lstStyle/>
+          <a:p>
+            <a:r>
+              <a:rPr lang="en-US" dirty="0"/>
+              <a:t>Weighted Allocation</a:t>
+            </a:r>
+            <a:endParaRPr lang="en-GB" dirty="0"/>
+          </a:p>
+        </p:txBody>
+      </p:sp>
+    </p:spTree>
+    <p:extLst>
+      <p:ext uri="{BB962C8B-B14F-4D97-AF65-F5344CB8AC3E}">
+        <p14:creationId xmlns:p14="http://schemas.microsoft.com/office/powerpoint/2010/main" val="868852046"/>
+      </p:ext>
+    </p:extLst>
+  </p:cSld>
+  <p:clrMapOvr>
+    <a:masterClrMapping/>
+  </p:clrMapOvr>
+</p:sld>
+</file>
+
+<file path=ppt/slides/slide15.xml><?xml version="1.0" encoding="utf-8"?>
+<p:sld xmlns:a="http://schemas.openxmlformats.org/drawingml/2006/main" xmlns:r="http://schemas.openxmlformats.org/officeDocument/2006/relationships" xmlns:p="http://schemas.openxmlformats.org/presentationml/2006/main">
+  <p:cSld>
+    <p:spTree>
+      <p:nvGrpSpPr>
+        <p:cNvPr id="1" name=""/>
+        <p:cNvGrpSpPr/>
+        <p:nvPr/>
+      </p:nvGrpSpPr>
+      <p:grpSpPr>
+        <a:xfrm>
+          <a:off x="0" y="0"/>
+          <a:ext cx="0" cy="0"/>
+          <a:chOff x="0" y="0"/>
+          <a:chExt cx="0" cy="0"/>
+        </a:xfrm>
+      </p:grpSpPr>
+      <p:sp>
+        <p:nvSpPr>
+          <p:cNvPr id="8" name="Τίτλος 1">
+            <a:extLst>
+              <a:ext uri="{FF2B5EF4-FFF2-40B4-BE49-F238E27FC236}">
+                <a16:creationId xmlns:a16="http://schemas.microsoft.com/office/drawing/2014/main" id="{7AE3A0AC-021D-4010-93DC-CBE2BAE45DD0}"/>
+              </a:ext>
+            </a:extLst>
+          </p:cNvPr>
+          <p:cNvSpPr txBox="1">
+            <a:spLocks/>
+          </p:cNvSpPr>
+          <p:nvPr/>
+        </p:nvSpPr>
+        <p:spPr>
+          <a:xfrm>
+            <a:off x="326067" y="215006"/>
+            <a:ext cx="11567160" cy="914459"/>
+          </a:xfrm>
+          <a:prstGeom prst="rect">
+            <a:avLst/>
+          </a:prstGeom>
+        </p:spPr>
+        <p:txBody>
+          <a:bodyPr vert="horz" lIns="91440" tIns="45720" rIns="91440" bIns="45720" rtlCol="0" anchor="b">
+            <a:normAutofit/>
+          </a:bodyPr>
+          <a:lstStyle>
+            <a:lvl1pPr algn="ctr" defTabSz="914400" rtl="0" eaLnBrk="1" latinLnBrk="0" hangingPunct="1">
+              <a:lnSpc>
+                <a:spcPct val="90000"/>
+              </a:lnSpc>
+              <a:spcBef>
+                <a:spcPct val="0"/>
+              </a:spcBef>
+              <a:buNone/>
+              <a:defRPr sz="6000" kern="1200">
+                <a:solidFill>
+                  <a:schemeClr val="tx1"/>
+                </a:solidFill>
+                <a:latin typeface="+mj-lt"/>
+                <a:ea typeface="+mj-ea"/>
+                <a:cs typeface="+mj-cs"/>
+              </a:defRPr>
+            </a:lvl1pPr>
+          </a:lstStyle>
+          <a:p>
+            <a:pPr algn="l"/>
+            <a:r>
+              <a:rPr lang="en-US" sz="4400" i="1" dirty="0">
+                <a:latin typeface="Book Antiqua" panose="02040602050305030304" pitchFamily="18" charset="0"/>
+              </a:rPr>
+              <a:t>Special case: X chromosome </a:t>
+            </a:r>
+            <a:endParaRPr lang="el-GR" sz="4400" i="1" dirty="0">
+              <a:latin typeface="Book Antiqua" panose="02040602050305030304" pitchFamily="18" charset="0"/>
+            </a:endParaRPr>
+          </a:p>
+        </p:txBody>
+      </p:sp>
+      <p:sp>
+        <p:nvSpPr>
+          <p:cNvPr id="26" name="TextBox 25">
+            <a:extLst>
+              <a:ext uri="{FF2B5EF4-FFF2-40B4-BE49-F238E27FC236}">
+                <a16:creationId xmlns:a16="http://schemas.microsoft.com/office/drawing/2014/main" id="{5E56E3A0-317B-4A60-8377-FA71B3D2733C}"/>
+              </a:ext>
+            </a:extLst>
+          </p:cNvPr>
+          <p:cNvSpPr txBox="1"/>
+          <p:nvPr/>
+        </p:nvSpPr>
+        <p:spPr>
+          <a:xfrm>
+            <a:off x="1040235" y="1379921"/>
+            <a:ext cx="9328558" cy="400110"/>
+          </a:xfrm>
+          <a:prstGeom prst="rect">
+            <a:avLst/>
+          </a:prstGeom>
+          <a:noFill/>
+        </p:spPr>
+        <p:txBody>
+          <a:bodyPr wrap="square" rtlCol="0">
+            <a:spAutoFit/>
+          </a:bodyPr>
+          <a:lstStyle/>
+          <a:p>
+            <a:pPr marL="285750" indent="-285750" algn="just">
+              <a:buFont typeface="Arial" panose="020B0604020202020204" pitchFamily="34" charset="0"/>
+              <a:buChar char="•"/>
+            </a:pPr>
+            <a:endParaRPr lang="en-GB" sz="2000" dirty="0"/>
+          </a:p>
+        </p:txBody>
+      </p:sp>
+      <p:sp>
+        <p:nvSpPr>
+          <p:cNvPr id="3" name="Content Placeholder 2">
+            <a:extLst>
+              <a:ext uri="{FF2B5EF4-FFF2-40B4-BE49-F238E27FC236}">
+                <a16:creationId xmlns:a16="http://schemas.microsoft.com/office/drawing/2014/main" id="{28D34CD2-C14E-4FB9-855E-48ECB50A61E1}"/>
+              </a:ext>
+            </a:extLst>
+          </p:cNvPr>
+          <p:cNvSpPr>
+            <a:spLocks noGrp="1"/>
+          </p:cNvSpPr>
+          <p:nvPr>
+            <p:ph sz="half" idx="1"/>
+          </p:nvPr>
+        </p:nvSpPr>
+        <p:spPr>
+          <a:xfrm>
+            <a:off x="838200" y="1602772"/>
+            <a:ext cx="5181600" cy="4797042"/>
+          </a:xfrm>
+        </p:spPr>
+        <p:txBody>
+          <a:bodyPr>
+            <a:normAutofit fontScale="92500" lnSpcReduction="10000"/>
+          </a:bodyPr>
+          <a:lstStyle/>
+          <a:p>
+            <a:pPr algn="just"/>
+            <a:r>
+              <a:rPr lang="en-US" dirty="0"/>
+              <a:t>All X chromosomes have XIC                site   </a:t>
+            </a:r>
+            <a:r>
+              <a:rPr lang="en-US" dirty="0" err="1"/>
+              <a:t>Xist</a:t>
+            </a:r>
+            <a:r>
+              <a:rPr lang="en-US" dirty="0"/>
+              <a:t> transcript</a:t>
+            </a:r>
+            <a:r>
+              <a:rPr lang="en-US" dirty="0">
+                <a:solidFill>
+                  <a:schemeClr val="bg1"/>
+                </a:solidFill>
+              </a:rPr>
+              <a:t> mmm</a:t>
+            </a:r>
+            <a:r>
+              <a:rPr lang="en-US" dirty="0"/>
+              <a:t>            Inactivation of the X chromosome that produced the </a:t>
+            </a:r>
+            <a:r>
+              <a:rPr lang="en-US" dirty="0" err="1"/>
+              <a:t>Xist</a:t>
+            </a:r>
+            <a:r>
+              <a:rPr lang="en-US" dirty="0"/>
+              <a:t> transcript</a:t>
+            </a:r>
+          </a:p>
+          <a:p>
+            <a:pPr marL="0" indent="0">
+              <a:buNone/>
+            </a:pPr>
+            <a:endParaRPr lang="en-US" dirty="0"/>
+          </a:p>
+          <a:p>
+            <a:pPr algn="just"/>
+            <a:r>
+              <a:rPr lang="en-US" dirty="0"/>
+              <a:t>At blastocyst stage of a female the inactivation for each cell happens to one of two X chromosomes.</a:t>
+            </a:r>
+          </a:p>
+          <a:p>
+            <a:pPr algn="just"/>
+            <a:endParaRPr lang="en-GB" dirty="0"/>
+          </a:p>
+          <a:p>
+            <a:pPr algn="just"/>
+            <a:r>
+              <a:rPr lang="en-GB" dirty="0"/>
+              <a:t>Partial Pooling reinforces the expected pattern of expression, as verified from different datasets.</a:t>
+            </a:r>
+          </a:p>
+        </p:txBody>
+      </p:sp>
+      <p:pic>
+        <p:nvPicPr>
+          <p:cNvPr id="17" name="Content Placeholder 16" descr="Diagram, schematic&#10;&#10;Description automatically generated">
+            <a:extLst>
+              <a:ext uri="{FF2B5EF4-FFF2-40B4-BE49-F238E27FC236}">
+                <a16:creationId xmlns:a16="http://schemas.microsoft.com/office/drawing/2014/main" id="{F2038E10-AB18-4ABD-86DC-140A98F3173D}"/>
+              </a:ext>
+            </a:extLst>
+          </p:cNvPr>
+          <p:cNvPicPr>
+            <a:picLocks noGrp="1" noChangeAspect="1"/>
+          </p:cNvPicPr>
+          <p:nvPr>
+            <p:ph sz="half" idx="2"/>
+          </p:nvPr>
+        </p:nvPicPr>
+        <p:blipFill rotWithShape="1">
+          <a:blip r:embed="rId2">
+            <a:extLst>
+              <a:ext uri="{28A0092B-C50C-407E-A947-70E740481C1C}">
+                <a14:useLocalDpi xmlns:a14="http://schemas.microsoft.com/office/drawing/2010/main" val="0"/>
+              </a:ext>
+            </a:extLst>
+          </a:blip>
+          <a:srcRect l="4169" b="22349"/>
+          <a:stretch/>
+        </p:blipFill>
+        <p:spPr>
+          <a:xfrm>
+            <a:off x="6150427" y="3045465"/>
+            <a:ext cx="5922807" cy="1911655"/>
+          </a:xfrm>
+        </p:spPr>
+      </p:pic>
+      <p:cxnSp>
+        <p:nvCxnSpPr>
+          <p:cNvPr id="5" name="Straight Arrow Connector 4">
+            <a:extLst>
+              <a:ext uri="{FF2B5EF4-FFF2-40B4-BE49-F238E27FC236}">
+                <a16:creationId xmlns:a16="http://schemas.microsoft.com/office/drawing/2014/main" id="{849931CD-F3C9-4033-8B87-0A22E024FF52}"/>
+              </a:ext>
+            </a:extLst>
+          </p:cNvPr>
+          <p:cNvCxnSpPr>
+            <a:cxnSpLocks/>
+          </p:cNvCxnSpPr>
+          <p:nvPr/>
+        </p:nvCxnSpPr>
+        <p:spPr>
+          <a:xfrm flipV="1">
+            <a:off x="1817912" y="2123314"/>
+            <a:ext cx="682172" cy="1"/>
+          </a:xfrm>
+          <a:prstGeom prst="straightConnector1">
+            <a:avLst/>
+          </a:prstGeom>
+          <a:ln>
+            <a:tailEnd type="triangle"/>
+          </a:ln>
+        </p:spPr>
+        <p:style>
+          <a:lnRef idx="1">
+            <a:schemeClr val="accent1"/>
+          </a:lnRef>
+          <a:fillRef idx="0">
+            <a:schemeClr val="accent1"/>
+          </a:fillRef>
+          <a:effectRef idx="0">
+            <a:schemeClr val="accent1"/>
+          </a:effectRef>
+          <a:fontRef idx="minor">
+            <a:schemeClr val="tx1"/>
+          </a:fontRef>
+        </p:style>
+      </p:cxnSp>
+      <p:cxnSp>
+        <p:nvCxnSpPr>
+          <p:cNvPr id="11" name="Straight Arrow Connector 10">
+            <a:extLst>
+              <a:ext uri="{FF2B5EF4-FFF2-40B4-BE49-F238E27FC236}">
+                <a16:creationId xmlns:a16="http://schemas.microsoft.com/office/drawing/2014/main" id="{AED3BE02-894C-4396-B0F0-D82F429B4DD1}"/>
+              </a:ext>
+            </a:extLst>
+          </p:cNvPr>
+          <p:cNvCxnSpPr/>
+          <p:nvPr/>
+        </p:nvCxnSpPr>
+        <p:spPr>
+          <a:xfrm>
+            <a:off x="4938878" y="2123314"/>
+            <a:ext cx="783771" cy="0"/>
+          </a:xfrm>
+          <a:prstGeom prst="straightConnector1">
+            <a:avLst/>
+          </a:prstGeom>
+          <a:ln>
+            <a:tailEnd type="triangle"/>
+          </a:ln>
+        </p:spPr>
+        <p:style>
+          <a:lnRef idx="1">
+            <a:schemeClr val="accent1"/>
+          </a:lnRef>
+          <a:fillRef idx="0">
+            <a:schemeClr val="accent1"/>
+          </a:fillRef>
+          <a:effectRef idx="0">
+            <a:schemeClr val="accent1"/>
+          </a:effectRef>
+          <a:fontRef idx="minor">
+            <a:schemeClr val="tx1"/>
+          </a:fontRef>
+        </p:style>
+      </p:cxnSp>
+      <p:cxnSp>
+        <p:nvCxnSpPr>
+          <p:cNvPr id="14" name="Straight Connector 13">
+            <a:extLst>
+              <a:ext uri="{FF2B5EF4-FFF2-40B4-BE49-F238E27FC236}">
+                <a16:creationId xmlns:a16="http://schemas.microsoft.com/office/drawing/2014/main" id="{5446A27C-4AFE-4194-AE1D-5194A2490058}"/>
+              </a:ext>
+            </a:extLst>
+          </p:cNvPr>
+          <p:cNvCxnSpPr>
+            <a:cxnSpLocks/>
+          </p:cNvCxnSpPr>
+          <p:nvPr/>
+        </p:nvCxnSpPr>
+        <p:spPr>
+          <a:xfrm>
+            <a:off x="6041574" y="1602772"/>
+            <a:ext cx="0" cy="4574191"/>
+          </a:xfrm>
+          <a:prstGeom prst="line">
+            <a:avLst/>
+          </a:prstGeom>
+        </p:spPr>
+        <p:style>
+          <a:lnRef idx="1">
+            <a:schemeClr val="accent1"/>
+          </a:lnRef>
+          <a:fillRef idx="0">
+            <a:schemeClr val="accent1"/>
+          </a:fillRef>
+          <a:effectRef idx="0">
+            <a:schemeClr val="accent1"/>
+          </a:effectRef>
+          <a:fontRef idx="minor">
+            <a:schemeClr val="tx1"/>
+          </a:fontRef>
+        </p:style>
+      </p:cxnSp>
+    </p:spTree>
+    <p:extLst>
+      <p:ext uri="{BB962C8B-B14F-4D97-AF65-F5344CB8AC3E}">
+        <p14:creationId xmlns:p14="http://schemas.microsoft.com/office/powerpoint/2010/main" val="3589391984"/>
+      </p:ext>
+    </p:extLst>
+  </p:cSld>
+  <p:clrMapOvr>
+    <a:masterClrMapping/>
+  </p:clrMapOvr>
+</p:sld>
+</file>
+
+<file path=ppt/slides/slide16.xml><?xml version="1.0" encoding="utf-8"?>
+<p:sld xmlns:a="http://schemas.openxmlformats.org/drawingml/2006/main" xmlns:r="http://schemas.openxmlformats.org/officeDocument/2006/relationships" xmlns:p="http://schemas.openxmlformats.org/presentationml/2006/main">
+  <p:cSld>
+    <p:spTree>
+      <p:nvGrpSpPr>
+        <p:cNvPr id="1" name=""/>
+        <p:cNvGrpSpPr/>
+        <p:nvPr/>
+      </p:nvGrpSpPr>
+      <p:grpSpPr>
+        <a:xfrm>
+          <a:off x="0" y="0"/>
+          <a:ext cx="0" cy="0"/>
+          <a:chOff x="0" y="0"/>
+          <a:chExt cx="0" cy="0"/>
+        </a:xfrm>
+      </p:grpSpPr>
+      <p:sp>
+        <p:nvSpPr>
+          <p:cNvPr id="8" name="Τίτλος 1">
+            <a:extLst>
+              <a:ext uri="{FF2B5EF4-FFF2-40B4-BE49-F238E27FC236}">
+                <a16:creationId xmlns:a16="http://schemas.microsoft.com/office/drawing/2014/main" id="{7AE3A0AC-021D-4010-93DC-CBE2BAE45DD0}"/>
+              </a:ext>
+            </a:extLst>
+          </p:cNvPr>
+          <p:cNvSpPr txBox="1">
+            <a:spLocks/>
+          </p:cNvSpPr>
+          <p:nvPr/>
+        </p:nvSpPr>
+        <p:spPr>
+          <a:xfrm>
+            <a:off x="326067" y="215006"/>
+            <a:ext cx="11567160" cy="914459"/>
+          </a:xfrm>
+          <a:prstGeom prst="rect">
+            <a:avLst/>
+          </a:prstGeom>
+        </p:spPr>
+        <p:txBody>
+          <a:bodyPr vert="horz" lIns="91440" tIns="45720" rIns="91440" bIns="45720" rtlCol="0" anchor="b">
+            <a:normAutofit/>
+          </a:bodyPr>
+          <a:lstStyle>
+            <a:lvl1pPr algn="ctr" defTabSz="914400" rtl="0" eaLnBrk="1" latinLnBrk="0" hangingPunct="1">
+              <a:lnSpc>
+                <a:spcPct val="90000"/>
+              </a:lnSpc>
+              <a:spcBef>
+                <a:spcPct val="0"/>
+              </a:spcBef>
+              <a:buNone/>
+              <a:defRPr sz="6000" kern="1200">
+                <a:solidFill>
+                  <a:schemeClr val="tx1"/>
+                </a:solidFill>
+                <a:latin typeface="+mj-lt"/>
+                <a:ea typeface="+mj-ea"/>
+                <a:cs typeface="+mj-cs"/>
+              </a:defRPr>
+            </a:lvl1pPr>
+          </a:lstStyle>
+          <a:p>
+            <a:pPr algn="l"/>
+            <a:r>
+              <a:rPr lang="en-US" sz="4400" i="1" dirty="0">
+                <a:latin typeface="Book Antiqua" panose="02040602050305030304" pitchFamily="18" charset="0"/>
+              </a:rPr>
+              <a:t>Visualization of Results</a:t>
+            </a:r>
+            <a:endParaRPr lang="el-GR" sz="4400" i="1" dirty="0">
+              <a:latin typeface="Book Antiqua" panose="02040602050305030304" pitchFamily="18" charset="0"/>
+            </a:endParaRPr>
+          </a:p>
+        </p:txBody>
+      </p:sp>
+      <p:sp>
+        <p:nvSpPr>
+          <p:cNvPr id="26" name="TextBox 25">
+            <a:extLst>
+              <a:ext uri="{FF2B5EF4-FFF2-40B4-BE49-F238E27FC236}">
+                <a16:creationId xmlns:a16="http://schemas.microsoft.com/office/drawing/2014/main" id="{5E56E3A0-317B-4A60-8377-FA71B3D2733C}"/>
+              </a:ext>
+            </a:extLst>
+          </p:cNvPr>
+          <p:cNvSpPr txBox="1"/>
+          <p:nvPr/>
+        </p:nvSpPr>
+        <p:spPr>
+          <a:xfrm>
+            <a:off x="1040235" y="1379921"/>
+            <a:ext cx="9328558" cy="400110"/>
+          </a:xfrm>
+          <a:prstGeom prst="rect">
+            <a:avLst/>
+          </a:prstGeom>
+          <a:noFill/>
+        </p:spPr>
+        <p:txBody>
+          <a:bodyPr wrap="square" rtlCol="0">
+            <a:spAutoFit/>
+          </a:bodyPr>
+          <a:lstStyle/>
+          <a:p>
+            <a:pPr marL="285750" indent="-285750" algn="just">
+              <a:buFont typeface="Arial" panose="020B0604020202020204" pitchFamily="34" charset="0"/>
+              <a:buChar char="•"/>
+            </a:pPr>
+            <a:endParaRPr lang="en-GB" sz="2000" dirty="0"/>
+          </a:p>
+        </p:txBody>
+      </p:sp>
+      <p:pic>
+        <p:nvPicPr>
+          <p:cNvPr id="18" name="Content Placeholder 17" descr="A picture containing chart&#10;&#10;Description automatically generated">
+            <a:extLst>
+              <a:ext uri="{FF2B5EF4-FFF2-40B4-BE49-F238E27FC236}">
+                <a16:creationId xmlns:a16="http://schemas.microsoft.com/office/drawing/2014/main" id="{9E4BE1C6-0D07-4B1E-8857-F84664DCBC0B}"/>
+              </a:ext>
+            </a:extLst>
+          </p:cNvPr>
+          <p:cNvPicPr>
+            <a:picLocks noGrp="1" noChangeAspect="1"/>
+          </p:cNvPicPr>
+          <p:nvPr>
+            <p:ph sz="half" idx="2"/>
+          </p:nvPr>
+        </p:nvPicPr>
+        <p:blipFill rotWithShape="1">
+          <a:blip r:embed="rId2">
+            <a:extLst>
+              <a:ext uri="{28A0092B-C50C-407E-A947-70E740481C1C}">
+                <a14:useLocalDpi xmlns:a14="http://schemas.microsoft.com/office/drawing/2010/main" val="0"/>
+              </a:ext>
+            </a:extLst>
+          </a:blip>
+          <a:srcRect l="3293" t="4097" r="12477"/>
+          <a:stretch/>
+        </p:blipFill>
+        <p:spPr>
+          <a:xfrm>
+            <a:off x="624114" y="1654629"/>
+            <a:ext cx="3947886" cy="3773203"/>
+          </a:xfrm>
+        </p:spPr>
+      </p:pic>
+      <p:cxnSp>
+        <p:nvCxnSpPr>
+          <p:cNvPr id="20" name="Straight Arrow Connector 19">
+            <a:extLst>
+              <a:ext uri="{FF2B5EF4-FFF2-40B4-BE49-F238E27FC236}">
+                <a16:creationId xmlns:a16="http://schemas.microsoft.com/office/drawing/2014/main" id="{8EEBB67A-60AF-4627-876A-B087FB1FEF12}"/>
+              </a:ext>
+            </a:extLst>
+          </p:cNvPr>
+          <p:cNvCxnSpPr/>
+          <p:nvPr/>
+        </p:nvCxnSpPr>
+        <p:spPr>
+          <a:xfrm>
+            <a:off x="4325657" y="3265714"/>
+            <a:ext cx="3018971" cy="0"/>
+          </a:xfrm>
+          <a:prstGeom prst="straightConnector1">
+            <a:avLst/>
+          </a:prstGeom>
+          <a:ln w="28575">
+            <a:tailEnd type="triangle"/>
+          </a:ln>
+        </p:spPr>
+        <p:style>
+          <a:lnRef idx="1">
+            <a:schemeClr val="accent1"/>
+          </a:lnRef>
+          <a:fillRef idx="0">
+            <a:schemeClr val="accent1"/>
+          </a:fillRef>
+          <a:effectRef idx="0">
+            <a:schemeClr val="accent1"/>
+          </a:effectRef>
+          <a:fontRef idx="minor">
+            <a:schemeClr val="tx1"/>
+          </a:fontRef>
+        </p:style>
+      </p:cxnSp>
+      <p:sp>
+        <p:nvSpPr>
+          <p:cNvPr id="21" name="TextBox 20">
+            <a:extLst>
+              <a:ext uri="{FF2B5EF4-FFF2-40B4-BE49-F238E27FC236}">
+                <a16:creationId xmlns:a16="http://schemas.microsoft.com/office/drawing/2014/main" id="{BA9A46B1-E51F-492D-9E54-4F847AD1F770}"/>
+              </a:ext>
+            </a:extLst>
+          </p:cNvPr>
+          <p:cNvSpPr txBox="1"/>
+          <p:nvPr/>
+        </p:nvSpPr>
+        <p:spPr>
+          <a:xfrm>
+            <a:off x="5638800" y="2975428"/>
+            <a:ext cx="65" cy="276999"/>
+          </a:xfrm>
+          <a:prstGeom prst="rect">
+            <a:avLst/>
+          </a:prstGeom>
+          <a:noFill/>
+        </p:spPr>
+        <p:txBody>
+          <a:bodyPr wrap="none" lIns="0" tIns="0" rIns="0" bIns="0" rtlCol="0">
+            <a:spAutoFit/>
+          </a:bodyPr>
+          <a:lstStyle/>
+          <a:p>
+            <a:endParaRPr lang="en-GB" dirty="0"/>
+          </a:p>
+        </p:txBody>
+      </p:sp>
+      <p:sp>
+        <p:nvSpPr>
+          <p:cNvPr id="22" name="TextBox 21">
+            <a:extLst>
+              <a:ext uri="{FF2B5EF4-FFF2-40B4-BE49-F238E27FC236}">
+                <a16:creationId xmlns:a16="http://schemas.microsoft.com/office/drawing/2014/main" id="{46A6A2DC-746B-4510-AF87-7D54144FCB9A}"/>
+              </a:ext>
+            </a:extLst>
+          </p:cNvPr>
+          <p:cNvSpPr txBox="1"/>
+          <p:nvPr/>
+        </p:nvSpPr>
+        <p:spPr>
+          <a:xfrm>
+            <a:off x="5053691" y="2790762"/>
+            <a:ext cx="1523805" cy="369332"/>
+          </a:xfrm>
+          <a:prstGeom prst="rect">
+            <a:avLst/>
+          </a:prstGeom>
+          <a:noFill/>
+        </p:spPr>
+        <p:txBody>
+          <a:bodyPr wrap="square" rtlCol="0">
+            <a:spAutoFit/>
+          </a:bodyPr>
+          <a:lstStyle/>
+          <a:p>
+            <a:r>
+              <a:rPr lang="en-US" dirty="0"/>
+              <a:t>Partial Pooling</a:t>
+            </a:r>
+            <a:endParaRPr lang="en-GB" dirty="0"/>
+          </a:p>
+        </p:txBody>
+      </p:sp>
+      <p:sp>
+        <p:nvSpPr>
+          <p:cNvPr id="24" name="TextBox 23">
+            <a:extLst>
+              <a:ext uri="{FF2B5EF4-FFF2-40B4-BE49-F238E27FC236}">
+                <a16:creationId xmlns:a16="http://schemas.microsoft.com/office/drawing/2014/main" id="{E8E73608-B2E4-485A-BD65-6A6193F3CD51}"/>
+              </a:ext>
+            </a:extLst>
+          </p:cNvPr>
+          <p:cNvSpPr txBox="1"/>
+          <p:nvPr/>
+        </p:nvSpPr>
+        <p:spPr>
+          <a:xfrm>
+            <a:off x="740229" y="5558971"/>
+            <a:ext cx="10827657" cy="1938992"/>
+          </a:xfrm>
+          <a:prstGeom prst="rect">
+            <a:avLst/>
+          </a:prstGeom>
+          <a:noFill/>
+        </p:spPr>
+        <p:txBody>
+          <a:bodyPr wrap="square" rtlCol="0">
+            <a:spAutoFit/>
+          </a:bodyPr>
+          <a:lstStyle/>
+          <a:p>
+            <a:pPr marL="342900" indent="-342900">
+              <a:buFont typeface="Arial" panose="020B0604020202020204" pitchFamily="34" charset="0"/>
+              <a:buChar char="•"/>
+            </a:pPr>
+            <a:r>
+              <a:rPr lang="en-US" sz="2000" dirty="0"/>
+              <a:t>CASTxB6 cells: </a:t>
+            </a:r>
+            <a:r>
+              <a:rPr lang="en-US" sz="2000" dirty="0" err="1"/>
+              <a:t>Xist</a:t>
+            </a:r>
+            <a:r>
+              <a:rPr lang="en-US" sz="2000" dirty="0"/>
+              <a:t> expressed from the </a:t>
+            </a:r>
+            <a:r>
+              <a:rPr lang="en-US" sz="2000" b="1" dirty="0"/>
+              <a:t>paternal</a:t>
+            </a:r>
+            <a:r>
+              <a:rPr lang="en-US" sz="2000" dirty="0"/>
+              <a:t> allele 	     Genes expressed from </a:t>
+            </a:r>
+            <a:r>
+              <a:rPr lang="en-US" sz="2000" b="1" dirty="0"/>
+              <a:t>M</a:t>
+            </a:r>
+            <a:r>
+              <a:rPr lang="en-US" sz="2000" dirty="0"/>
+              <a:t> allele</a:t>
+            </a:r>
+          </a:p>
+          <a:p>
+            <a:endParaRPr lang="en-US" sz="2000" dirty="0"/>
+          </a:p>
+          <a:p>
+            <a:pPr marL="342900" indent="-342900">
+              <a:buFont typeface="Arial" panose="020B0604020202020204" pitchFamily="34" charset="0"/>
+              <a:buChar char="•"/>
+            </a:pPr>
+            <a:r>
+              <a:rPr lang="en-US" sz="2000" dirty="0"/>
+              <a:t>B6xCAST cells: </a:t>
+            </a:r>
+            <a:r>
+              <a:rPr lang="en-US" sz="2000" dirty="0" err="1"/>
+              <a:t>Xist</a:t>
+            </a:r>
+            <a:r>
+              <a:rPr lang="en-US" sz="2000" dirty="0"/>
+              <a:t> expressed from </a:t>
+            </a:r>
+            <a:r>
+              <a:rPr lang="en-US" sz="2000" b="1" dirty="0"/>
+              <a:t>either</a:t>
+            </a:r>
+            <a:r>
+              <a:rPr lang="en-US" sz="2000" dirty="0"/>
+              <a:t> allele 	          Genes expressed from in the </a:t>
+            </a:r>
+            <a:r>
+              <a:rPr lang="en-US" sz="2000" b="1" dirty="0"/>
+              <a:t>MP</a:t>
+            </a:r>
+            <a:r>
+              <a:rPr lang="en-US" sz="2000" dirty="0"/>
+              <a:t> class</a:t>
+            </a:r>
+          </a:p>
+          <a:p>
+            <a:endParaRPr lang="en-US" sz="2000" dirty="0"/>
+          </a:p>
+          <a:p>
+            <a:endParaRPr lang="en-GB" sz="2000" dirty="0"/>
+          </a:p>
+          <a:p>
+            <a:endParaRPr lang="en-GB" sz="2000" dirty="0"/>
+          </a:p>
+        </p:txBody>
+      </p:sp>
+      <p:cxnSp>
+        <p:nvCxnSpPr>
+          <p:cNvPr id="27" name="Straight Arrow Connector 26">
+            <a:extLst>
+              <a:ext uri="{FF2B5EF4-FFF2-40B4-BE49-F238E27FC236}">
+                <a16:creationId xmlns:a16="http://schemas.microsoft.com/office/drawing/2014/main" id="{8DF01CF4-2930-4C4D-9BDE-73D834E30012}"/>
+              </a:ext>
+            </a:extLst>
+          </p:cNvPr>
+          <p:cNvCxnSpPr/>
+          <p:nvPr/>
+        </p:nvCxnSpPr>
+        <p:spPr>
+          <a:xfrm>
+            <a:off x="6705997" y="5760596"/>
+            <a:ext cx="725715" cy="0"/>
+          </a:xfrm>
+          <a:prstGeom prst="straightConnector1">
+            <a:avLst/>
+          </a:prstGeom>
+          <a:ln>
+            <a:tailEnd type="triangle"/>
+          </a:ln>
+        </p:spPr>
+        <p:style>
+          <a:lnRef idx="1">
+            <a:schemeClr val="accent1"/>
+          </a:lnRef>
+          <a:fillRef idx="0">
+            <a:schemeClr val="accent1"/>
+          </a:fillRef>
+          <a:effectRef idx="0">
+            <a:schemeClr val="accent1"/>
+          </a:effectRef>
+          <a:fontRef idx="minor">
+            <a:schemeClr val="tx1"/>
+          </a:fontRef>
+        </p:style>
+      </p:cxnSp>
+      <p:cxnSp>
+        <p:nvCxnSpPr>
+          <p:cNvPr id="30" name="Straight Arrow Connector 29">
+            <a:extLst>
+              <a:ext uri="{FF2B5EF4-FFF2-40B4-BE49-F238E27FC236}">
+                <a16:creationId xmlns:a16="http://schemas.microsoft.com/office/drawing/2014/main" id="{4D4ABD0C-04A2-46F0-AD78-BB5E0D00A456}"/>
+              </a:ext>
+            </a:extLst>
+          </p:cNvPr>
+          <p:cNvCxnSpPr/>
+          <p:nvPr/>
+        </p:nvCxnSpPr>
+        <p:spPr>
+          <a:xfrm>
+            <a:off x="6096000" y="6377452"/>
+            <a:ext cx="725715" cy="0"/>
+          </a:xfrm>
+          <a:prstGeom prst="straightConnector1">
+            <a:avLst/>
+          </a:prstGeom>
+          <a:ln>
+            <a:tailEnd type="triangle"/>
+          </a:ln>
+        </p:spPr>
+        <p:style>
+          <a:lnRef idx="1">
+            <a:schemeClr val="accent1"/>
+          </a:lnRef>
+          <a:fillRef idx="0">
+            <a:schemeClr val="accent1"/>
+          </a:fillRef>
+          <a:effectRef idx="0">
+            <a:schemeClr val="accent1"/>
+          </a:effectRef>
+          <a:fontRef idx="minor">
+            <a:schemeClr val="tx1"/>
+          </a:fontRef>
+        </p:style>
+      </p:cxnSp>
+      <p:grpSp>
+        <p:nvGrpSpPr>
+          <p:cNvPr id="32" name="Group 31">
+            <a:extLst>
+              <a:ext uri="{FF2B5EF4-FFF2-40B4-BE49-F238E27FC236}">
+                <a16:creationId xmlns:a16="http://schemas.microsoft.com/office/drawing/2014/main" id="{3518F846-E435-41E6-A96B-DD2B64BCE54C}"/>
+              </a:ext>
+            </a:extLst>
+          </p:cNvPr>
+          <p:cNvGrpSpPr/>
+          <p:nvPr/>
+        </p:nvGrpSpPr>
+        <p:grpSpPr>
+          <a:xfrm>
+            <a:off x="7431712" y="1509486"/>
+            <a:ext cx="4136174" cy="3889314"/>
+            <a:chOff x="7431712" y="1509486"/>
+            <a:chExt cx="4136174" cy="3889314"/>
+          </a:xfrm>
+        </p:grpSpPr>
+        <p:pic>
+          <p:nvPicPr>
+            <p:cNvPr id="15" name="Content Placeholder 9" descr="Chart&#10;&#10;Description automatically generated">
+              <a:extLst>
+                <a:ext uri="{FF2B5EF4-FFF2-40B4-BE49-F238E27FC236}">
+                  <a16:creationId xmlns:a16="http://schemas.microsoft.com/office/drawing/2014/main" id="{4F169351-4565-404E-A552-084A96882C30}"/>
+                </a:ext>
+              </a:extLst>
+            </p:cNvPr>
+            <p:cNvPicPr>
+              <a:picLocks noChangeAspect="1"/>
+            </p:cNvPicPr>
+            <p:nvPr/>
+          </p:nvPicPr>
+          <p:blipFill rotWithShape="1">
+            <a:blip r:embed="rId3">
+              <a:extLst>
+                <a:ext uri="{28A0092B-C50C-407E-A947-70E740481C1C}">
+                  <a14:useLocalDpi xmlns:a14="http://schemas.microsoft.com/office/drawing/2010/main" val="0"/>
+                </a:ext>
+              </a:extLst>
+            </a:blip>
+            <a:srcRect l="9964" t="50154" r="2952" b="4550"/>
+            <a:stretch/>
+          </p:blipFill>
+          <p:spPr>
+            <a:xfrm>
+              <a:off x="7516128" y="1625598"/>
+              <a:ext cx="4051758" cy="3773202"/>
+            </a:xfrm>
+            <a:prstGeom prst="rect">
+              <a:avLst/>
+            </a:prstGeom>
+          </p:spPr>
+        </p:pic>
+        <p:sp>
+          <p:nvSpPr>
+            <p:cNvPr id="31" name="Rectangle 30">
+              <a:extLst>
+                <a:ext uri="{FF2B5EF4-FFF2-40B4-BE49-F238E27FC236}">
+                  <a16:creationId xmlns:a16="http://schemas.microsoft.com/office/drawing/2014/main" id="{F9B800E1-74D1-4400-AC78-E4C664485871}"/>
+                </a:ext>
+              </a:extLst>
+            </p:cNvPr>
+            <p:cNvSpPr/>
+            <p:nvPr/>
+          </p:nvSpPr>
+          <p:spPr>
+            <a:xfrm>
+              <a:off x="7431712" y="1509486"/>
+              <a:ext cx="1380518" cy="740228"/>
+            </a:xfrm>
+            <a:prstGeom prst="rect">
+              <a:avLst/>
+            </a:prstGeom>
+            <a:solidFill>
+              <a:schemeClr val="bg1"/>
+            </a:solidFill>
+            <a:ln>
+              <a:solidFill>
+                <a:schemeClr val="bg1"/>
+              </a:solidFill>
+            </a:ln>
+          </p:spPr>
+          <p:style>
+            <a:lnRef idx="2">
+              <a:schemeClr val="accent1">
+                <a:shade val="50000"/>
+              </a:schemeClr>
+            </a:lnRef>
+            <a:fillRef idx="1">
+              <a:schemeClr val="accent1"/>
+            </a:fillRef>
+            <a:effectRef idx="0">
+              <a:schemeClr val="accent1"/>
+            </a:effectRef>
+            <a:fontRef idx="minor">
+              <a:schemeClr val="lt1"/>
+            </a:fontRef>
+          </p:style>
+          <p:txBody>
+            <a:bodyPr rtlCol="0" anchor="ctr"/>
+            <a:lstStyle/>
+            <a:p>
+              <a:pPr algn="ctr"/>
+              <a:endParaRPr lang="en-GB"/>
+            </a:p>
+          </p:txBody>
+        </p:sp>
+      </p:grpSp>
+      <p:pic>
+        <p:nvPicPr>
+          <p:cNvPr id="34" name="Picture 33" descr="Text&#10;&#10;Description automatically generated">
+            <a:extLst>
+              <a:ext uri="{FF2B5EF4-FFF2-40B4-BE49-F238E27FC236}">
+                <a16:creationId xmlns:a16="http://schemas.microsoft.com/office/drawing/2014/main" id="{03B0D48C-1C36-4227-A470-243DC6DC4C22}"/>
+              </a:ext>
+            </a:extLst>
+          </p:cNvPr>
+          <p:cNvPicPr>
+            <a:picLocks noChangeAspect="1"/>
+          </p:cNvPicPr>
+          <p:nvPr/>
+        </p:nvPicPr>
+        <p:blipFill rotWithShape="1">
+          <a:blip r:embed="rId4">
+            <a:extLst>
+              <a:ext uri="{28A0092B-C50C-407E-A947-70E740481C1C}">
+                <a14:useLocalDpi xmlns:a14="http://schemas.microsoft.com/office/drawing/2010/main" val="0"/>
+              </a:ext>
+            </a:extLst>
+          </a:blip>
+          <a:srcRect t="8915" b="53009"/>
+          <a:stretch/>
+        </p:blipFill>
+        <p:spPr>
+          <a:xfrm>
+            <a:off x="10791630" y="6281331"/>
+            <a:ext cx="1400370" cy="192241"/>
+          </a:xfrm>
+          <a:prstGeom prst="rect">
+            <a:avLst/>
+          </a:prstGeom>
+        </p:spPr>
+      </p:pic>
+      <p:pic>
+        <p:nvPicPr>
+          <p:cNvPr id="36" name="Picture 35" descr="Text&#10;&#10;Description automatically generated">
+            <a:extLst>
+              <a:ext uri="{FF2B5EF4-FFF2-40B4-BE49-F238E27FC236}">
+                <a16:creationId xmlns:a16="http://schemas.microsoft.com/office/drawing/2014/main" id="{F2F47AC8-232D-496B-A82C-752D7F980D2E}"/>
+              </a:ext>
+            </a:extLst>
+          </p:cNvPr>
+          <p:cNvPicPr>
+            <a:picLocks noChangeAspect="1"/>
+          </p:cNvPicPr>
+          <p:nvPr/>
+        </p:nvPicPr>
+        <p:blipFill rotWithShape="1">
+          <a:blip r:embed="rId4">
+            <a:extLst>
+              <a:ext uri="{28A0092B-C50C-407E-A947-70E740481C1C}">
+                <a14:useLocalDpi xmlns:a14="http://schemas.microsoft.com/office/drawing/2010/main" val="0"/>
+              </a:ext>
+            </a:extLst>
+          </a:blip>
+          <a:srcRect t="50000"/>
+          <a:stretch/>
+        </p:blipFill>
+        <p:spPr>
+          <a:xfrm>
+            <a:off x="10751586" y="5634372"/>
+            <a:ext cx="1400370" cy="252447"/>
+          </a:xfrm>
+          <a:prstGeom prst="rect">
+            <a:avLst/>
+          </a:prstGeom>
+        </p:spPr>
+      </p:pic>
+    </p:spTree>
+    <p:extLst>
+      <p:ext uri="{BB962C8B-B14F-4D97-AF65-F5344CB8AC3E}">
+        <p14:creationId xmlns:p14="http://schemas.microsoft.com/office/powerpoint/2010/main" val="2189664241"/>
+      </p:ext>
+    </p:extLst>
+  </p:cSld>
+  <p:clrMapOvr>
+    <a:masterClrMapping/>
+  </p:clrMapOvr>
+</p:sld>
+</file>
+
+<file path=ppt/slides/slide17.xml><?xml version="1.0" encoding="utf-8"?>
+<p:sld xmlns:a="http://schemas.openxmlformats.org/drawingml/2006/main" xmlns:r="http://schemas.openxmlformats.org/officeDocument/2006/relationships" xmlns:p="http://schemas.openxmlformats.org/presentationml/2006/main">
+  <p:cSld>
+    <p:spTree>
+      <p:nvGrpSpPr>
+        <p:cNvPr id="1" name=""/>
+        <p:cNvGrpSpPr/>
+        <p:nvPr/>
+      </p:nvGrpSpPr>
+      <p:grpSpPr>
+        <a:xfrm>
+          <a:off x="0" y="0"/>
+          <a:ext cx="0" cy="0"/>
+          <a:chOff x="0" y="0"/>
+          <a:chExt cx="0" cy="0"/>
+        </a:xfrm>
+      </p:grpSpPr>
+      <p:sp>
+        <p:nvSpPr>
+          <p:cNvPr id="2" name="Title 1">
+            <a:extLst>
+              <a:ext uri="{FF2B5EF4-FFF2-40B4-BE49-F238E27FC236}">
+                <a16:creationId xmlns:a16="http://schemas.microsoft.com/office/drawing/2014/main" id="{4510891E-E4D6-49D4-B949-B06191812ED4}"/>
+              </a:ext>
+            </a:extLst>
+          </p:cNvPr>
+          <p:cNvSpPr>
+            <a:spLocks noGrp="1"/>
+          </p:cNvSpPr>
+          <p:nvPr>
+            <p:ph type="title"/>
+          </p:nvPr>
+        </p:nvSpPr>
+        <p:spPr/>
+        <p:txBody>
+          <a:bodyPr/>
+          <a:lstStyle/>
+          <a:p>
+            <a:endParaRPr lang="en-GB" dirty="0"/>
+          </a:p>
+        </p:txBody>
+      </p:sp>
+      <p:sp>
+        <p:nvSpPr>
+          <p:cNvPr id="3" name="Content Placeholder 2">
+            <a:extLst>
+              <a:ext uri="{FF2B5EF4-FFF2-40B4-BE49-F238E27FC236}">
+                <a16:creationId xmlns:a16="http://schemas.microsoft.com/office/drawing/2014/main" id="{2913EC0B-B94D-4374-90FF-45AACF38B34F}"/>
+              </a:ext>
+            </a:extLst>
+          </p:cNvPr>
+          <p:cNvSpPr>
+            <a:spLocks noGrp="1"/>
+          </p:cNvSpPr>
+          <p:nvPr>
+            <p:ph idx="1"/>
+          </p:nvPr>
+        </p:nvSpPr>
+        <p:spPr/>
+        <p:txBody>
+          <a:bodyPr/>
+          <a:lstStyle/>
+          <a:p>
+            <a:endParaRPr lang="en-GB"/>
+          </a:p>
+        </p:txBody>
+      </p:sp>
+    </p:spTree>
+    <p:extLst>
+      <p:ext uri="{BB962C8B-B14F-4D97-AF65-F5344CB8AC3E}">
+        <p14:creationId xmlns:p14="http://schemas.microsoft.com/office/powerpoint/2010/main" val="177928166"/>
+      </p:ext>
+    </p:extLst>
+  </p:cSld>
+  <p:clrMapOvr>
+    <a:masterClrMapping/>
+  </p:clrMapOvr>
+</p:sld>
+</file>
+
+<file path=ppt/slides/slide18.xml><?xml version="1.0" encoding="utf-8"?>
 <p:sld xmlns:a="http://schemas.openxmlformats.org/drawingml/2006/main" xmlns:r="http://schemas.openxmlformats.org/officeDocument/2006/relationships" xmlns:p="http://schemas.openxmlformats.org/presentationml/2006/main">
   <p:cSld>
     <p:spTree>
@@ -3681,7 +6987,7 @@
           <a:lstStyle/>
           <a:p>
             <a:r>
-              <a:rPr lang="en-US" dirty="0" smtClean="0"/>
+              <a:rPr lang="en-US" dirty="0"/>
               <a:t>Validation</a:t>
             </a:r>
             <a:endParaRPr lang="el-GR" dirty="0"/>
@@ -3715,14 +7021,14 @@
               <a:buChar char="•"/>
             </a:pPr>
             <a:r>
-              <a:rPr lang="en-US" dirty="0" smtClean="0">
+              <a:rPr lang="en-US" dirty="0">
                 <a:solidFill>
                   <a:srgbClr val="FF0000"/>
                 </a:solidFill>
               </a:rPr>
               <a:t>Validate 2 things (1)</a:t>
             </a:r>
-            <a:endParaRPr lang="en-US" dirty="0" smtClean="0"/>
+            <a:endParaRPr lang="en-US" dirty="0"/>
           </a:p>
           <a:p>
             <a:pPr marL="285750" indent="-285750">
@@ -3730,7 +7036,7 @@
               <a:buChar char="•"/>
             </a:pPr>
             <a:r>
-              <a:rPr lang="en-US" dirty="0" smtClean="0"/>
+              <a:rPr lang="en-US" dirty="0"/>
               <a:t>What the truth is, how they down sampled</a:t>
             </a:r>
           </a:p>
@@ -3740,7 +7046,7 @@
               <a:buChar char="•"/>
             </a:pPr>
             <a:r>
-              <a:rPr lang="en-US" dirty="0" smtClean="0"/>
+              <a:rPr lang="en-US" dirty="0"/>
               <a:t>Figure3</a:t>
             </a:r>
           </a:p>
@@ -3750,7 +7056,7 @@
               <a:buChar char="•"/>
             </a:pPr>
             <a:r>
-              <a:rPr lang="en-US" dirty="0" smtClean="0"/>
+              <a:rPr lang="en-US" dirty="0"/>
               <a:t>Chromosome X case -&gt; dataset </a:t>
             </a:r>
           </a:p>
@@ -3760,7 +7066,7 @@
               <a:buChar char="•"/>
             </a:pPr>
             <a:r>
-              <a:rPr lang="en-US" dirty="0" smtClean="0"/>
+              <a:rPr lang="en-US" dirty="0"/>
               <a:t>Result of chromosomes</a:t>
             </a:r>
           </a:p>
@@ -3769,7 +7075,7 @@
               <a:buFont typeface="Arial" panose="020B0604020202020204" pitchFamily="34" charset="0"/>
               <a:buChar char="•"/>
             </a:pPr>
-            <a:endParaRPr lang="en-US" dirty="0" smtClean="0"/>
+            <a:endParaRPr lang="en-US" dirty="0"/>
           </a:p>
         </p:txBody>
       </p:sp>
@@ -3786,7 +7092,7 @@
 </p:sld>
 </file>
 
-<file path=ppt/slides/slide12.xml><?xml version="1.0" encoding="utf-8"?>
+<file path=ppt/slides/slide19.xml><?xml version="1.0" encoding="utf-8"?>
 <p:sld xmlns:a="http://schemas.openxmlformats.org/drawingml/2006/main" xmlns:r="http://schemas.openxmlformats.org/officeDocument/2006/relationships" xmlns:p="http://schemas.openxmlformats.org/presentationml/2006/main">
   <p:cSld>
     <p:spTree>
@@ -3826,7 +7132,7 @@
           <a:lstStyle/>
           <a:p>
             <a:r>
-              <a:rPr lang="en-US" dirty="0" smtClean="0"/>
+              <a:rPr lang="en-US" dirty="0"/>
               <a:t>Conclusions and Critic</a:t>
             </a:r>
           </a:p>
@@ -3839,7 +7145,7 @@
               <a:buChar char="•"/>
             </a:pPr>
             <a:r>
-              <a:rPr lang="en-US" dirty="0" smtClean="0"/>
+              <a:rPr lang="en-US" dirty="0"/>
               <a:t>Biological assumptions</a:t>
             </a:r>
           </a:p>
@@ -3849,7 +7155,7 @@
               <a:buChar char="•"/>
             </a:pPr>
             <a:r>
-              <a:rPr lang="en-US" dirty="0" smtClean="0"/>
+              <a:rPr lang="en-US" dirty="0"/>
               <a:t>No comparison</a:t>
             </a:r>
           </a:p>
@@ -3859,7 +7165,7 @@
               <a:buChar char="•"/>
             </a:pPr>
             <a:r>
-              <a:rPr lang="en-US" dirty="0" smtClean="0"/>
+              <a:rPr lang="en-US" dirty="0"/>
               <a:t>Validation-&gt; Better dataset + random threshold</a:t>
             </a:r>
           </a:p>
@@ -3921,11 +7227,11 @@
           <a:lstStyle/>
           <a:p>
             <a:r>
-              <a:rPr lang="en-US" dirty="0" smtClean="0"/>
+              <a:rPr lang="en-US" dirty="0"/>
               <a:t>Other methods and why </a:t>
             </a:r>
             <a:r>
-              <a:rPr lang="en-US" dirty="0" err="1" smtClean="0"/>
+              <a:rPr lang="en-US" dirty="0" err="1"/>
               <a:t>scBASE</a:t>
             </a:r>
             <a:endParaRPr lang="el-GR" dirty="0"/>
@@ -3955,21 +7261,21 @@
           <a:lstStyle/>
           <a:p>
             <a:r>
-              <a:rPr lang="en-US" dirty="0" smtClean="0"/>
+              <a:rPr lang="en-US" dirty="0"/>
               <a:t>Unique reads, </a:t>
             </a:r>
             <a:r>
-              <a:rPr lang="en-US" dirty="0" err="1" smtClean="0"/>
+              <a:rPr lang="en-US" dirty="0" err="1"/>
               <a:t>multimapping</a:t>
             </a:r>
             <a:r>
-              <a:rPr lang="en-US" dirty="0" smtClean="0"/>
+              <a:rPr lang="en-US" dirty="0"/>
               <a:t> reads</a:t>
             </a:r>
           </a:p>
           <a:p>
             <a:r>
-              <a:rPr lang="en-US" dirty="0" smtClean="0"/>
+              <a:rPr lang="en-US" dirty="0"/>
               <a:t>Role of partial pooling </a:t>
             </a:r>
             <a:endParaRPr lang="el-GR" dirty="0"/>
@@ -4178,31 +7484,27 @@
           <a:lstStyle/>
           <a:p>
             <a:r>
-              <a:rPr lang="en-US" sz="2400" b="1" i="1" dirty="0" smtClean="0"/>
+              <a:rPr lang="en-US" sz="2400" b="1" i="1" dirty="0"/>
               <a:t>Main Goal</a:t>
             </a:r>
             <a:r>
-              <a:rPr lang="en-US" dirty="0" smtClean="0"/>
+              <a:rPr lang="en-US" dirty="0"/>
               <a:t>: </a:t>
             </a:r>
             <a:r>
-              <a:rPr lang="en-US" sz="2000" dirty="0" smtClean="0"/>
-              <a:t>Compute the expected proportion of maternal </a:t>
-            </a:r>
-            <a:r>
-              <a:rPr lang="en-US" sz="2000" dirty="0" smtClean="0"/>
-              <a:t>counts </a:t>
-            </a:r>
-            <a:r>
-              <a:rPr lang="en-US" sz="2400" b="1" dirty="0" err="1" smtClean="0"/>
+              <a:rPr lang="en-US" sz="2000" dirty="0"/>
+              <a:t>Compute the expected proportion of maternal counts </a:t>
+            </a:r>
+            <a:r>
+              <a:rPr lang="en-US" sz="2400" b="1" dirty="0" err="1"/>
               <a:t>p</a:t>
             </a:r>
             <a:r>
-              <a:rPr lang="en-US" sz="2400" b="1" baseline="-25000" dirty="0" err="1" smtClean="0"/>
+              <a:rPr lang="en-US" sz="2400" b="1" baseline="-25000" dirty="0" err="1"/>
               <a:t>gk</a:t>
             </a:r>
             <a:r>
-              <a:rPr lang="en-US" sz="2000" dirty="0" smtClean="0"/>
+              <a:rPr lang="en-US" sz="2000" dirty="0"/>
               <a:t> for each gene g in each cell k.</a:t>
             </a:r>
             <a:endParaRPr lang="el-GR" sz="2000" dirty="0"/>
@@ -4252,13 +7554,13 @@
           <a:p>
             <a:pPr algn="l"/>
             <a:r>
-              <a:rPr lang="en-US" sz="4400" i="1" dirty="0" err="1" smtClean="0">
+              <a:rPr lang="en-US" sz="4400" i="1" dirty="0" err="1">
                 <a:latin typeface="Book Antiqua" panose="02040602050305030304" pitchFamily="18" charset="0"/>
               </a:rPr>
               <a:t>scBASE</a:t>
             </a:r>
             <a:r>
-              <a:rPr lang="en-US" sz="4400" i="1" dirty="0" smtClean="0">
+              <a:rPr lang="en-US" sz="4400" i="1" dirty="0">
                 <a:latin typeface="Book Antiqua" panose="02040602050305030304" pitchFamily="18" charset="0"/>
               </a:rPr>
               <a:t> Overview</a:t>
@@ -4293,13 +7595,13 @@
           <a:p>
             <a:pPr algn="just"/>
             <a:r>
-              <a:rPr lang="en-US" sz="2400" i="1" dirty="0" smtClean="0"/>
+              <a:rPr lang="en-US" sz="2400" i="1" dirty="0"/>
               <a:t>2. Classification</a:t>
             </a:r>
           </a:p>
           <a:p>
             <a:pPr algn="just"/>
-            <a:endParaRPr lang="en-US" sz="2400" i="1" dirty="0" smtClean="0">
+            <a:endParaRPr lang="en-US" sz="2400" i="1" dirty="0">
               <a:solidFill>
                 <a:schemeClr val="accent1"/>
               </a:solidFill>
@@ -4311,7 +7613,7 @@
               <a:buChar char="•"/>
             </a:pPr>
             <a:r>
-              <a:rPr lang="en-US" dirty="0" smtClean="0"/>
+              <a:rPr lang="en-US" dirty="0"/>
               <a:t>Estimate the allelic expression state</a:t>
             </a:r>
             <a:r>
@@ -4319,21 +7621,21 @@
               <a:t> </a:t>
             </a:r>
             <a:r>
-              <a:rPr lang="en-US" sz="2000" b="1" dirty="0" err="1" smtClean="0"/>
+              <a:rPr lang="en-US" sz="2000" b="1" dirty="0" err="1"/>
               <a:t>z</a:t>
             </a:r>
             <a:r>
-              <a:rPr lang="en-US" sz="2000" b="1" baseline="-25000" dirty="0" err="1" smtClean="0"/>
+              <a:rPr lang="en-US" sz="2000" b="1" baseline="-25000" dirty="0" err="1"/>
               <a:t>gk</a:t>
             </a:r>
             <a:r>
-              <a:rPr lang="en-US" sz="1600" dirty="0" smtClean="0"/>
+              <a:rPr lang="en-US" sz="1600" dirty="0"/>
               <a:t> </a:t>
             </a:r>
           </a:p>
           <a:p>
             <a:pPr marL="95250" algn="just" defTabSz="531813"/>
-            <a:endParaRPr lang="en-US" b="1" i="1" dirty="0" smtClean="0"/>
+            <a:endParaRPr lang="en-US" b="1" i="1" dirty="0"/>
           </a:p>
           <a:p>
             <a:pPr marL="177800" algn="just" defTabSz="531813">
@@ -4341,17 +7643,17 @@
               <a:buChar char="•"/>
             </a:pPr>
             <a:r>
-              <a:rPr lang="en-US" b="1" i="1" dirty="0" smtClean="0"/>
+              <a:rPr lang="en-US" b="1" i="1" dirty="0"/>
               <a:t>Mixture model</a:t>
             </a:r>
             <a:r>
-              <a:rPr lang="en-US" dirty="0" smtClean="0"/>
+              <a:rPr lang="en-US" dirty="0"/>
               <a:t> of Binomial Distributions</a:t>
             </a:r>
           </a:p>
           <a:p>
             <a:pPr marL="177800" algn="just" defTabSz="531813"/>
-            <a:endParaRPr lang="en-US" dirty="0" smtClean="0"/>
+            <a:endParaRPr lang="en-US" dirty="0"/>
           </a:p>
           <a:p>
             <a:pPr marL="177800" algn="just" defTabSz="531813">
@@ -4359,11 +7661,11 @@
               <a:buChar char="•"/>
             </a:pPr>
             <a:r>
-              <a:rPr lang="en-US" dirty="0" smtClean="0"/>
+              <a:rPr lang="en-US" dirty="0"/>
               <a:t>Estimate parameters with </a:t>
             </a:r>
             <a:r>
-              <a:rPr lang="en-US" b="1" i="1" dirty="0" smtClean="0"/>
+              <a:rPr lang="en-US" b="1" i="1" dirty="0"/>
               <a:t>MCMC</a:t>
             </a:r>
           </a:p>
@@ -4401,7 +7703,7 @@
           <a:p>
             <a:pPr algn="just"/>
             <a:r>
-              <a:rPr lang="en-US" sz="2400" i="1" dirty="0" smtClean="0"/>
+              <a:rPr lang="en-US" sz="2400" i="1" dirty="0"/>
               <a:t>1.Read Counting</a:t>
             </a:r>
           </a:p>
@@ -4410,7 +7712,7 @@
               <a:buFont typeface="Arial" panose="020B0604020202020204" pitchFamily="34" charset="0"/>
               <a:buChar char="•"/>
             </a:pPr>
-            <a:endParaRPr lang="en-US" dirty="0" smtClean="0"/>
+            <a:endParaRPr lang="en-US" dirty="0"/>
           </a:p>
           <a:p>
             <a:pPr marL="177800" algn="just" defTabSz="531813">
@@ -4418,25 +7720,25 @@
               <a:buChar char="•"/>
             </a:pPr>
             <a:r>
-              <a:rPr lang="en-US" dirty="0" smtClean="0"/>
+              <a:rPr lang="en-US" dirty="0"/>
               <a:t>Estimate the expected maternal read counts </a:t>
             </a:r>
             <a:r>
-              <a:rPr lang="en-US" sz="2000" b="1" dirty="0" err="1" smtClean="0"/>
+              <a:rPr lang="en-US" sz="2000" b="1" dirty="0" err="1"/>
               <a:t>x</a:t>
             </a:r>
             <a:r>
-              <a:rPr lang="en-US" sz="2000" b="1" baseline="-25000" dirty="0" err="1" smtClean="0"/>
+              <a:rPr lang="en-US" sz="2000" b="1" baseline="-25000" dirty="0" err="1"/>
               <a:t>gk</a:t>
             </a:r>
             <a:r>
-              <a:rPr lang="en-US" sz="2000" b="1" dirty="0" smtClean="0"/>
+              <a:rPr lang="en-US" sz="2000" b="1" dirty="0"/>
               <a:t> </a:t>
             </a:r>
           </a:p>
           <a:p>
             <a:pPr marL="177800" algn="just" defTabSz="531813"/>
-            <a:endParaRPr lang="en-US" sz="2000" b="1" dirty="0" smtClean="0"/>
+            <a:endParaRPr lang="en-US" sz="2000" b="1" dirty="0"/>
           </a:p>
           <a:p>
             <a:pPr marL="177800" algn="just" defTabSz="531813">
@@ -4447,16 +7749,12 @@
               </a:tabLst>
             </a:pPr>
             <a:r>
-              <a:rPr lang="en-US" b="1" i="1" dirty="0" smtClean="0"/>
+              <a:rPr lang="en-US" b="1" i="1" dirty="0"/>
               <a:t>EM</a:t>
             </a:r>
             <a:r>
-              <a:rPr lang="en-US" dirty="0" smtClean="0"/>
-              <a:t> algorith</a:t>
-            </a:r>
-            <a:r>
               <a:rPr lang="en-US" dirty="0"/>
-              <a:t>m</a:t>
+              <a:t> algorithm</a:t>
             </a:r>
             <a:endParaRPr lang="el-GR" i="1" dirty="0">
               <a:solidFill>
@@ -4489,12 +7787,12 @@
           <a:lstStyle/>
           <a:p>
             <a:r>
-              <a:rPr lang="en-US" sz="2400" i="1" dirty="0" smtClean="0"/>
+              <a:rPr lang="en-US" sz="2400" i="1" dirty="0"/>
               <a:t>3. Partial Pooling</a:t>
             </a:r>
           </a:p>
           <a:p>
-            <a:endParaRPr lang="en-US" sz="2400" i="1" dirty="0" smtClean="0"/>
+            <a:endParaRPr lang="en-US" sz="2400" i="1" dirty="0"/>
           </a:p>
           <a:p>
             <a:pPr marL="285750" indent="-107950">
@@ -4502,17 +7800,17 @@
               <a:buChar char="•"/>
             </a:pPr>
             <a:r>
-              <a:rPr lang="en-US" b="1" i="1" dirty="0" smtClean="0"/>
+              <a:rPr lang="en-US" b="1" i="1" dirty="0"/>
               <a:t>Hierarchical Model</a:t>
             </a:r>
           </a:p>
           <a:p>
             <a:pPr marL="177800"/>
-            <a:endParaRPr lang="en-US" dirty="0" smtClean="0"/>
+            <a:endParaRPr lang="en-US" dirty="0"/>
           </a:p>
           <a:p>
             <a:pPr marL="177800"/>
-            <a:endParaRPr lang="en-US" dirty="0" smtClean="0"/>
+            <a:endParaRPr lang="en-US" dirty="0"/>
           </a:p>
           <a:p>
             <a:pPr marL="285750" indent="-107950">
@@ -4520,18 +7818,18 @@
               <a:buChar char="•"/>
             </a:pPr>
             <a:r>
-              <a:rPr lang="en-US" dirty="0" smtClean="0"/>
+              <a:rPr lang="en-US" dirty="0"/>
               <a:t>Partial pooling estimator </a:t>
             </a:r>
             <a:r>
-              <a:rPr lang="en-US" b="1" dirty="0" err="1" smtClean="0"/>
+              <a:rPr lang="en-US" b="1" dirty="0" err="1"/>
               <a:t>p</a:t>
             </a:r>
             <a:r>
-              <a:rPr lang="en-US" b="1" baseline="-25000" dirty="0" err="1" smtClean="0"/>
+              <a:rPr lang="en-US" b="1" baseline="-25000" dirty="0" err="1"/>
               <a:t>gk</a:t>
             </a:r>
-            <a:endParaRPr lang="en-US" dirty="0" smtClean="0"/>
+            <a:endParaRPr lang="en-US" dirty="0"/>
           </a:p>
           <a:p>
             <a:endParaRPr lang="el-GR" sz="2400" i="1" dirty="0">
@@ -4745,7 +8043,7 @@
           <a:lstStyle/>
           <a:p>
             <a:r>
-              <a:rPr lang="en-US" sz="1400" dirty="0" smtClean="0"/>
+              <a:rPr lang="en-US" sz="1400" dirty="0"/>
               <a:t>Iteratively</a:t>
             </a:r>
             <a:endParaRPr lang="el-GR" dirty="0"/>
@@ -4762,13 +8060,6 @@
   <p:clrMapOvr>
     <a:masterClrMapping/>
   </p:clrMapOvr>
-  <p:timing>
-    <p:tnLst>
-      <p:par>
-        <p:cTn id="1" dur="indefinite" restart="never" nodeType="tmRoot"/>
-      </p:par>
-    </p:tnLst>
-  </p:timing>
 </p:sld>
 </file>
 
@@ -4832,7 +8123,7 @@
           <a:p>
             <a:pPr algn="l"/>
             <a:r>
-              <a:rPr lang="en-US" sz="4400" i="1" dirty="0" smtClean="0">
+              <a:rPr lang="en-US" sz="4400" i="1" dirty="0">
                 <a:latin typeface="Book Antiqua" panose="02040602050305030304" pitchFamily="18" charset="0"/>
               </a:rPr>
               <a:t>Read Counting</a:t>
@@ -4927,7 +8218,7 @@
           <a:lstStyle/>
           <a:p>
             <a:r>
-              <a:rPr lang="en-US" sz="2400" b="1" i="1" dirty="0" smtClean="0">
+              <a:rPr lang="en-US" sz="2400" b="1" i="1" dirty="0">
                 <a:solidFill>
                   <a:schemeClr val="accent1"/>
                 </a:solidFill>
@@ -4950,7 +8241,7 @@
               <a:buFont typeface="Arial" panose="020B0604020202020204" pitchFamily="34" charset="0"/>
               <a:buChar char="•"/>
             </a:pPr>
-            <a:endParaRPr lang="en-US" dirty="0" smtClean="0"/>
+            <a:endParaRPr lang="en-US" dirty="0"/>
           </a:p>
           <a:p>
             <a:pPr marL="342900" indent="-342900" algn="just">
@@ -4958,7 +8249,7 @@
               <a:buAutoNum type="arabicPeriod"/>
             </a:pPr>
             <a:r>
-              <a:rPr lang="en-US" dirty="0" smtClean="0"/>
+              <a:rPr lang="en-US" dirty="0"/>
               <a:t>Using the current estimate of allele specific gene expression, compute the probability of each possible alignment</a:t>
             </a:r>
           </a:p>
@@ -4967,7 +8258,7 @@
               <a:buFont typeface="+mj-lt"/>
               <a:buAutoNum type="arabicPeriod"/>
             </a:pPr>
-            <a:endParaRPr lang="en-US" dirty="0" smtClean="0"/>
+            <a:endParaRPr lang="en-US" dirty="0"/>
           </a:p>
           <a:p>
             <a:pPr marL="342900" indent="-342900" algn="just">
@@ -4975,7 +8266,7 @@
               <a:buAutoNum type="arabicPeriod"/>
             </a:pPr>
             <a:r>
-              <a:rPr lang="en-US" dirty="0" smtClean="0"/>
+              <a:rPr lang="en-US" dirty="0"/>
               <a:t>Sum the probabilities across reads to re-estimate the allele specific gene expression</a:t>
             </a:r>
           </a:p>
@@ -4985,38 +8276,38 @@
           </a:p>
           <a:p>
             <a:pPr algn="just"/>
-            <a:endParaRPr lang="en-US" dirty="0" smtClean="0"/>
-          </a:p>
-          <a:p>
-            <a:r>
-              <a:rPr lang="en-US" sz="2000" i="1" dirty="0" smtClean="0">
+            <a:endParaRPr lang="en-US" dirty="0"/>
+          </a:p>
+          <a:p>
+            <a:r>
+              <a:rPr lang="en-US" sz="2000" i="1" dirty="0">
                 <a:solidFill>
                   <a:schemeClr val="accent1"/>
                 </a:solidFill>
               </a:rPr>
               <a:t>Repeat until convergence</a:t>
             </a:r>
-            <a:endParaRPr lang="el-GR" sz="2000" i="1" dirty="0" smtClean="0">
+            <a:endParaRPr lang="el-GR" sz="2000" i="1" dirty="0">
               <a:solidFill>
                 <a:schemeClr val="accent1"/>
               </a:solidFill>
             </a:endParaRPr>
           </a:p>
           <a:p>
-            <a:endParaRPr lang="en-US" sz="2000" i="1" dirty="0" smtClean="0">
+            <a:endParaRPr lang="en-US" sz="2000" i="1" dirty="0">
               <a:solidFill>
                 <a:schemeClr val="accent1"/>
               </a:solidFill>
             </a:endParaRPr>
           </a:p>
           <a:p>
-            <a:endParaRPr lang="en-US" sz="2000" dirty="0" smtClean="0"/>
-          </a:p>
-          <a:p>
-            <a:endParaRPr lang="en-US" sz="2000" dirty="0" smtClean="0"/>
-          </a:p>
-          <a:p>
-            <a:endParaRPr lang="el-GR" sz="2000" dirty="0" smtClean="0"/>
+            <a:endParaRPr lang="en-US" sz="2000" dirty="0"/>
+          </a:p>
+          <a:p>
+            <a:endParaRPr lang="en-US" sz="2000" dirty="0"/>
+          </a:p>
+          <a:p>
+            <a:endParaRPr lang="el-GR" sz="2000" dirty="0"/>
           </a:p>
           <a:p>
             <a:endParaRPr lang="el-GR" sz="2400" b="1" i="1" dirty="0">
@@ -5040,13 +8331,6 @@
   <p:clrMapOvr>
     <a:masterClrMapping/>
   </p:clrMapOvr>
-  <p:timing>
-    <p:tnLst>
-      <p:par>
-        <p:cTn id="1" dur="indefinite" restart="never" nodeType="tmRoot"/>
-      </p:par>
-    </p:tnLst>
-  </p:timing>
 </p:sld>
 </file>
 
@@ -5202,7 +8486,7 @@
           <a:p>
             <a:pPr algn="l"/>
             <a:r>
-              <a:rPr lang="en-US" sz="4400" i="1" dirty="0" smtClean="0">
+              <a:rPr lang="en-US" sz="4400" i="1" dirty="0">
                 <a:latin typeface="Book Antiqua" panose="02040602050305030304" pitchFamily="18" charset="0"/>
               </a:rPr>
               <a:t>Classification</a:t>
@@ -5236,7 +8520,7 @@
           <a:lstStyle/>
           <a:p>
             <a:r>
-              <a:rPr lang="en-US" b="1" i="1" dirty="0" smtClean="0">
+              <a:rPr lang="en-US" b="1" i="1" dirty="0">
                 <a:solidFill>
                   <a:schemeClr val="accent1"/>
                 </a:solidFill>
@@ -5244,7 +8528,7 @@
               <a:t>ASSUMPTION</a:t>
             </a:r>
             <a:r>
-              <a:rPr lang="en-US" b="1" dirty="0" smtClean="0">
+              <a:rPr lang="en-US" b="1" dirty="0">
                 <a:solidFill>
                   <a:schemeClr val="accent1"/>
                 </a:solidFill>
@@ -5254,24 +8538,12 @@
           </a:p>
           <a:p>
             <a:r>
-              <a:rPr lang="en-US" dirty="0" smtClean="0"/>
-              <a:t>Each cell </a:t>
-            </a:r>
-            <a:r>
-              <a:rPr lang="en-US" dirty="0" smtClean="0"/>
-              <a:t>k is </a:t>
-            </a:r>
-            <a:r>
-              <a:rPr lang="en-US" dirty="0" smtClean="0"/>
-              <a:t>in one of three states with respect to the expression of </a:t>
-            </a:r>
-            <a:r>
-              <a:rPr lang="en-US" dirty="0" smtClean="0"/>
-              <a:t>gene g</a:t>
-            </a:r>
-          </a:p>
-          <a:p>
-            <a:endParaRPr lang="en-US" dirty="0" smtClean="0">
+              <a:rPr lang="en-US" dirty="0"/>
+              <a:t>Each cell k is in one of three states with respect to the expression of gene g</a:t>
+            </a:r>
+          </a:p>
+          <a:p>
+            <a:endParaRPr lang="en-US" dirty="0">
               <a:solidFill>
                 <a:schemeClr val="accent1"/>
               </a:solidFill>
@@ -5283,15 +8555,15 @@
               <a:buChar char="•"/>
             </a:pPr>
             <a:r>
-              <a:rPr lang="en-US" dirty="0" smtClean="0"/>
+              <a:rPr lang="en-US" dirty="0"/>
               <a:t>Paternal </a:t>
             </a:r>
             <a:r>
-              <a:rPr lang="en-US" dirty="0" err="1" smtClean="0"/>
+              <a:rPr lang="en-US" dirty="0" err="1"/>
               <a:t>Monoallelic</a:t>
             </a:r>
             <a:r>
-              <a:rPr lang="en-US" dirty="0" smtClean="0"/>
+              <a:rPr lang="en-US" dirty="0"/>
               <a:t> (P)</a:t>
             </a:r>
           </a:p>
@@ -5301,15 +8573,15 @@
               <a:buChar char="•"/>
             </a:pPr>
             <a:r>
-              <a:rPr lang="en-US" dirty="0" smtClean="0"/>
+              <a:rPr lang="en-US" dirty="0"/>
               <a:t>Maternal </a:t>
             </a:r>
             <a:r>
-              <a:rPr lang="en-US" dirty="0" err="1" smtClean="0"/>
+              <a:rPr lang="en-US" dirty="0" err="1"/>
               <a:t>Monoallelic</a:t>
             </a:r>
             <a:r>
-              <a:rPr lang="en-US" dirty="0" smtClean="0"/>
+              <a:rPr lang="en-US" dirty="0"/>
               <a:t> (M)</a:t>
             </a:r>
           </a:p>
@@ -5319,7 +8591,7 @@
               <a:buChar char="•"/>
             </a:pPr>
             <a:r>
-              <a:rPr lang="en-US" dirty="0" smtClean="0"/>
+              <a:rPr lang="en-US" dirty="0"/>
               <a:t>Bi-allelic (B)</a:t>
             </a:r>
           </a:p>
@@ -5348,7 +8620,7 @@
           <a:lstStyle/>
           <a:p>
             <a:r>
-              <a:rPr lang="en-US" dirty="0" smtClean="0"/>
+              <a:rPr lang="en-US" dirty="0"/>
               <a:t>For each cell we introduce an indicator vector:</a:t>
             </a:r>
           </a:p>
@@ -5368,8 +8640,8 @@
             <a:chExt cx="3789645" cy="710194"/>
           </a:xfrm>
         </p:grpSpPr>
-        <mc:AlternateContent xmlns:mc="http://schemas.openxmlformats.org/markup-compatibility/2006">
-          <mc:Choice xmlns:a14="http://schemas.microsoft.com/office/drawing/2010/main" Requires="a14">
+        <mc:AlternateContent xmlns:mc="http://schemas.openxmlformats.org/markup-compatibility/2006" xmlns:a14="http://schemas.microsoft.com/office/drawing/2010/main">
+          <mc:Choice Requires="a14">
             <p:sp>
               <p:nvSpPr>
                 <p:cNvPr id="11" name="Ορθογώνιο 10"/>
@@ -5483,7 +8755,7 @@
               </p:txBody>
             </p:sp>
           </mc:Choice>
-          <mc:Fallback>
+          <mc:Fallback xmlns="">
             <p:sp>
               <p:nvSpPr>
                 <p:cNvPr id="11" name="Ορθογώνιο 10"/>
@@ -5522,8 +8794,8 @@
             </p:sp>
           </mc:Fallback>
         </mc:AlternateContent>
-        <mc:AlternateContent xmlns:mc="http://schemas.openxmlformats.org/markup-compatibility/2006">
-          <mc:Choice xmlns:a14="http://schemas.microsoft.com/office/drawing/2010/main" Requires="a14">
+        <mc:AlternateContent xmlns:mc="http://schemas.openxmlformats.org/markup-compatibility/2006" xmlns:a14="http://schemas.microsoft.com/office/drawing/2010/main">
+          <mc:Choice Requires="a14">
             <p:sp>
               <p:nvSpPr>
                 <p:cNvPr id="12" name="TextBox 11"/>
@@ -5646,12 +8918,12 @@
                       </m:oMath>
                     </m:oMathPara>
                   </a14:m>
-                  <a:endParaRPr lang="en-US" b="0" dirty="0" smtClean="0"/>
+                  <a:endParaRPr lang="en-US" b="0" dirty="0"/>
                 </a:p>
               </p:txBody>
             </p:sp>
           </mc:Choice>
-          <mc:Fallback>
+          <mc:Fallback xmlns="">
             <p:sp>
               <p:nvSpPr>
                 <p:cNvPr id="12" name="TextBox 11"/>
@@ -5690,8 +8962,8 @@
             </p:sp>
           </mc:Fallback>
         </mc:AlternateContent>
-        <mc:AlternateContent xmlns:mc="http://schemas.openxmlformats.org/markup-compatibility/2006">
-          <mc:Choice xmlns:a14="http://schemas.microsoft.com/office/drawing/2010/main" Requires="a14">
+        <mc:AlternateContent xmlns:mc="http://schemas.openxmlformats.org/markup-compatibility/2006" xmlns:a14="http://schemas.microsoft.com/office/drawing/2010/main">
+          <mc:Choice Requires="a14">
             <p:sp>
               <p:nvSpPr>
                 <p:cNvPr id="13" name="TextBox 12"/>
@@ -5735,7 +9007,7 @@
               </p:txBody>
             </p:sp>
           </mc:Choice>
-          <mc:Fallback>
+          <mc:Fallback xmlns="">
             <p:sp>
               <p:nvSpPr>
                 <p:cNvPr id="13" name="TextBox 12"/>
@@ -5775,8 +9047,8 @@
           </mc:Fallback>
         </mc:AlternateContent>
       </p:grpSp>
-      <mc:AlternateContent xmlns:mc="http://schemas.openxmlformats.org/markup-compatibility/2006">
-        <mc:Choice xmlns:a14="http://schemas.microsoft.com/office/drawing/2010/main" Requires="a14">
+      <mc:AlternateContent xmlns:mc="http://schemas.openxmlformats.org/markup-compatibility/2006" xmlns:a14="http://schemas.microsoft.com/office/drawing/2010/main">
+        <mc:Choice Requires="a14">
           <p:sp>
             <p:nvSpPr>
               <p:cNvPr id="20" name="Ορθογώνιο 19"/>
@@ -5867,11 +9139,11 @@
                   </m:oMath>
                 </a14:m>
                 <a:r>
-                  <a:rPr lang="en-US" dirty="0" smtClean="0"/>
+                  <a:rPr lang="en-US" dirty="0"/>
                   <a:t>,</a:t>
                 </a:r>
                 <a:r>
-                  <a:rPr lang="en-US" b="0" dirty="0" smtClean="0"/>
+                  <a:rPr lang="en-US" b="0" dirty="0"/>
                   <a:t> </a:t>
                 </a:r>
                 <a14:m>
@@ -5912,11 +9184,11 @@
                   </m:oMath>
                 </a14:m>
                 <a:r>
-                  <a:rPr lang="en-US" dirty="0" smtClean="0"/>
+                  <a:rPr lang="en-US" dirty="0"/>
                   <a:t>,</a:t>
                 </a:r>
                 <a:r>
-                  <a:rPr lang="en-US" b="0" dirty="0" smtClean="0"/>
+                  <a:rPr lang="en-US" b="0" dirty="0"/>
                   <a:t> </a:t>
                 </a:r>
                 <a14:m>
@@ -5962,7 +9234,7 @@
                     </m:r>
                   </m:oMath>
                 </a14:m>
-                <a:endParaRPr lang="en-US" b="0" dirty="0" smtClean="0"/>
+                <a:endParaRPr lang="en-US" b="0" dirty="0"/>
               </a:p>
               <a:p>
                 <a:endParaRPr lang="el-GR" dirty="0"/>
@@ -5970,7 +9242,7 @@
             </p:txBody>
           </p:sp>
         </mc:Choice>
-        <mc:Fallback>
+        <mc:Fallback xmlns="">
           <p:sp>
             <p:nvSpPr>
               <p:cNvPr id="20" name="Ορθογώνιο 19"/>
@@ -6009,8 +9281,8 @@
           </p:sp>
         </mc:Fallback>
       </mc:AlternateContent>
-      <mc:AlternateContent xmlns:mc="http://schemas.openxmlformats.org/markup-compatibility/2006">
-        <mc:Choice xmlns:a14="http://schemas.microsoft.com/office/drawing/2010/main" Requires="a14">
+      <mc:AlternateContent xmlns:mc="http://schemas.openxmlformats.org/markup-compatibility/2006" xmlns:a14="http://schemas.microsoft.com/office/drawing/2010/main">
+        <mc:Choice Requires="a14">
           <p:sp>
             <p:nvSpPr>
               <p:cNvPr id="5" name="TextBox 4"/>
@@ -6033,6 +9305,7 @@
               </a:bodyPr>
               <a:lstStyle/>
               <a:p>
+                <a:pPr/>
                 <a14:m>
                   <m:oMathPara xmlns:m="http://schemas.openxmlformats.org/officeDocument/2006/math">
                     <m:oMathParaPr>
@@ -6111,7 +9384,7 @@
             </p:txBody>
           </p:sp>
         </mc:Choice>
-        <mc:Fallback>
+        <mc:Fallback xmlns="">
           <p:sp>
             <p:nvSpPr>
               <p:cNvPr id="5" name="TextBox 4"/>
@@ -6173,15 +9446,15 @@
           <a:lstStyle/>
           <a:p>
             <a:r>
-              <a:rPr lang="en-US" dirty="0" smtClean="0"/>
+              <a:rPr lang="en-US" dirty="0"/>
               <a:t>with</a:t>
             </a:r>
             <a:endParaRPr lang="el-GR" dirty="0"/>
           </a:p>
         </p:txBody>
       </p:sp>
-      <mc:AlternateContent xmlns:mc="http://schemas.openxmlformats.org/markup-compatibility/2006">
-        <mc:Choice xmlns:a14="http://schemas.microsoft.com/office/drawing/2010/main" Requires="a14">
+      <mc:AlternateContent xmlns:mc="http://schemas.openxmlformats.org/markup-compatibility/2006" xmlns:a14="http://schemas.microsoft.com/office/drawing/2010/main">
+        <mc:Choice Requires="a14">
           <p:sp>
             <p:nvSpPr>
               <p:cNvPr id="22" name="TextBox 21"/>
@@ -6205,7 +9478,7 @@
               <a:lstStyle/>
               <a:p>
                 <a:r>
-                  <a:rPr lang="en-US" b="1" i="1" dirty="0" smtClean="0">
+                  <a:rPr lang="en-US" b="1" i="1" dirty="0">
                     <a:solidFill>
                       <a:schemeClr val="accent1"/>
                     </a:solidFill>
@@ -6213,18 +9486,18 @@
                   <a:t>ASSUMPTION</a:t>
                 </a:r>
                 <a:r>
-                  <a:rPr lang="en-US" b="1" dirty="0" smtClean="0">
+                  <a:rPr lang="en-US" b="1" dirty="0">
                     <a:solidFill>
                       <a:schemeClr val="accent1"/>
                     </a:solidFill>
                   </a:rPr>
                   <a:t>:</a:t>
                 </a:r>
-                <a:endParaRPr lang="en-US" b="1" dirty="0" smtClean="0"/>
+                <a:endParaRPr lang="en-US" b="1" dirty="0"/>
               </a:p>
               <a:p>
                 <a:r>
-                  <a:rPr lang="en-US" dirty="0" smtClean="0">
+                  <a:rPr lang="en-US" dirty="0">
                     <a:solidFill>
                       <a:schemeClr val="tx1"/>
                     </a:solidFill>
@@ -6281,7 +9554,7 @@
                   </m:oMath>
                 </a14:m>
                 <a:r>
-                  <a:rPr lang="en-US" dirty="0" smtClean="0">
+                  <a:rPr lang="en-US" dirty="0">
                     <a:solidFill>
                       <a:schemeClr val="tx1"/>
                     </a:solidFill>
@@ -6312,15 +9585,10 @@
                   </a:rPr>
                   <a:t> </a:t>
                 </a:r>
-                <a:endParaRPr lang="en-US" b="1" dirty="0" smtClean="0">
-                  <a:solidFill>
-                    <a:schemeClr val="tx1"/>
-                  </a:solidFill>
-                </a:endParaRPr>
               </a:p>
               <a:p>
                 <a:r>
-                  <a:rPr lang="en-US" dirty="0" smtClean="0">
+                  <a:rPr lang="en-US" dirty="0">
                     <a:solidFill>
                       <a:schemeClr val="tx1"/>
                     </a:solidFill>
@@ -6328,7 +9596,7 @@
                   <a:t>follows a binomial distribution with parameters (</a:t>
                 </a:r>
                 <a:r>
-                  <a:rPr lang="en-US" b="1" dirty="0" err="1" smtClean="0">
+                  <a:rPr lang="en-US" b="1" dirty="0" err="1">
                     <a:solidFill>
                       <a:schemeClr val="tx1"/>
                     </a:solidFill>
@@ -6336,7 +9604,7 @@
                   <a:t>n</a:t>
                 </a:r>
                 <a:r>
-                  <a:rPr lang="en-US" b="1" baseline="-25000" dirty="0" err="1" smtClean="0">
+                  <a:rPr lang="en-US" b="1" baseline="-25000" dirty="0" err="1">
                     <a:solidFill>
                       <a:schemeClr val="tx1"/>
                     </a:solidFill>
@@ -6344,7 +9612,7 @@
                   <a:t>gk</a:t>
                 </a:r>
                 <a:r>
-                  <a:rPr lang="en-US" b="1" dirty="0" smtClean="0">
+                  <a:rPr lang="en-US" b="1" dirty="0">
                     <a:solidFill>
                       <a:schemeClr val="tx1"/>
                     </a:solidFill>
@@ -6421,7 +9689,7 @@
                   </m:oMath>
                 </a14:m>
                 <a:r>
-                  <a:rPr lang="en-US" dirty="0" smtClean="0">
+                  <a:rPr lang="en-US" dirty="0">
                     <a:solidFill>
                       <a:schemeClr val="tx1"/>
                     </a:solidFill>
@@ -6437,7 +9705,7 @@
             </p:txBody>
           </p:sp>
         </mc:Choice>
-        <mc:Fallback>
+        <mc:Fallback xmlns="">
           <p:sp>
             <p:nvSpPr>
               <p:cNvPr id="22" name="TextBox 21"/>
@@ -6547,7 +9815,7 @@
           <a:lstStyle/>
           <a:p>
             <a:r>
-              <a:rPr lang="en-US" sz="2400" b="1" i="1" dirty="0" smtClean="0">
+              <a:rPr lang="en-US" sz="2400" b="1" i="1" dirty="0">
                 <a:solidFill>
                   <a:schemeClr val="accent1"/>
                 </a:solidFill>
@@ -6576,8 +9844,8 @@
             <a:chExt cx="5234510" cy="1403532"/>
           </a:xfrm>
         </p:grpSpPr>
-        <mc:AlternateContent xmlns:mc="http://schemas.openxmlformats.org/markup-compatibility/2006">
-          <mc:Choice xmlns:a14="http://schemas.microsoft.com/office/drawing/2010/main" Requires="a14">
+        <mc:AlternateContent xmlns:mc="http://schemas.openxmlformats.org/markup-compatibility/2006" xmlns:a14="http://schemas.microsoft.com/office/drawing/2010/main">
+          <mc:Choice Requires="a14">
             <p:sp>
               <p:nvSpPr>
                 <p:cNvPr id="26" name="Ορθογώνιο 25"/>
@@ -6641,7 +9909,7 @@
                     </m:oMath>
                   </a14:m>
                   <a:r>
-                    <a:rPr lang="en-US" dirty="0" smtClean="0"/>
+                    <a:rPr lang="en-US" dirty="0"/>
                     <a:t>|</a:t>
                   </a:r>
                   <a14:m>
@@ -6892,7 +10160,7 @@
                       </m:nary>
                     </m:oMath>
                   </a14:m>
-                  <a:endParaRPr lang="en-US" dirty="0" smtClean="0"/>
+                  <a:endParaRPr lang="en-US" dirty="0"/>
                 </a:p>
                 <a:p>
                   <a:endParaRPr lang="el-GR" dirty="0"/>
@@ -6900,7 +10168,7 @@
               </p:txBody>
             </p:sp>
           </mc:Choice>
-          <mc:Fallback>
+          <mc:Fallback xmlns="">
             <p:sp>
               <p:nvSpPr>
                 <p:cNvPr id="26" name="Ορθογώνιο 25"/>
@@ -6939,8 +10207,8 @@
             </p:sp>
           </mc:Fallback>
         </mc:AlternateContent>
-        <mc:AlternateContent xmlns:mc="http://schemas.openxmlformats.org/markup-compatibility/2006">
-          <mc:Choice xmlns:a14="http://schemas.microsoft.com/office/drawing/2010/main" Requires="a14">
+        <mc:AlternateContent xmlns:mc="http://schemas.openxmlformats.org/markup-compatibility/2006" xmlns:a14="http://schemas.microsoft.com/office/drawing/2010/main">
+          <mc:Choice Requires="a14">
             <p:sp>
               <p:nvSpPr>
                 <p:cNvPr id="27" name="TextBox 26"/>
@@ -7225,7 +10493,7 @@
               </p:txBody>
             </p:sp>
           </mc:Choice>
-          <mc:Fallback>
+          <mc:Fallback xmlns="">
             <p:sp>
               <p:nvSpPr>
                 <p:cNvPr id="27" name="TextBox 26"/>
@@ -7313,8 +10581,8 @@
           </a:p>
         </p:txBody>
       </p:sp>
-      <mc:AlternateContent xmlns:mc="http://schemas.openxmlformats.org/markup-compatibility/2006">
-        <mc:Choice xmlns:a14="http://schemas.microsoft.com/office/drawing/2010/main" Requires="a14">
+      <mc:AlternateContent xmlns:mc="http://schemas.openxmlformats.org/markup-compatibility/2006" xmlns:a14="http://schemas.microsoft.com/office/drawing/2010/main">
+        <mc:Choice Requires="a14">
           <p:sp>
             <p:nvSpPr>
               <p:cNvPr id="31" name="TextBox 30"/>
@@ -7498,7 +10766,7 @@
                   </m:oMath>
                 </a14:m>
                 <a:r>
-                  <a:rPr lang="en-US" dirty="0" smtClean="0"/>
+                  <a:rPr lang="en-US" dirty="0"/>
                   <a:t>)</a:t>
                 </a:r>
                 <a:endParaRPr lang="el-GR" dirty="0"/>
@@ -7506,7 +10774,7 @@
             </p:txBody>
           </p:sp>
         </mc:Choice>
-        <mc:Fallback>
+        <mc:Fallback xmlns="">
           <p:sp>
             <p:nvSpPr>
               <p:cNvPr id="31" name="TextBox 30"/>
@@ -7555,13 +10823,6 @@
   <p:clrMapOvr>
     <a:masterClrMapping/>
   </p:clrMapOvr>
-  <p:timing>
-    <p:tnLst>
-      <p:par>
-        <p:cTn id="1" dur="indefinite" restart="never" nodeType="tmRoot"/>
-      </p:par>
-    </p:tnLst>
-  </p:timing>
 </p:sld>
 </file>
 
@@ -7721,7 +10982,7 @@
           <a:p>
             <a:pPr algn="l"/>
             <a:r>
-              <a:rPr lang="en-US" sz="4400" i="1" dirty="0" smtClean="0">
+              <a:rPr lang="en-US" sz="4400" i="1" dirty="0">
                 <a:latin typeface="Book Antiqua" panose="02040602050305030304" pitchFamily="18" charset="0"/>
               </a:rPr>
               <a:t>Mixture Models</a:t>
@@ -7759,8 +11020,8 @@
           </a:ln>
         </p:spPr>
       </p:pic>
-      <mc:AlternateContent xmlns:mc="http://schemas.openxmlformats.org/markup-compatibility/2006">
-        <mc:Choice xmlns:a14="http://schemas.microsoft.com/office/drawing/2010/main" Requires="a14">
+      <mc:AlternateContent xmlns:mc="http://schemas.openxmlformats.org/markup-compatibility/2006" xmlns:a14="http://schemas.microsoft.com/office/drawing/2010/main">
+        <mc:Choice Requires="a14">
           <p:sp>
             <p:nvSpPr>
               <p:cNvPr id="3" name="TextBox 2"/>
@@ -7788,15 +11049,15 @@
                   <a:buChar char="•"/>
                 </a:pPr>
                 <a:r>
-                  <a:rPr lang="en-US" dirty="0" smtClean="0"/>
+                  <a:rPr lang="en-US" dirty="0"/>
                   <a:t>Assume the data points have </a:t>
                 </a:r>
                 <a:r>
-                  <a:rPr lang="en-US" b="1" i="1" dirty="0" smtClean="0"/>
+                  <a:rPr lang="en-US" b="1" i="1" dirty="0"/>
                   <a:t>labels</a:t>
                 </a:r>
                 <a:r>
-                  <a:rPr lang="en-US" dirty="0" smtClean="0"/>
+                  <a:rPr lang="en-US" dirty="0"/>
                   <a:t> that you don’t know</a:t>
                 </a:r>
               </a:p>
@@ -7813,11 +11074,11 @@
                   <a:buChar char="•"/>
                 </a:pPr>
                 <a:r>
-                  <a:rPr lang="en-US" dirty="0" smtClean="0"/>
+                  <a:rPr lang="en-US" dirty="0"/>
                   <a:t>Given the label, the data points follow a </a:t>
                 </a:r>
                 <a:r>
-                  <a:rPr lang="en-US" b="1" i="1" dirty="0" smtClean="0"/>
+                  <a:rPr lang="en-US" b="1" i="1" dirty="0"/>
                   <a:t>specific distribution</a:t>
                 </a:r>
               </a:p>
@@ -7834,12 +11095,8 @@
                   <a:buChar char="•"/>
                 </a:pPr>
                 <a:r>
-                  <a:rPr lang="en-US" dirty="0" smtClean="0"/>
-                  <a:t>Try to estimate for each data point </a:t>
-                </a:r>
-                <a:r>
-                  <a:rPr lang="en-US" dirty="0" smtClean="0"/>
-                  <a:t>the probability that has a specific label</a:t>
+                  <a:rPr lang="en-US" dirty="0"/>
+                  <a:t>Try to estimate for each data point the probability that has a specific label</a:t>
                 </a:r>
               </a:p>
               <a:p>
@@ -7847,11 +11104,11 @@
                   <a:buFont typeface="Arial" panose="020B0604020202020204" pitchFamily="34" charset="0"/>
                   <a:buChar char="•"/>
                 </a:pPr>
-                <a:endParaRPr lang="en-US" dirty="0" smtClean="0"/>
+                <a:endParaRPr lang="en-US" dirty="0"/>
               </a:p>
               <a:p>
                 <a:r>
-                  <a:rPr lang="en-US" dirty="0" smtClean="0"/>
+                  <a:rPr lang="en-US" dirty="0"/>
                   <a:t>             </a:t>
                 </a:r>
                 <a14:m>
@@ -7968,7 +11225,7 @@
                     </m:d>
                   </m:oMath>
                 </a14:m>
-                <a:endParaRPr lang="en-US" i="1" dirty="0" smtClean="0"/>
+                <a:endParaRPr lang="en-US" i="1" dirty="0"/>
               </a:p>
               <a:p>
                 <a:endParaRPr lang="en-US" dirty="0"/>
@@ -7979,16 +11236,16 @@
                   <a:buChar char="•"/>
                 </a:pPr>
                 <a:r>
-                  <a:rPr lang="en-US" dirty="0" smtClean="0"/>
+                  <a:rPr lang="en-US" dirty="0"/>
                   <a:t>Try to estimate the parameters of the distributions</a:t>
                 </a:r>
               </a:p>
               <a:p>
-                <a:endParaRPr lang="en-US" dirty="0" smtClean="0"/>
+                <a:endParaRPr lang="en-US" dirty="0"/>
               </a:p>
               <a:p>
                 <a:r>
-                  <a:rPr lang="en-US" i="1" dirty="0" smtClean="0"/>
+                  <a:rPr lang="en-US" i="1" dirty="0"/>
                   <a:t>                         in our case </a:t>
                 </a:r>
                 <a14:m>
@@ -8039,7 +11296,7 @@
             </p:txBody>
           </p:sp>
         </mc:Choice>
-        <mc:Fallback>
+        <mc:Fallback xmlns="">
           <p:sp>
             <p:nvSpPr>
               <p:cNvPr id="3" name="TextBox 2"/>
@@ -8092,8 +11349,8 @@
             <a:chExt cx="5234510" cy="1403532"/>
           </a:xfrm>
         </p:grpSpPr>
-        <mc:AlternateContent xmlns:mc="http://schemas.openxmlformats.org/markup-compatibility/2006">
-          <mc:Choice xmlns:a14="http://schemas.microsoft.com/office/drawing/2010/main" Requires="a14">
+        <mc:AlternateContent xmlns:mc="http://schemas.openxmlformats.org/markup-compatibility/2006" xmlns:a14="http://schemas.microsoft.com/office/drawing/2010/main">
+          <mc:Choice Requires="a14">
             <p:sp>
               <p:nvSpPr>
                 <p:cNvPr id="32" name="Ορθογώνιο 31"/>
@@ -8157,7 +11414,7 @@
                     </m:oMath>
                   </a14:m>
                   <a:r>
-                    <a:rPr lang="en-US" dirty="0" smtClean="0"/>
+                    <a:rPr lang="en-US" dirty="0"/>
                     <a:t>|</a:t>
                   </a:r>
                   <a14:m>
@@ -8408,7 +11665,7 @@
                       </m:nary>
                     </m:oMath>
                   </a14:m>
-                  <a:endParaRPr lang="en-US" dirty="0" smtClean="0"/>
+                  <a:endParaRPr lang="en-US" dirty="0"/>
                 </a:p>
                 <a:p>
                   <a:endParaRPr lang="el-GR" dirty="0"/>
@@ -8416,7 +11673,7 @@
               </p:txBody>
             </p:sp>
           </mc:Choice>
-          <mc:Fallback>
+          <mc:Fallback xmlns="">
             <p:sp>
               <p:nvSpPr>
                 <p:cNvPr id="32" name="Ορθογώνιο 31"/>
@@ -8455,8 +11712,8 @@
             </p:sp>
           </mc:Fallback>
         </mc:AlternateContent>
-        <mc:AlternateContent xmlns:mc="http://schemas.openxmlformats.org/markup-compatibility/2006">
-          <mc:Choice xmlns:a14="http://schemas.microsoft.com/office/drawing/2010/main" Requires="a14">
+        <mc:AlternateContent xmlns:mc="http://schemas.openxmlformats.org/markup-compatibility/2006" xmlns:a14="http://schemas.microsoft.com/office/drawing/2010/main">
+          <mc:Choice Requires="a14">
             <p:sp>
               <p:nvSpPr>
                 <p:cNvPr id="33" name="TextBox 32"/>
@@ -8741,7 +11998,7 @@
               </p:txBody>
             </p:sp>
           </mc:Choice>
-          <mc:Fallback>
+          <mc:Fallback xmlns="">
             <p:sp>
               <p:nvSpPr>
                 <p:cNvPr id="33" name="TextBox 32"/>
@@ -8791,13 +12048,6 @@
   <p:clrMapOvr>
     <a:masterClrMapping/>
   </p:clrMapOvr>
-  <p:timing>
-    <p:tnLst>
-      <p:par>
-        <p:cTn id="1" dur="indefinite" restart="never" nodeType="tmRoot"/>
-      </p:par>
-    </p:tnLst>
-  </p:timing>
 </p:sld>
 </file>
 
@@ -8953,7 +12203,7 @@
           <a:p>
             <a:pPr algn="l"/>
             <a:r>
-              <a:rPr lang="en-US" sz="4400" i="1" dirty="0" smtClean="0">
+              <a:rPr lang="en-US" sz="4400" i="1" dirty="0">
                 <a:latin typeface="Book Antiqua" panose="02040602050305030304" pitchFamily="18" charset="0"/>
               </a:rPr>
               <a:t>Partial Pooling</a:t>
@@ -9005,12 +12255,12 @@
                 <a:buChar char="•"/>
               </a:pPr>
               <a:r>
-                <a:rPr lang="en-US" dirty="0" smtClean="0"/>
+                <a:rPr lang="en-US" dirty="0"/>
                 <a:t>Many parameters per gene </a:t>
               </a:r>
             </a:p>
             <a:p>
-              <a:endParaRPr lang="en-US" dirty="0" smtClean="0"/>
+              <a:endParaRPr lang="en-US" dirty="0"/>
             </a:p>
             <a:p>
               <a:pPr marL="285750" indent="-285750">
@@ -9018,7 +12268,7 @@
                 <a:buChar char="•"/>
               </a:pPr>
               <a:r>
-                <a:rPr lang="en-US" dirty="0" smtClean="0"/>
+                <a:rPr lang="en-US" dirty="0"/>
                 <a:t>Thousands of genes</a:t>
               </a:r>
               <a:endParaRPr lang="el-GR" dirty="0"/>
@@ -9088,10 +12338,10 @@
             <a:p>
               <a:pPr algn="ctr"/>
               <a:r>
-                <a:rPr lang="en-US" b="1" i="1" dirty="0" smtClean="0"/>
+                <a:rPr lang="en-US" b="1" i="1" dirty="0"/>
                 <a:t>Large number of parameters</a:t>
               </a:r>
-              <a:endParaRPr lang="el-GR" b="1" i="1" dirty="0" smtClean="0"/>
+              <a:endParaRPr lang="el-GR" b="1" i="1" dirty="0"/>
             </a:p>
             <a:p>
               <a:pPr algn="ctr"/>
@@ -9194,12 +12444,12 @@
                   <a:buChar char="•"/>
                 </a:pPr>
                 <a:r>
-                  <a:rPr lang="en-US" dirty="0" smtClean="0"/>
+                  <a:rPr lang="en-US" dirty="0"/>
                   <a:t>Low read counts</a:t>
                 </a:r>
               </a:p>
               <a:p>
-                <a:endParaRPr lang="en-US" dirty="0" smtClean="0"/>
+                <a:endParaRPr lang="en-US" dirty="0"/>
               </a:p>
               <a:p>
                 <a:pPr marL="285750" indent="-285750">
@@ -9207,7 +12457,7 @@
                   <a:buChar char="•"/>
                 </a:pPr>
                 <a:r>
-                  <a:rPr lang="en-US" dirty="0" smtClean="0"/>
+                  <a:rPr lang="en-US" dirty="0"/>
                   <a:t>Sampling Variation</a:t>
                 </a:r>
               </a:p>
@@ -9240,7 +12490,7 @@
               <a:p>
                 <a:pPr algn="ctr"/>
                 <a:r>
-                  <a:rPr lang="en-US" b="1" i="1" dirty="0" smtClean="0"/>
+                  <a:rPr lang="en-US" b="1" i="1" dirty="0"/>
                   <a:t>Limited data for reliable estimation</a:t>
                 </a:r>
                 <a:endParaRPr lang="el-GR" b="1" i="1" dirty="0"/>
@@ -9272,7 +12522,7 @@
           <a:lstStyle/>
           <a:p>
             <a:r>
-              <a:rPr lang="en-US" sz="2000" b="1" i="1" dirty="0" smtClean="0">
+              <a:rPr lang="en-US" sz="2000" b="1" i="1" dirty="0">
                 <a:solidFill>
                   <a:schemeClr val="accent1"/>
                 </a:solidFill>
@@ -9310,7 +12560,7 @@
           <a:lstStyle/>
           <a:p>
             <a:r>
-              <a:rPr lang="en-US" sz="2800" b="1" i="1" dirty="0" smtClean="0">
+              <a:rPr lang="en-US" sz="2800" b="1" i="1" dirty="0">
                 <a:solidFill>
                   <a:schemeClr val="accent1"/>
                 </a:solidFill>
@@ -9348,11 +12598,11 @@
           <a:lstStyle/>
           <a:p>
             <a:r>
-              <a:rPr lang="en-US" sz="1600" dirty="0" smtClean="0"/>
+              <a:rPr lang="en-US" sz="1600" dirty="0"/>
               <a:t>x</a:t>
             </a:r>
             <a:r>
-              <a:rPr lang="en-US" sz="1600" baseline="-25000" dirty="0" smtClean="0"/>
+              <a:rPr lang="en-US" sz="1600" baseline="-25000" dirty="0"/>
               <a:t>g1</a:t>
             </a:r>
             <a:endParaRPr lang="el-GR" sz="1600" dirty="0"/>
@@ -9373,8 +12623,8 @@
             <a:chExt cx="4932284" cy="4616739"/>
           </a:xfrm>
         </p:grpSpPr>
-        <mc:AlternateContent xmlns:mc="http://schemas.openxmlformats.org/markup-compatibility/2006">
-          <mc:Choice xmlns:a14="http://schemas.microsoft.com/office/drawing/2010/main" Requires="a14">
+        <mc:AlternateContent xmlns:mc="http://schemas.openxmlformats.org/markup-compatibility/2006" xmlns:a14="http://schemas.microsoft.com/office/drawing/2010/main">
+          <mc:Choice Requires="a14">
             <p:sp>
               <p:nvSpPr>
                 <p:cNvPr id="20" name="Ορθογώνιο 19"/>
@@ -9396,6 +12646,7 @@
                 </a:bodyPr>
                 <a:lstStyle/>
                 <a:p>
+                  <a:pPr/>
                   <a14:m>
                     <m:oMathPara xmlns:m="http://schemas.openxmlformats.org/officeDocument/2006/math">
                       <m:oMathParaPr>
@@ -9443,7 +12694,7 @@
               </p:txBody>
             </p:sp>
           </mc:Choice>
-          <mc:Fallback>
+          <mc:Fallback xmlns="">
             <p:sp>
               <p:nvSpPr>
                 <p:cNvPr id="20" name="Ορθογώνιο 19"/>
@@ -9482,8 +12733,8 @@
             </p:sp>
           </mc:Fallback>
         </mc:AlternateContent>
-        <mc:AlternateContent xmlns:mc="http://schemas.openxmlformats.org/markup-compatibility/2006">
-          <mc:Choice xmlns:a14="http://schemas.microsoft.com/office/drawing/2010/main" Requires="a14">
+        <mc:AlternateContent xmlns:mc="http://schemas.openxmlformats.org/markup-compatibility/2006" xmlns:a14="http://schemas.microsoft.com/office/drawing/2010/main">
+          <mc:Choice Requires="a14">
             <p:sp>
               <p:nvSpPr>
                 <p:cNvPr id="22" name="TextBox 21"/>
@@ -9544,7 +12795,7 @@
                     </m:oMath>
                   </a14:m>
                   <a:r>
-                    <a:rPr lang="en-US" sz="2000" b="0" dirty="0" smtClean="0"/>
+                    <a:rPr lang="en-US" sz="2000" b="0" dirty="0"/>
                     <a:t>,</a:t>
                   </a:r>
                   <a14:m>
@@ -9592,7 +12843,7 @@
               </p:txBody>
             </p:sp>
           </mc:Choice>
-          <mc:Fallback>
+          <mc:Fallback xmlns="">
             <p:sp>
               <p:nvSpPr>
                 <p:cNvPr id="22" name="TextBox 21"/>
@@ -9631,8 +12882,8 @@
             </p:sp>
           </mc:Fallback>
         </mc:AlternateContent>
-        <mc:AlternateContent xmlns:mc="http://schemas.openxmlformats.org/markup-compatibility/2006">
-          <mc:Choice xmlns:a14="http://schemas.microsoft.com/office/drawing/2010/main" Requires="a14">
+        <mc:AlternateContent xmlns:mc="http://schemas.openxmlformats.org/markup-compatibility/2006" xmlns:a14="http://schemas.microsoft.com/office/drawing/2010/main">
+          <mc:Choice Requires="a14">
             <p:sp>
               <p:nvSpPr>
                 <p:cNvPr id="30" name="TextBox 29"/>
@@ -9655,6 +12906,7 @@
                 </a:bodyPr>
                 <a:lstStyle/>
                 <a:p>
+                  <a:pPr/>
                   <a14:m>
                     <m:oMathPara xmlns:m="http://schemas.openxmlformats.org/officeDocument/2006/math">
                       <m:oMathParaPr>
@@ -9702,7 +12954,7 @@
               </p:txBody>
             </p:sp>
           </mc:Choice>
-          <mc:Fallback>
+          <mc:Fallback xmlns="">
             <p:sp>
               <p:nvSpPr>
                 <p:cNvPr id="30" name="TextBox 29"/>
@@ -9741,8 +12993,8 @@
             </p:sp>
           </mc:Fallback>
         </mc:AlternateContent>
-        <mc:AlternateContent xmlns:mc="http://schemas.openxmlformats.org/markup-compatibility/2006">
-          <mc:Choice xmlns:a14="http://schemas.microsoft.com/office/drawing/2010/main" Requires="a14">
+        <mc:AlternateContent xmlns:mc="http://schemas.openxmlformats.org/markup-compatibility/2006" xmlns:a14="http://schemas.microsoft.com/office/drawing/2010/main">
+          <mc:Choice Requires="a14">
             <p:sp>
               <p:nvSpPr>
                 <p:cNvPr id="42" name="TextBox 41"/>
@@ -9765,6 +13017,7 @@
                 </a:bodyPr>
                 <a:lstStyle/>
                 <a:p>
+                  <a:pPr/>
                   <a14:m>
                     <m:oMathPara xmlns:m="http://schemas.openxmlformats.org/officeDocument/2006/math">
                       <m:oMathParaPr>
@@ -9812,7 +13065,7 @@
               </p:txBody>
             </p:sp>
           </mc:Choice>
-          <mc:Fallback>
+          <mc:Fallback xmlns="">
             <p:sp>
               <p:nvSpPr>
                 <p:cNvPr id="42" name="TextBox 41"/>
@@ -9851,8 +13104,8 @@
             </p:sp>
           </mc:Fallback>
         </mc:AlternateContent>
-        <mc:AlternateContent xmlns:mc="http://schemas.openxmlformats.org/markup-compatibility/2006">
-          <mc:Choice xmlns:a14="http://schemas.microsoft.com/office/drawing/2010/main" Requires="a14">
+        <mc:AlternateContent xmlns:mc="http://schemas.openxmlformats.org/markup-compatibility/2006" xmlns:a14="http://schemas.microsoft.com/office/drawing/2010/main">
+          <mc:Choice Requires="a14">
             <p:sp>
               <p:nvSpPr>
                 <p:cNvPr id="43" name="TextBox 42"/>
@@ -9875,6 +13128,7 @@
                 </a:bodyPr>
                 <a:lstStyle/>
                 <a:p>
+                  <a:pPr/>
                   <a14:m>
                     <m:oMathPara xmlns:m="http://schemas.openxmlformats.org/officeDocument/2006/math">
                       <m:oMathParaPr>
@@ -9922,7 +13176,7 @@
               </p:txBody>
             </p:sp>
           </mc:Choice>
-          <mc:Fallback>
+          <mc:Fallback xmlns="">
             <p:sp>
               <p:nvSpPr>
                 <p:cNvPr id="43" name="TextBox 42"/>
@@ -9984,7 +13238,7 @@
             <a:lstStyle/>
             <a:p>
               <a:r>
-                <a:rPr lang="en-US" sz="1600" dirty="0" smtClean="0">
+                <a:rPr lang="en-US" sz="1600" dirty="0">
                   <a:solidFill>
                     <a:schemeClr val="accent1"/>
                   </a:solidFill>
@@ -9992,7 +13246,7 @@
                 <a:t>x</a:t>
               </a:r>
               <a:r>
-                <a:rPr lang="en-US" sz="1600" baseline="-25000" dirty="0" smtClean="0">
+                <a:rPr lang="en-US" sz="1600" baseline="-25000" dirty="0">
                   <a:solidFill>
                     <a:schemeClr val="accent1"/>
                   </a:solidFill>
@@ -10030,7 +13284,7 @@
             <a:lstStyle/>
             <a:p>
               <a:r>
-                <a:rPr lang="en-US" sz="1600" dirty="0" err="1" smtClean="0">
+                <a:rPr lang="en-US" sz="1600" dirty="0" err="1">
                   <a:solidFill>
                     <a:schemeClr val="accent2">
                       <a:lumMod val="75000"/>
@@ -10040,7 +13294,7 @@
                 <a:t>x</a:t>
               </a:r>
               <a:r>
-                <a:rPr lang="en-US" sz="1600" baseline="-25000" dirty="0" err="1" smtClean="0">
+                <a:rPr lang="en-US" sz="1600" baseline="-25000" dirty="0" err="1">
                   <a:solidFill>
                     <a:schemeClr val="accent2">
                       <a:lumMod val="75000"/>
@@ -10082,7 +13336,7 @@
             <a:lstStyle/>
             <a:p>
               <a:r>
-                <a:rPr lang="en-US" dirty="0" smtClean="0"/>
+                <a:rPr lang="en-US" dirty="0"/>
                 <a:t>…..</a:t>
               </a:r>
               <a:endParaRPr lang="el-GR" dirty="0"/>
@@ -10565,7 +13819,7 @@
             <a:lstStyle/>
             <a:p>
               <a:r>
-                <a:rPr lang="en-US" dirty="0" smtClean="0"/>
+                <a:rPr lang="en-US" dirty="0"/>
                 <a:t>~Beta</a:t>
               </a:r>
               <a:endParaRPr lang="el-GR" dirty="0"/>
@@ -10595,7 +13849,7 @@
             <a:lstStyle/>
             <a:p>
               <a:r>
-                <a:rPr lang="en-US" dirty="0" smtClean="0"/>
+                <a:rPr lang="en-US" dirty="0"/>
                 <a:t>~Beta</a:t>
               </a:r>
               <a:endParaRPr lang="el-GR" dirty="0"/>
@@ -10625,7 +13879,7 @@
             <a:lstStyle/>
             <a:p>
               <a:r>
-                <a:rPr lang="en-US" dirty="0" smtClean="0"/>
+                <a:rPr lang="en-US" dirty="0"/>
                 <a:t>~Beta</a:t>
               </a:r>
               <a:endParaRPr lang="el-GR" dirty="0"/>
@@ -10643,13 +13897,6 @@
   <p:clrMapOvr>
     <a:masterClrMapping/>
   </p:clrMapOvr>
-  <p:timing>
-    <p:tnLst>
-      <p:par>
-        <p:cTn id="1" dur="indefinite" restart="never" nodeType="tmRoot"/>
-      </p:par>
-    </p:tnLst>
-  </p:timing>
 </p:sld>
 </file>
 
@@ -10713,7 +13960,7 @@
           <a:p>
             <a:pPr algn="l"/>
             <a:r>
-              <a:rPr lang="en-US" sz="4400" i="1" dirty="0" smtClean="0">
+              <a:rPr lang="en-US" sz="4400" i="1" dirty="0">
                 <a:latin typeface="Book Antiqua" panose="02040602050305030304" pitchFamily="18" charset="0"/>
               </a:rPr>
               <a:t>Estimation of parameters</a:t>
@@ -10751,7 +13998,7 @@
               <a:buChar char="•"/>
             </a:pPr>
             <a:r>
-              <a:rPr lang="en-US" dirty="0" smtClean="0"/>
+              <a:rPr lang="en-US" dirty="0"/>
               <a:t>Analytical solution to the maximum likelihood estimators does not exist</a:t>
             </a:r>
           </a:p>
@@ -10768,7 +14015,7 @@
               <a:buChar char="•"/>
             </a:pPr>
             <a:r>
-              <a:rPr lang="en-US" dirty="0" smtClean="0"/>
+              <a:rPr lang="en-US" dirty="0"/>
               <a:t>Use MCMC to randomly sample parameter values from their conditional posterior distributions</a:t>
             </a:r>
           </a:p>
@@ -10868,18 +14115,18 @@
             <a:p>
               <a:pPr algn="ctr"/>
               <a:r>
-                <a:rPr lang="en-US" sz="2000" b="1" i="1" dirty="0" smtClean="0"/>
+                <a:rPr lang="en-US" sz="2000" b="1" i="1" dirty="0"/>
                 <a:t>Provides the full posterior distribution</a:t>
               </a:r>
             </a:p>
             <a:p>
               <a:pPr algn="ctr"/>
-              <a:endParaRPr lang="en-US" sz="2000" b="1" i="1" dirty="0" smtClean="0"/>
+              <a:endParaRPr lang="en-US" sz="2000" b="1" i="1" dirty="0"/>
             </a:p>
             <a:p>
               <a:pPr algn="ctr"/>
               <a:r>
-                <a:rPr lang="en-US" sz="2000" b="1" i="1" dirty="0" smtClean="0"/>
+                <a:rPr lang="en-US" sz="2000" b="1" i="1" dirty="0"/>
                 <a:t>Information about the uncertainty of the parameters</a:t>
               </a:r>
               <a:endParaRPr lang="el-GR" sz="2000" b="1" i="1" dirty="0"/>
@@ -10948,7 +14195,7 @@
             <a:lstStyle/>
             <a:p>
               <a:r>
-                <a:rPr lang="en-US" dirty="0" smtClean="0"/>
+                <a:rPr lang="en-US" dirty="0"/>
                 <a:t>Random walk in a 2D space</a:t>
               </a:r>
               <a:endParaRPr lang="el-GR" dirty="0"/>
@@ -10979,16 +14226,12 @@
           <a:lstStyle/>
           <a:p>
             <a:r>
-              <a:rPr lang="en-US" b="1" i="1" dirty="0" smtClean="0"/>
+              <a:rPr lang="en-US" b="1" i="1" dirty="0"/>
               <a:t>MCMC methods: </a:t>
             </a:r>
             <a:r>
-              <a:rPr lang="en-US" i="1" dirty="0" smtClean="0"/>
-              <a:t>create </a:t>
-            </a:r>
-            <a:r>
               <a:rPr lang="en-US" i="1" dirty="0"/>
-              <a:t>a reversible Markov chain whose stationary distribution is the</a:t>
+              <a:t>create a reversible Markov chain whose stationary distribution is the</a:t>
             </a:r>
           </a:p>
           <a:p>
@@ -11010,13 +14253,6 @@
   <p:clrMapOvr>
     <a:masterClrMapping/>
   </p:clrMapOvr>
-  <p:timing>
-    <p:tnLst>
-      <p:par>
-        <p:cTn id="1" dur="indefinite" restart="never" nodeType="tmRoot"/>
-      </p:par>
-    </p:tnLst>
-  </p:timing>
 </p:sld>
 </file>
 
@@ -11126,7 +14362,7 @@
           <a:p>
             <a:pPr algn="l"/>
             <a:r>
-              <a:rPr lang="en-US" sz="4400" i="1" dirty="0" smtClean="0">
+              <a:rPr lang="en-US" sz="4400" i="1" dirty="0">
                 <a:latin typeface="Book Antiqua" panose="02040602050305030304" pitchFamily="18" charset="0"/>
               </a:rPr>
               <a:t>Partial pooling estimator</a:t>
@@ -11162,23 +14398,23 @@
               <a:lstStyle/>
               <a:p>
                 <a:r>
-                  <a:rPr lang="en-US" dirty="0" smtClean="0"/>
+                  <a:rPr lang="en-US" dirty="0"/>
                   <a:t>For each sampled parameters </a:t>
                 </a:r>
                 <a:r>
-                  <a:rPr lang="el-GR" dirty="0" smtClean="0"/>
+                  <a:rPr lang="el-GR" dirty="0"/>
                   <a:t> </a:t>
                 </a:r>
                 <a:r>
-                  <a:rPr lang="en-US" dirty="0" smtClean="0"/>
+                  <a:rPr lang="en-US" dirty="0"/>
                   <a:t>from the MCMC:</a:t>
                 </a:r>
               </a:p>
               <a:p>
-                <a:endParaRPr lang="en-US" dirty="0" smtClean="0"/>
+                <a:endParaRPr lang="en-US" dirty="0"/>
               </a:p>
               <a:p>
-                <a:endParaRPr lang="en-US" dirty="0" smtClean="0"/>
+                <a:endParaRPr lang="en-US" dirty="0"/>
               </a:p>
               <a:p>
                 <a:pPr marL="285750" indent="-285750">
@@ -11186,8 +14422,8 @@
                   <a:buChar char="•"/>
                 </a:pPr>
                 <a:r>
-                  <a:rPr lang="en-US" dirty="0" smtClean="0"/>
-                  <a:t>we estimate the classification probabilities </a:t>
+                  <a:rPr lang="en-US" dirty="0"/>
+                  <a:t>We estimate the classification probabilities </a:t>
                 </a:r>
                 <a14:m>
                   <m:oMath xmlns:m="http://schemas.openxmlformats.org/officeDocument/2006/math">
@@ -11218,13 +14454,7 @@
                           <a:rPr lang="en-US" b="0" i="1" smtClean="0">
                             <a:latin typeface="Cambria Math" panose="02040503050406030204" pitchFamily="18" charset="0"/>
                           </a:rPr>
-                          <m:t>𝑔</m:t>
-                        </m:r>
-                        <m:r>
-                          <a:rPr lang="en-US" b="0" i="1" smtClean="0">
-                            <a:latin typeface="Cambria Math" panose="02040503050406030204" pitchFamily="18" charset="0"/>
-                          </a:rPr>
-                          <m:t>𝑘</m:t>
+                          <m:t>𝑔𝑘</m:t>
                         </m:r>
                       </m:sub>
                       <m:sup>
@@ -11278,11 +14508,11 @@
                   </m:oMath>
                 </a14:m>
                 <a:r>
-                  <a:rPr lang="en-US" dirty="0" smtClean="0"/>
+                  <a:rPr lang="en-US" dirty="0"/>
                   <a:t>,</a:t>
                 </a:r>
                 <a:r>
-                  <a:rPr lang="en-US" b="0" dirty="0" smtClean="0"/>
+                  <a:rPr lang="en-US" b="0" dirty="0"/>
                   <a:t> </a:t>
                 </a:r>
                 <a14:m>
@@ -11322,14 +14552,14 @@
                     </m:sSubSup>
                   </m:oMath>
                 </a14:m>
-                <a:endParaRPr lang="en-US" dirty="0" smtClean="0"/>
+                <a:endParaRPr lang="en-US" dirty="0"/>
               </a:p>
               <a:p>
                 <a:pPr marL="285750" indent="-285750">
                   <a:buFont typeface="Arial" panose="020B0604020202020204" pitchFamily="34" charset="0"/>
                   <a:buChar char="•"/>
                 </a:pPr>
-                <a:endParaRPr lang="en-US" dirty="0" smtClean="0"/>
+                <a:endParaRPr lang="en-US" dirty="0"/>
               </a:p>
               <a:p>
                 <a:pPr marL="285750" indent="-285750">
@@ -11344,23 +14574,19 @@
                   <a:buChar char="•"/>
                 </a:pPr>
                 <a:r>
-                  <a:rPr lang="en-US" dirty="0" smtClean="0"/>
-                  <a:t>We estimate the </a:t>
+                  <a:rPr lang="en-US" dirty="0"/>
+                  <a:t>We estimate the expected proportion of maternal counts </a:t>
+                </a:r>
+                <a:r>
+                  <a:rPr lang="en-US" sz="2000" b="1" dirty="0" err="1"/>
+                  <a:t>p</a:t>
+                </a:r>
+                <a:r>
+                  <a:rPr lang="en-US" sz="2000" b="1" baseline="-25000" dirty="0" err="1"/>
+                  <a:t>gk</a:t>
                 </a:r>
                 <a:r>
                   <a:rPr lang="en-US" dirty="0"/>
-                  <a:t>expected proportion of maternal counts </a:t>
-                </a:r>
-                <a:r>
-                  <a:rPr lang="en-US" sz="2000" b="1" dirty="0" err="1" smtClean="0"/>
-                  <a:t>p</a:t>
-                </a:r>
-                <a:r>
-                  <a:rPr lang="en-US" sz="2000" b="1" baseline="-25000" dirty="0" err="1" smtClean="0"/>
-                  <a:t>gk</a:t>
-                </a:r>
-                <a:r>
-                  <a:rPr lang="en-US" dirty="0" smtClean="0"/>
                   <a:t>  as a weighted average:</a:t>
                 </a:r>
                 <a:endParaRPr lang="el-GR" dirty="0"/>
@@ -11397,7 +14623,7 @@
               <a:lstStyle/>
               <a:p>
                 <a:r>
-                  <a:rPr lang="el-GR">
+                  <a:rPr lang="en-GB">
                     <a:noFill/>
                   </a:rPr>
                   <a:t> </a:t>
@@ -11407,8 +14633,8 @@
           </p:sp>
         </mc:Fallback>
       </mc:AlternateContent>
-      <mc:AlternateContent xmlns:mc="http://schemas.openxmlformats.org/markup-compatibility/2006">
-        <mc:Choice xmlns:a14="http://schemas.microsoft.com/office/drawing/2010/main" Requires="a14">
+      <mc:AlternateContent xmlns:mc="http://schemas.openxmlformats.org/markup-compatibility/2006" xmlns:a14="http://schemas.microsoft.com/office/drawing/2010/main">
+        <mc:Choice Requires="a14">
           <p:sp>
             <p:nvSpPr>
               <p:cNvPr id="6" name="Ορθογώνιο 5"/>
@@ -11460,7 +14686,7 @@
                   </m:oMath>
                 </a14:m>
                 <a:r>
-                  <a:rPr lang="en-US" dirty="0" smtClean="0"/>
+                  <a:rPr lang="en-US" dirty="0"/>
                   <a:t>= </a:t>
                 </a:r>
                 <a14:m>
@@ -11534,7 +14760,7 @@
                   </m:oMath>
                 </a14:m>
                 <a:r>
-                  <a:rPr lang="en-US" dirty="0" smtClean="0"/>
+                  <a:rPr lang="en-US" dirty="0"/>
                   <a:t>+</a:t>
                 </a:r>
                 <a14:m>
@@ -11608,7 +14834,7 @@
                   </m:oMath>
                 </a14:m>
                 <a:r>
-                  <a:rPr lang="en-US" dirty="0" smtClean="0"/>
+                  <a:rPr lang="en-US" dirty="0"/>
                   <a:t>+</a:t>
                 </a:r>
                 <a14:m>
@@ -11686,7 +14912,7 @@
             </p:txBody>
           </p:sp>
         </mc:Choice>
-        <mc:Fallback>
+        <mc:Fallback xmlns="">
           <p:sp>
             <p:nvSpPr>
               <p:cNvPr id="6" name="Ορθογώνιο 5"/>
@@ -11773,11 +14999,11 @@
           <a:p>
             <a:pPr algn="ctr"/>
             <a:r>
-              <a:rPr lang="en-US" dirty="0" smtClean="0"/>
+              <a:rPr lang="en-US" dirty="0"/>
               <a:t>The average value across many iterations is the </a:t>
             </a:r>
             <a:r>
-              <a:rPr lang="en-US" b="1" i="1" dirty="0" smtClean="0"/>
+              <a:rPr lang="en-US" b="1" i="1" dirty="0"/>
               <a:t>partial pooling estimator</a:t>
             </a:r>
             <a:endParaRPr lang="el-GR" b="1" i="1" dirty="0"/>
@@ -11794,13 +15020,6 @@
   <p:clrMapOvr>
     <a:masterClrMapping/>
   </p:clrMapOvr>
-  <p:timing>
-    <p:tnLst>
-      <p:par>
-        <p:cTn id="1" dur="indefinite" restart="never" nodeType="tmRoot"/>
-      </p:par>
-    </p:tnLst>
-  </p:timing>
 </p:sld>
 </file>
 

--- a/presentation.pptx
+++ b/presentation.pptx
@@ -222,7 +222,7 @@
           <a:p>
             <a:fld id="{9172EE2B-8A15-4E0B-978F-340F070E54BF}" type="datetimeFigureOut">
               <a:rPr lang="el-GR" smtClean="0"/>
-              <a:t>26/11/20</a:t>
+              <a:t>28/11/2020</a:t>
             </a:fld>
             <a:endParaRPr lang="el-GR"/>
           </a:p>
@@ -1413,7 +1413,7 @@
           <a:p>
             <a:fld id="{F0E182DF-073B-4CF0-891C-5F99133E2A50}" type="datetime1">
               <a:rPr lang="en-IN" smtClean="0"/>
-              <a:t>26/11/20</a:t>
+              <a:t>28-11-2020</a:t>
             </a:fld>
             <a:endParaRPr lang="el-GR"/>
           </a:p>
@@ -1581,7 +1581,7 @@
           <a:p>
             <a:fld id="{A373950B-F407-426E-9B21-9C789F209A27}" type="datetime1">
               <a:rPr lang="en-IN" smtClean="0"/>
-              <a:t>26/11/20</a:t>
+              <a:t>28-11-2020</a:t>
             </a:fld>
             <a:endParaRPr lang="el-GR"/>
           </a:p>
@@ -1759,7 +1759,7 @@
           <a:p>
             <a:fld id="{1AA31EFC-0A7A-4716-90C4-184082955D57}" type="datetime1">
               <a:rPr lang="en-IN" smtClean="0"/>
-              <a:t>26/11/20</a:t>
+              <a:t>28-11-2020</a:t>
             </a:fld>
             <a:endParaRPr lang="el-GR"/>
           </a:p>
@@ -1927,7 +1927,7 @@
           <a:p>
             <a:fld id="{28AD3FED-8D97-48D9-9F32-1454E0D366FB}" type="datetime1">
               <a:rPr lang="en-IN" smtClean="0"/>
-              <a:t>26/11/20</a:t>
+              <a:t>28-11-2020</a:t>
             </a:fld>
             <a:endParaRPr lang="el-GR"/>
           </a:p>
@@ -2172,7 +2172,7 @@
           <a:p>
             <a:fld id="{3D7FE5AC-B1A8-4A92-A096-ED6DB3A8CFEF}" type="datetime1">
               <a:rPr lang="en-IN" smtClean="0"/>
-              <a:t>26/11/20</a:t>
+              <a:t>28-11-2020</a:t>
             </a:fld>
             <a:endParaRPr lang="el-GR"/>
           </a:p>
@@ -2401,7 +2401,7 @@
           <a:p>
             <a:fld id="{8D9FA3E8-5673-4D2E-BB8B-7315F6D5C00D}" type="datetime1">
               <a:rPr lang="en-IN" smtClean="0"/>
-              <a:t>26/11/20</a:t>
+              <a:t>28-11-2020</a:t>
             </a:fld>
             <a:endParaRPr lang="el-GR"/>
           </a:p>
@@ -2765,7 +2765,7 @@
           <a:p>
             <a:fld id="{8C9C06CC-02DF-475D-A9BD-FDA2A4A68E3D}" type="datetime1">
               <a:rPr lang="en-IN" smtClean="0"/>
-              <a:t>26/11/20</a:t>
+              <a:t>28-11-2020</a:t>
             </a:fld>
             <a:endParaRPr lang="el-GR"/>
           </a:p>
@@ -2882,7 +2882,7 @@
           <a:p>
             <a:fld id="{779C8F1A-149E-4D98-9A72-B74E56CAF02F}" type="datetime1">
               <a:rPr lang="en-IN" smtClean="0"/>
-              <a:t>26/11/20</a:t>
+              <a:t>28-11-2020</a:t>
             </a:fld>
             <a:endParaRPr lang="el-GR"/>
           </a:p>
@@ -2977,7 +2977,7 @@
           <a:p>
             <a:fld id="{711FDC2A-16EF-425C-9284-496C09E6A31C}" type="datetime1">
               <a:rPr lang="en-IN" smtClean="0"/>
-              <a:t>26/11/20</a:t>
+              <a:t>28-11-2020</a:t>
             </a:fld>
             <a:endParaRPr lang="el-GR"/>
           </a:p>
@@ -3252,7 +3252,7 @@
           <a:p>
             <a:fld id="{E4B6E17E-3DD6-4192-9ED3-3174ECDB2DA8}" type="datetime1">
               <a:rPr lang="en-IN" smtClean="0"/>
-              <a:t>26/11/20</a:t>
+              <a:t>28-11-2020</a:t>
             </a:fld>
             <a:endParaRPr lang="el-GR"/>
           </a:p>
@@ -3504,7 +3504,7 @@
           <a:p>
             <a:fld id="{2B838E59-5521-45EE-AE25-18921D428312}" type="datetime1">
               <a:rPr lang="en-IN" smtClean="0"/>
-              <a:t>26/11/20</a:t>
+              <a:t>28-11-2020</a:t>
             </a:fld>
             <a:endParaRPr lang="el-GR"/>
           </a:p>
@@ -3715,7 +3715,7 @@
           <a:p>
             <a:fld id="{0DA45269-6E55-40C3-AC0C-FE17DC5C079A}" type="datetime1">
               <a:rPr lang="en-IN" smtClean="0"/>
-              <a:t>26/11/20</a:t>
+              <a:t>28-11-2020</a:t>
             </a:fld>
             <a:endParaRPr lang="el-GR"/>
           </a:p>
@@ -5233,12 +5233,20 @@
           <a:lstStyle/>
           <a:p>
             <a:r>
+              <a:rPr lang="en-US" sz="2400" b="1" i="1" smtClean="0">
+                <a:solidFill>
+                  <a:schemeClr val="accent1"/>
+                </a:solidFill>
+              </a:rPr>
+              <a:t>Expectation- </a:t>
+            </a:r>
+            <a:r>
               <a:rPr lang="en-US" sz="2400" b="1" i="1" dirty="0">
                 <a:solidFill>
                   <a:schemeClr val="accent1"/>
                 </a:solidFill>
               </a:rPr>
-              <a:t>Estimation- Maximization Algorithm</a:t>
+              <a:t>Maximization Algorithm</a:t>
             </a:r>
           </a:p>
           <a:p>
@@ -16886,7 +16894,7 @@
                 <a:hlinkClick r:id="rId2">
                   <a:extLst>
                     <a:ext uri="{A12FA001-AC4F-418D-AE19-62706E023703}">
-                      <ahyp:hlinkClr xmlns:ahyp="http://schemas.microsoft.com/office/drawing/2018/hyperlinkcolor" val="tx"/>
+                      <ahyp:hlinkClr xmlns:ahyp="http://schemas.microsoft.com/office/drawing/2018/hyperlinkcolor" xmlns="" val="tx"/>
                     </a:ext>
                   </a:extLst>
                 </a:hlinkClick>

--- a/presentation.pptx
+++ b/presentation.pptx
@@ -5,7 +5,7 @@
     <p:sldMasterId id="2147483750" r:id="rId1"/>
   </p:sldMasterIdLst>
   <p:notesMasterIdLst>
-    <p:notesMasterId r:id="rId28"/>
+    <p:notesMasterId r:id="rId29"/>
   </p:notesMasterIdLst>
   <p:sldIdLst>
     <p:sldId id="294" r:id="rId2"/>
@@ -25,8 +25,8 @@
     <p:sldId id="280" r:id="rId16"/>
     <p:sldId id="281" r:id="rId17"/>
     <p:sldId id="309" r:id="rId18"/>
-    <p:sldId id="282" r:id="rId19"/>
-    <p:sldId id="284" r:id="rId20"/>
+    <p:sldId id="284" r:id="rId19"/>
+    <p:sldId id="282" r:id="rId20"/>
     <p:sldId id="302" r:id="rId21"/>
     <p:sldId id="303" r:id="rId22"/>
     <p:sldId id="290" r:id="rId23"/>
@@ -34,6 +34,7 @@
     <p:sldId id="307" r:id="rId25"/>
     <p:sldId id="288" r:id="rId26"/>
     <p:sldId id="310" r:id="rId27"/>
+    <p:sldId id="311" r:id="rId28"/>
   </p:sldIdLst>
   <p:sldSz cx="12192000" cy="6858000"/>
   <p:notesSz cx="6858000" cy="9144000"/>
@@ -222,7 +223,7 @@
           <a:p>
             <a:fld id="{9172EE2B-8A15-4E0B-978F-340F070E54BF}" type="datetimeFigureOut">
               <a:rPr lang="el-GR" smtClean="0"/>
-              <a:t>26/11/20</a:t>
+              <a:t>28/11/20</a:t>
             </a:fld>
             <a:endParaRPr lang="el-GR"/>
           </a:p>
@@ -554,7 +555,7 @@
           <a:p>
             <a:fld id="{72530D90-FC7E-4F22-AE88-6767C9F3068F}" type="slidenum">
               <a:rPr lang="el-GR" smtClean="0"/>
-              <a:t>2</a:t>
+              <a:t>1</a:t>
             </a:fld>
             <a:endParaRPr lang="el-GR"/>
           </a:p>
@@ -563,7 +564,197 @@
     </p:spTree>
     <p:extLst>
       <p:ext uri="{BB962C8B-B14F-4D97-AF65-F5344CB8AC3E}">
-        <p14:creationId xmlns:p14="http://schemas.microsoft.com/office/powerpoint/2010/main" val="1343659459"/>
+        <p14:creationId xmlns:p14="http://schemas.microsoft.com/office/powerpoint/2010/main" val="2565638237"/>
+      </p:ext>
+    </p:extLst>
+  </p:cSld>
+  <p:clrMapOvr>
+    <a:masterClrMapping/>
+  </p:clrMapOvr>
+</p:notes>
+</file>
+
+<file path=ppt/notesSlides/notesSlide10.xml><?xml version="1.0" encoding="utf-8"?>
+<p:notes xmlns:a="http://schemas.openxmlformats.org/drawingml/2006/main" xmlns:r="http://schemas.openxmlformats.org/officeDocument/2006/relationships" xmlns:p="http://schemas.openxmlformats.org/presentationml/2006/main">
+  <p:cSld>
+    <p:spTree>
+      <p:nvGrpSpPr>
+        <p:cNvPr id="1" name=""/>
+        <p:cNvGrpSpPr/>
+        <p:nvPr/>
+      </p:nvGrpSpPr>
+      <p:grpSpPr>
+        <a:xfrm>
+          <a:off x="0" y="0"/>
+          <a:ext cx="0" cy="0"/>
+          <a:chOff x="0" y="0"/>
+          <a:chExt cx="0" cy="0"/>
+        </a:xfrm>
+      </p:grpSpPr>
+      <p:sp>
+        <p:nvSpPr>
+          <p:cNvPr id="2" name="Slide Image Placeholder 1"/>
+          <p:cNvSpPr>
+            <a:spLocks noGrp="1" noRot="1" noChangeAspect="1"/>
+          </p:cNvSpPr>
+          <p:nvPr>
+            <p:ph type="sldImg"/>
+          </p:nvPr>
+        </p:nvSpPr>
+        <p:spPr/>
+      </p:sp>
+      <p:sp>
+        <p:nvSpPr>
+          <p:cNvPr id="3" name="Notes Placeholder 2"/>
+          <p:cNvSpPr>
+            <a:spLocks noGrp="1"/>
+          </p:cNvSpPr>
+          <p:nvPr>
+            <p:ph type="body" idx="1"/>
+          </p:nvPr>
+        </p:nvSpPr>
+        <p:spPr/>
+        <p:txBody>
+          <a:bodyPr/>
+          <a:lstStyle/>
+          <a:p>
+            <a:endParaRPr lang="en-US" dirty="0"/>
+          </a:p>
+        </p:txBody>
+      </p:sp>
+      <p:sp>
+        <p:nvSpPr>
+          <p:cNvPr id="4" name="Slide Number Placeholder 3"/>
+          <p:cNvSpPr>
+            <a:spLocks noGrp="1"/>
+          </p:cNvSpPr>
+          <p:nvPr>
+            <p:ph type="sldNum" sz="quarter" idx="5"/>
+          </p:nvPr>
+        </p:nvSpPr>
+        <p:spPr/>
+        <p:txBody>
+          <a:bodyPr/>
+          <a:lstStyle/>
+          <a:p>
+            <a:fld id="{72530D90-FC7E-4F22-AE88-6767C9F3068F}" type="slidenum">
+              <a:rPr lang="el-GR" smtClean="0"/>
+              <a:t>24</a:t>
+            </a:fld>
+            <a:endParaRPr lang="el-GR"/>
+          </a:p>
+        </p:txBody>
+      </p:sp>
+    </p:spTree>
+    <p:extLst>
+      <p:ext uri="{BB962C8B-B14F-4D97-AF65-F5344CB8AC3E}">
+        <p14:creationId xmlns:p14="http://schemas.microsoft.com/office/powerpoint/2010/main" val="238942805"/>
+      </p:ext>
+    </p:extLst>
+  </p:cSld>
+  <p:clrMapOvr>
+    <a:masterClrMapping/>
+  </p:clrMapOvr>
+</p:notes>
+</file>
+
+<file path=ppt/notesSlides/notesSlide11.xml><?xml version="1.0" encoding="utf-8"?>
+<p:notes xmlns:a="http://schemas.openxmlformats.org/drawingml/2006/main" xmlns:r="http://schemas.openxmlformats.org/officeDocument/2006/relationships" xmlns:p="http://schemas.openxmlformats.org/presentationml/2006/main">
+  <p:cSld>
+    <p:spTree>
+      <p:nvGrpSpPr>
+        <p:cNvPr id="1" name=""/>
+        <p:cNvGrpSpPr/>
+        <p:nvPr/>
+      </p:nvGrpSpPr>
+      <p:grpSpPr>
+        <a:xfrm>
+          <a:off x="0" y="0"/>
+          <a:ext cx="0" cy="0"/>
+          <a:chOff x="0" y="0"/>
+          <a:chExt cx="0" cy="0"/>
+        </a:xfrm>
+      </p:grpSpPr>
+      <p:sp>
+        <p:nvSpPr>
+          <p:cNvPr id="2" name="Slide Image Placeholder 1"/>
+          <p:cNvSpPr>
+            <a:spLocks noGrp="1" noRot="1" noChangeAspect="1"/>
+          </p:cNvSpPr>
+          <p:nvPr>
+            <p:ph type="sldImg"/>
+          </p:nvPr>
+        </p:nvSpPr>
+        <p:spPr/>
+      </p:sp>
+      <p:sp>
+        <p:nvSpPr>
+          <p:cNvPr id="3" name="Notes Placeholder 2"/>
+          <p:cNvSpPr>
+            <a:spLocks noGrp="1"/>
+          </p:cNvSpPr>
+          <p:nvPr>
+            <p:ph type="body" idx="1"/>
+          </p:nvPr>
+        </p:nvSpPr>
+        <p:spPr/>
+        <p:txBody>
+          <a:bodyPr/>
+          <a:lstStyle/>
+          <a:p>
+            <a:r>
+              <a:rPr lang="en-IN" dirty="0"/>
+              <a:t>the approach to providing experimental design guidelines is shared among all: given a deeply sequenced dataset with a predefined number of cells, how much subsampling can a given method tolerate? An example of this conventional approach is also evident in the mathematical model used in a recent work</a:t>
+            </a:r>
+            <a:r>
+              <a:rPr lang="en-IN" baseline="30000" dirty="0">
+                <a:hlinkClick r:id="rId3" tooltip="Heimberg, G., Bhatnagar, R., El-Samad, H. &amp; Thomson, M. Low dimensionality in gene expression data enables the accurate extraction of transcriptional programs from shallow sequencing. Cell Systems 2, 239–250 (2016)."/>
+              </a:rPr>
+              <a:t>11</a:t>
+            </a:r>
+            <a:r>
+              <a:rPr lang="en-IN" dirty="0"/>
+              <a:t> to study the effect of sequencing depth on PCA. Although practically relevant, this line of work does not provide a comprehensive solution to the underlying experimental design question because of three reasons: (1) the number of cells is fixed and implicitly assumed to be enough for the biological question at hand; (2) the deeply sequenced dataset is considered to be the ground truth; (3) the corresponding estimation method is chosen a priori and is tied to the experiment. https://</a:t>
+            </a:r>
+            <a:r>
+              <a:rPr lang="en-IN" dirty="0" err="1"/>
+              <a:t>www.nature.com</a:t>
+            </a:r>
+            <a:r>
+              <a:rPr lang="en-IN" dirty="0"/>
+              <a:t>/articles/s41467-020-14482-y</a:t>
+            </a:r>
+            <a:endParaRPr lang="en-US" dirty="0"/>
+          </a:p>
+        </p:txBody>
+      </p:sp>
+      <p:sp>
+        <p:nvSpPr>
+          <p:cNvPr id="4" name="Slide Number Placeholder 3"/>
+          <p:cNvSpPr>
+            <a:spLocks noGrp="1"/>
+          </p:cNvSpPr>
+          <p:nvPr>
+            <p:ph type="sldNum" sz="quarter" idx="5"/>
+          </p:nvPr>
+        </p:nvSpPr>
+        <p:spPr/>
+        <p:txBody>
+          <a:bodyPr/>
+          <a:lstStyle/>
+          <a:p>
+            <a:fld id="{72530D90-FC7E-4F22-AE88-6767C9F3068F}" type="slidenum">
+              <a:rPr lang="el-GR" smtClean="0"/>
+              <a:t>25</a:t>
+            </a:fld>
+            <a:endParaRPr lang="el-GR"/>
+          </a:p>
+        </p:txBody>
+      </p:sp>
+    </p:spTree>
+    <p:extLst>
+      <p:ext uri="{BB962C8B-B14F-4D97-AF65-F5344CB8AC3E}">
+        <p14:creationId xmlns:p14="http://schemas.microsoft.com/office/powerpoint/2010/main" val="3684555383"/>
       </p:ext>
     </p:extLst>
   </p:cSld>
@@ -638,7 +829,7 @@
           <a:p>
             <a:fld id="{72530D90-FC7E-4F22-AE88-6767C9F3068F}" type="slidenum">
               <a:rPr lang="el-GR" smtClean="0"/>
-              <a:t>3</a:t>
+              <a:t>2</a:t>
             </a:fld>
             <a:endParaRPr lang="el-GR"/>
           </a:p>
@@ -647,7 +838,7 @@
     </p:spTree>
     <p:extLst>
       <p:ext uri="{BB962C8B-B14F-4D97-AF65-F5344CB8AC3E}">
-        <p14:creationId xmlns:p14="http://schemas.microsoft.com/office/powerpoint/2010/main" val="2869996168"/>
+        <p14:creationId xmlns:p14="http://schemas.microsoft.com/office/powerpoint/2010/main" val="1343659459"/>
       </p:ext>
     </p:extLst>
   </p:cSld>
@@ -701,10 +892,7 @@
           <a:bodyPr/>
           <a:lstStyle/>
           <a:p>
-            <a:r>
-              <a:rPr lang="en-US" dirty="0"/>
-              <a:t>One of the overarching goals in biology is to</a:t>
-            </a:r>
+            <a:endParaRPr lang="en-US" dirty="0"/>
           </a:p>
         </p:txBody>
       </p:sp>
@@ -725,7 +913,7 @@
           <a:p>
             <a:fld id="{72530D90-FC7E-4F22-AE88-6767C9F3068F}" type="slidenum">
               <a:rPr lang="el-GR" smtClean="0"/>
-              <a:t>4</a:t>
+              <a:t>3</a:t>
             </a:fld>
             <a:endParaRPr lang="el-GR"/>
           </a:p>
@@ -734,7 +922,7 @@
     </p:spTree>
     <p:extLst>
       <p:ext uri="{BB962C8B-B14F-4D97-AF65-F5344CB8AC3E}">
-        <p14:creationId xmlns:p14="http://schemas.microsoft.com/office/powerpoint/2010/main" val="4047081583"/>
+        <p14:creationId xmlns:p14="http://schemas.microsoft.com/office/powerpoint/2010/main" val="2869996168"/>
       </p:ext>
     </p:extLst>
   </p:cSld>
@@ -788,10 +976,10 @@
           <a:bodyPr/>
           <a:lstStyle/>
           <a:p>
-            <a:endParaRPr lang="en-US" dirty="0"/>
-          </a:p>
-          <a:p>
-            <a:endParaRPr lang="en-US" dirty="0"/>
+            <a:r>
+              <a:rPr lang="en-US" dirty="0"/>
+              <a:t>Gene expression is a stochastic process. If you take two genetically identical cells that are present in the same environment and measure their gene expression levels , you will find that the gene expression levels are not identical.</a:t>
+            </a:r>
           </a:p>
         </p:txBody>
       </p:sp>
@@ -812,7 +1000,7 @@
           <a:p>
             <a:fld id="{72530D90-FC7E-4F22-AE88-6767C9F3068F}" type="slidenum">
               <a:rPr lang="el-GR" smtClean="0"/>
-              <a:t>5</a:t>
+              <a:t>4</a:t>
             </a:fld>
             <a:endParaRPr lang="el-GR"/>
           </a:p>
@@ -821,7 +1009,7 @@
     </p:spTree>
     <p:extLst>
       <p:ext uri="{BB962C8B-B14F-4D97-AF65-F5344CB8AC3E}">
-        <p14:creationId xmlns:p14="http://schemas.microsoft.com/office/powerpoint/2010/main" val="3193606280"/>
+        <p14:creationId xmlns:p14="http://schemas.microsoft.com/office/powerpoint/2010/main" val="4047081583"/>
       </p:ext>
     </p:extLst>
   </p:cSld>
@@ -877,14 +1065,14 @@
           <a:p>
             <a:r>
               <a:rPr lang="en-US" dirty="0"/>
-              <a:t>Explain what drop out events are</a:t>
-            </a:r>
-          </a:p>
-          <a:p>
-            <a:r>
-              <a:rPr lang="en-US" dirty="0"/>
-              <a:t>Check the number</a:t>
-            </a:r>
+              <a:t>This paper focuses on one source of this stochasticity in gene expression which is at the level of alleles? Alleles are different forms of the same gene. In diploid organisms (such as humans , mice ) we inherit two copies of gene – one from the mother , one from the father. If there are genetic differences between these two copies, we say that we have two different alleles for this gene.  When a gene is transcribed, what proportion of the transcripts come from the maternal allele and what proportion comes from the father? – explain the picture</a:t>
+            </a:r>
+          </a:p>
+          <a:p>
+            <a:endParaRPr lang="en-US" dirty="0"/>
+          </a:p>
+          <a:p>
+            <a:endParaRPr lang="en-US" dirty="0"/>
           </a:p>
         </p:txBody>
       </p:sp>
@@ -905,7 +1093,7 @@
           <a:p>
             <a:fld id="{72530D90-FC7E-4F22-AE88-6767C9F3068F}" type="slidenum">
               <a:rPr lang="el-GR" smtClean="0"/>
-              <a:t>6</a:t>
+              <a:t>5</a:t>
             </a:fld>
             <a:endParaRPr lang="el-GR"/>
           </a:p>
@@ -914,7 +1102,7 @@
     </p:spTree>
     <p:extLst>
       <p:ext uri="{BB962C8B-B14F-4D97-AF65-F5344CB8AC3E}">
-        <p14:creationId xmlns:p14="http://schemas.microsoft.com/office/powerpoint/2010/main" val="2208747077"/>
+        <p14:creationId xmlns:p14="http://schemas.microsoft.com/office/powerpoint/2010/main" val="3193606280"/>
       </p:ext>
     </p:extLst>
   </p:cSld>
@@ -970,26 +1158,20 @@
           <a:p>
             <a:r>
               <a:rPr lang="en-US" dirty="0"/>
-              <a:t>Unique reads -&gt; unambiguous mapping to one allele of one gene</a:t>
-            </a:r>
+              <a:t>How are allele specific alignments created? - A diploid transcriptome was created from CAST and B6- specific sequences  of each annotated transcript and aligned reads from each cell to obtain allele specific alignments</a:t>
+            </a:r>
+          </a:p>
+          <a:p>
+            <a:endParaRPr lang="en-US" dirty="0"/>
           </a:p>
           <a:p>
             <a:r>
               <a:rPr lang="en-US" dirty="0"/>
-              <a:t>Allelic multiread -&gt; map to both alleles of the same gene</a:t>
-            </a:r>
-          </a:p>
-          <a:p>
-            <a:r>
-              <a:rPr lang="en-US" dirty="0"/>
-              <a:t>Genomic multiread -&gt; map to different genes but only one allele  of each gene</a:t>
-            </a:r>
-          </a:p>
-          <a:p>
-            <a:r>
-              <a:rPr lang="en-US" dirty="0"/>
-              <a:t>Complex multiread -&gt; map to multiple genes and to both alleles of any of those genes</a:t>
-            </a:r>
+              <a:t>Dropout events: data we capture is only small fraction of transcriptome of cell due to technical failure to capture the RNA transcripts or stochastic bursting nature of transcription</a:t>
+            </a:r>
+          </a:p>
+          <a:p>
+            <a:endParaRPr lang="en-US" dirty="0"/>
           </a:p>
           <a:p>
             <a:endParaRPr lang="en-US" dirty="0"/>
@@ -1013,7 +1195,7 @@
           <a:p>
             <a:fld id="{72530D90-FC7E-4F22-AE88-6767C9F3068F}" type="slidenum">
               <a:rPr lang="el-GR" smtClean="0"/>
-              <a:t>7</a:t>
+              <a:t>6</a:t>
             </a:fld>
             <a:endParaRPr lang="el-GR"/>
           </a:p>
@@ -1022,7 +1204,7 @@
     </p:spTree>
     <p:extLst>
       <p:ext uri="{BB962C8B-B14F-4D97-AF65-F5344CB8AC3E}">
-        <p14:creationId xmlns:p14="http://schemas.microsoft.com/office/powerpoint/2010/main" val="82868966"/>
+        <p14:creationId xmlns:p14="http://schemas.microsoft.com/office/powerpoint/2010/main" val="2208747077"/>
       </p:ext>
     </p:extLst>
   </p:cSld>
@@ -1076,6 +1258,39 @@
           <a:bodyPr/>
           <a:lstStyle/>
           <a:p>
+            <a:r>
+              <a:rPr lang="en-US" dirty="0"/>
+              <a:t>Unique reads -&gt; unambiguous mapping to one allele of one gene</a:t>
+            </a:r>
+          </a:p>
+          <a:p>
+            <a:r>
+              <a:rPr lang="en-US" dirty="0"/>
+              <a:t>Allelic multiread -&gt; map to both alleles of the same gene</a:t>
+            </a:r>
+          </a:p>
+          <a:p>
+            <a:r>
+              <a:rPr lang="en-US" dirty="0"/>
+              <a:t>Genomic multiread -&gt; map to different genes but only one allele  of each gene</a:t>
+            </a:r>
+          </a:p>
+          <a:p>
+            <a:r>
+              <a:rPr lang="en-US" dirty="0"/>
+              <a:t>Complex multiread -&gt; map to multiple genes and to both alleles of any of those genes</a:t>
+            </a:r>
+          </a:p>
+          <a:p>
+            <a:endParaRPr lang="en-US" dirty="0"/>
+          </a:p>
+          <a:p>
+            <a:r>
+              <a:rPr lang="en-US" dirty="0"/>
+              <a:t>Use multimapping reads to estimated expected distribution of alignments of all the reads using weighted allocation</a:t>
+            </a:r>
+          </a:p>
+          <a:p>
             <a:endParaRPr lang="en-US" dirty="0"/>
           </a:p>
         </p:txBody>
@@ -1097,7 +1312,7 @@
           <a:p>
             <a:fld id="{72530D90-FC7E-4F22-AE88-6767C9F3068F}" type="slidenum">
               <a:rPr lang="el-GR" smtClean="0"/>
-              <a:t>9</a:t>
+              <a:t>7</a:t>
             </a:fld>
             <a:endParaRPr lang="el-GR"/>
           </a:p>
@@ -1106,7 +1321,7 @@
     </p:spTree>
     <p:extLst>
       <p:ext uri="{BB962C8B-B14F-4D97-AF65-F5344CB8AC3E}">
-        <p14:creationId xmlns:p14="http://schemas.microsoft.com/office/powerpoint/2010/main" val="3983238995"/>
+        <p14:creationId xmlns:p14="http://schemas.microsoft.com/office/powerpoint/2010/main" val="82868966"/>
       </p:ext>
     </p:extLst>
   </p:cSld>
@@ -1181,7 +1396,7 @@
           <a:p>
             <a:fld id="{72530D90-FC7E-4F22-AE88-6767C9F3068F}" type="slidenum">
               <a:rPr lang="el-GR" smtClean="0"/>
-              <a:t>17</a:t>
+              <a:t>9</a:t>
             </a:fld>
             <a:endParaRPr lang="el-GR"/>
           </a:p>
@@ -1190,7 +1405,7 @@
     </p:spTree>
     <p:extLst>
       <p:ext uri="{BB962C8B-B14F-4D97-AF65-F5344CB8AC3E}">
-        <p14:creationId xmlns:p14="http://schemas.microsoft.com/office/powerpoint/2010/main" val="752958540"/>
+        <p14:creationId xmlns:p14="http://schemas.microsoft.com/office/powerpoint/2010/main" val="3983238995"/>
       </p:ext>
     </p:extLst>
   </p:cSld>
@@ -1265,7 +1480,7 @@
           <a:p>
             <a:fld id="{72530D90-FC7E-4F22-AE88-6767C9F3068F}" type="slidenum">
               <a:rPr lang="el-GR" smtClean="0"/>
-              <a:t>24</a:t>
+              <a:t>17</a:t>
             </a:fld>
             <a:endParaRPr lang="el-GR"/>
           </a:p>
@@ -1274,7 +1489,7 @@
     </p:spTree>
     <p:extLst>
       <p:ext uri="{BB962C8B-B14F-4D97-AF65-F5344CB8AC3E}">
-        <p14:creationId xmlns:p14="http://schemas.microsoft.com/office/powerpoint/2010/main" val="238942805"/>
+        <p14:creationId xmlns:p14="http://schemas.microsoft.com/office/powerpoint/2010/main" val="752958540"/>
       </p:ext>
     </p:extLst>
   </p:cSld>
@@ -1413,7 +1628,7 @@
           <a:p>
             <a:fld id="{F0E182DF-073B-4CF0-891C-5F99133E2A50}" type="datetime1">
               <a:rPr lang="en-IN" smtClean="0"/>
-              <a:t>26/11/20</a:t>
+              <a:t>28/11/20</a:t>
             </a:fld>
             <a:endParaRPr lang="el-GR"/>
           </a:p>
@@ -1581,7 +1796,7 @@
           <a:p>
             <a:fld id="{A373950B-F407-426E-9B21-9C789F209A27}" type="datetime1">
               <a:rPr lang="en-IN" smtClean="0"/>
-              <a:t>26/11/20</a:t>
+              <a:t>28/11/20</a:t>
             </a:fld>
             <a:endParaRPr lang="el-GR"/>
           </a:p>
@@ -1759,7 +1974,7 @@
           <a:p>
             <a:fld id="{1AA31EFC-0A7A-4716-90C4-184082955D57}" type="datetime1">
               <a:rPr lang="en-IN" smtClean="0"/>
-              <a:t>26/11/20</a:t>
+              <a:t>28/11/20</a:t>
             </a:fld>
             <a:endParaRPr lang="el-GR"/>
           </a:p>
@@ -1927,7 +2142,7 @@
           <a:p>
             <a:fld id="{28AD3FED-8D97-48D9-9F32-1454E0D366FB}" type="datetime1">
               <a:rPr lang="en-IN" smtClean="0"/>
-              <a:t>26/11/20</a:t>
+              <a:t>28/11/20</a:t>
             </a:fld>
             <a:endParaRPr lang="el-GR"/>
           </a:p>
@@ -2172,7 +2387,7 @@
           <a:p>
             <a:fld id="{3D7FE5AC-B1A8-4A92-A096-ED6DB3A8CFEF}" type="datetime1">
               <a:rPr lang="en-IN" smtClean="0"/>
-              <a:t>26/11/20</a:t>
+              <a:t>28/11/20</a:t>
             </a:fld>
             <a:endParaRPr lang="el-GR"/>
           </a:p>
@@ -2401,7 +2616,7 @@
           <a:p>
             <a:fld id="{8D9FA3E8-5673-4D2E-BB8B-7315F6D5C00D}" type="datetime1">
               <a:rPr lang="en-IN" smtClean="0"/>
-              <a:t>26/11/20</a:t>
+              <a:t>28/11/20</a:t>
             </a:fld>
             <a:endParaRPr lang="el-GR"/>
           </a:p>
@@ -2765,7 +2980,7 @@
           <a:p>
             <a:fld id="{8C9C06CC-02DF-475D-A9BD-FDA2A4A68E3D}" type="datetime1">
               <a:rPr lang="en-IN" smtClean="0"/>
-              <a:t>26/11/20</a:t>
+              <a:t>28/11/20</a:t>
             </a:fld>
             <a:endParaRPr lang="el-GR"/>
           </a:p>
@@ -2882,7 +3097,7 @@
           <a:p>
             <a:fld id="{779C8F1A-149E-4D98-9A72-B74E56CAF02F}" type="datetime1">
               <a:rPr lang="en-IN" smtClean="0"/>
-              <a:t>26/11/20</a:t>
+              <a:t>28/11/20</a:t>
             </a:fld>
             <a:endParaRPr lang="el-GR"/>
           </a:p>
@@ -2977,7 +3192,7 @@
           <a:p>
             <a:fld id="{711FDC2A-16EF-425C-9284-496C09E6A31C}" type="datetime1">
               <a:rPr lang="en-IN" smtClean="0"/>
-              <a:t>26/11/20</a:t>
+              <a:t>28/11/20</a:t>
             </a:fld>
             <a:endParaRPr lang="el-GR"/>
           </a:p>
@@ -3252,7 +3467,7 @@
           <a:p>
             <a:fld id="{E4B6E17E-3DD6-4192-9ED3-3174ECDB2DA8}" type="datetime1">
               <a:rPr lang="en-IN" smtClean="0"/>
-              <a:t>26/11/20</a:t>
+              <a:t>28/11/20</a:t>
             </a:fld>
             <a:endParaRPr lang="el-GR"/>
           </a:p>
@@ -3504,7 +3719,7 @@
           <a:p>
             <a:fld id="{2B838E59-5521-45EE-AE25-18921D428312}" type="datetime1">
               <a:rPr lang="en-IN" smtClean="0"/>
-              <a:t>26/11/20</a:t>
+              <a:t>28/11/20</a:t>
             </a:fld>
             <a:endParaRPr lang="el-GR"/>
           </a:p>
@@ -3715,7 +3930,7 @@
           <a:p>
             <a:fld id="{0DA45269-6E55-40C3-AC0C-FE17DC5C079A}" type="datetime1">
               <a:rPr lang="en-IN" smtClean="0"/>
-              <a:t>26/11/20</a:t>
+              <a:t>28/11/20</a:t>
             </a:fld>
             <a:endParaRPr lang="el-GR"/>
           </a:p>
@@ -12252,7 +12467,7 @@
                   </a:schemeClr>
                 </a:solidFill>
               </a:rPr>
-              <a:t>The algorithm: </a:t>
+              <a:t>The method: </a:t>
             </a:r>
             <a:r>
               <a:rPr lang="en-US" dirty="0" err="1">
@@ -12351,592 +12566,6 @@
 </file>
 
 <file path=ppt/slides/slide18.xml><?xml version="1.0" encoding="utf-8"?>
-<p:sld xmlns:a="http://schemas.openxmlformats.org/drawingml/2006/main" xmlns:r="http://schemas.openxmlformats.org/officeDocument/2006/relationships" xmlns:p="http://schemas.openxmlformats.org/presentationml/2006/main">
-  <p:cSld>
-    <p:spTree>
-      <p:nvGrpSpPr>
-        <p:cNvPr id="1" name=""/>
-        <p:cNvGrpSpPr/>
-        <p:nvPr/>
-      </p:nvGrpSpPr>
-      <p:grpSpPr>
-        <a:xfrm>
-          <a:off x="0" y="0"/>
-          <a:ext cx="0" cy="0"/>
-          <a:chOff x="0" y="0"/>
-          <a:chExt cx="0" cy="0"/>
-        </a:xfrm>
-      </p:grpSpPr>
-      <p:pic>
-        <p:nvPicPr>
-          <p:cNvPr id="5" name="Content Placeholder 4" descr="Map&#10;&#10;Description automatically generated">
-            <a:extLst>
-              <a:ext uri="{FF2B5EF4-FFF2-40B4-BE49-F238E27FC236}">
-                <a16:creationId xmlns:a16="http://schemas.microsoft.com/office/drawing/2014/main" id="{ECF06A25-3BC3-4FD8-A16E-2DB351BFC1C7}"/>
-              </a:ext>
-            </a:extLst>
-          </p:cNvPr>
-          <p:cNvPicPr>
-            <a:picLocks noGrp="1" noChangeAspect="1"/>
-          </p:cNvPicPr>
-          <p:nvPr>
-            <p:ph idx="1"/>
-          </p:nvPr>
-        </p:nvPicPr>
-        <p:blipFill rotWithShape="1">
-          <a:blip r:embed="rId2">
-            <a:extLst>
-              <a:ext uri="{28A0092B-C50C-407E-A947-70E740481C1C}">
-                <a14:useLocalDpi xmlns:a14="http://schemas.microsoft.com/office/drawing/2010/main" val="0"/>
-              </a:ext>
-            </a:extLst>
-          </a:blip>
-          <a:srcRect l="52225" t="6183"/>
-          <a:stretch/>
-        </p:blipFill>
-        <p:spPr>
-          <a:xfrm>
-            <a:off x="6091003" y="2374083"/>
-            <a:ext cx="4164942" cy="4082305"/>
-          </a:xfrm>
-        </p:spPr>
-      </p:pic>
-      <p:pic>
-        <p:nvPicPr>
-          <p:cNvPr id="6" name="Content Placeholder 4" descr="Map&#10;&#10;Description automatically generated">
-            <a:extLst>
-              <a:ext uri="{FF2B5EF4-FFF2-40B4-BE49-F238E27FC236}">
-                <a16:creationId xmlns:a16="http://schemas.microsoft.com/office/drawing/2014/main" id="{C179D979-CC7C-4EC3-9615-D0E2DFCE4A62}"/>
-              </a:ext>
-            </a:extLst>
-          </p:cNvPr>
-          <p:cNvPicPr>
-            <a:picLocks noChangeAspect="1"/>
-          </p:cNvPicPr>
-          <p:nvPr/>
-        </p:nvPicPr>
-        <p:blipFill rotWithShape="1">
-          <a:blip r:embed="rId2">
-            <a:extLst>
-              <a:ext uri="{28A0092B-C50C-407E-A947-70E740481C1C}">
-                <a14:useLocalDpi xmlns:a14="http://schemas.microsoft.com/office/drawing/2010/main" val="0"/>
-              </a:ext>
-            </a:extLst>
-          </a:blip>
-          <a:srcRect t="6183" r="49523"/>
-          <a:stretch/>
-        </p:blipFill>
-        <p:spPr>
-          <a:xfrm>
-            <a:off x="541113" y="2374084"/>
-            <a:ext cx="4400470" cy="4082304"/>
-          </a:xfrm>
-          <a:prstGeom prst="rect">
-            <a:avLst/>
-          </a:prstGeom>
-        </p:spPr>
-      </p:pic>
-      <p:sp>
-        <p:nvSpPr>
-          <p:cNvPr id="8" name="Τίτλος 1">
-            <a:extLst>
-              <a:ext uri="{FF2B5EF4-FFF2-40B4-BE49-F238E27FC236}">
-                <a16:creationId xmlns:a16="http://schemas.microsoft.com/office/drawing/2014/main" id="{7AE3A0AC-021D-4010-93DC-CBE2BAE45DD0}"/>
-              </a:ext>
-            </a:extLst>
-          </p:cNvPr>
-          <p:cNvSpPr txBox="1">
-            <a:spLocks/>
-          </p:cNvSpPr>
-          <p:nvPr/>
-        </p:nvSpPr>
-        <p:spPr>
-          <a:xfrm>
-            <a:off x="326067" y="215006"/>
-            <a:ext cx="11567160" cy="914459"/>
-          </a:xfrm>
-          <a:prstGeom prst="rect">
-            <a:avLst/>
-          </a:prstGeom>
-        </p:spPr>
-        <p:txBody>
-          <a:bodyPr vert="horz" lIns="91440" tIns="45720" rIns="91440" bIns="45720" rtlCol="0" anchor="b">
-            <a:normAutofit/>
-          </a:bodyPr>
-          <a:lstStyle>
-            <a:lvl1pPr algn="ctr" defTabSz="914400" rtl="0" eaLnBrk="1" latinLnBrk="0" hangingPunct="1">
-              <a:lnSpc>
-                <a:spcPct val="90000"/>
-              </a:lnSpc>
-              <a:spcBef>
-                <a:spcPct val="0"/>
-              </a:spcBef>
-              <a:buNone/>
-              <a:defRPr sz="6000" kern="1200">
-                <a:solidFill>
-                  <a:schemeClr val="tx1"/>
-                </a:solidFill>
-                <a:latin typeface="+mj-lt"/>
-                <a:ea typeface="+mj-ea"/>
-                <a:cs typeface="+mj-cs"/>
-              </a:defRPr>
-            </a:lvl1pPr>
-          </a:lstStyle>
-          <a:p>
-            <a:pPr algn="l"/>
-            <a:r>
-              <a:rPr lang="en-US" sz="4400" dirty="0"/>
-              <a:t>Results: Unique Reads vs Weighted Allocation</a:t>
-            </a:r>
-            <a:endParaRPr lang="el-GR" sz="4400" dirty="0"/>
-          </a:p>
-        </p:txBody>
-      </p:sp>
-      <p:grpSp>
-        <p:nvGrpSpPr>
-          <p:cNvPr id="18" name="Group 17">
-            <a:extLst>
-              <a:ext uri="{FF2B5EF4-FFF2-40B4-BE49-F238E27FC236}">
-                <a16:creationId xmlns:a16="http://schemas.microsoft.com/office/drawing/2014/main" id="{58F0D8FB-9C3B-458A-A9E6-FD3F4F16875A}"/>
-              </a:ext>
-            </a:extLst>
-          </p:cNvPr>
-          <p:cNvGrpSpPr/>
-          <p:nvPr/>
-        </p:nvGrpSpPr>
-        <p:grpSpPr>
-          <a:xfrm>
-            <a:off x="3593712" y="2396431"/>
-            <a:ext cx="1283642" cy="473307"/>
-            <a:chOff x="3922033" y="1287732"/>
-            <a:chExt cx="1283642" cy="473307"/>
-          </a:xfrm>
-        </p:grpSpPr>
-        <p:pic>
-          <p:nvPicPr>
-            <p:cNvPr id="9" name="Content Placeholder 4" descr="Map&#10;&#10;Description automatically generated">
-              <a:extLst>
-                <a:ext uri="{FF2B5EF4-FFF2-40B4-BE49-F238E27FC236}">
-                  <a16:creationId xmlns:a16="http://schemas.microsoft.com/office/drawing/2014/main" id="{6F11F95E-FA7C-4935-95A0-D0C8E8590986}"/>
-                </a:ext>
-              </a:extLst>
-            </p:cNvPr>
-            <p:cNvPicPr>
-              <a:picLocks noChangeAspect="1"/>
-            </p:cNvPicPr>
-            <p:nvPr/>
-          </p:nvPicPr>
-          <p:blipFill rotWithShape="1">
-            <a:blip r:embed="rId2">
-              <a:extLst>
-                <a:ext uri="{28A0092B-C50C-407E-A947-70E740481C1C}">
-                  <a14:useLocalDpi xmlns:a14="http://schemas.microsoft.com/office/drawing/2010/main" val="0"/>
-                </a:ext>
-              </a:extLst>
-            </a:blip>
-            <a:srcRect l="59934" t="286" r="27927" b="94891"/>
-            <a:stretch/>
-          </p:blipFill>
-          <p:spPr>
-            <a:xfrm>
-              <a:off x="3922033" y="1307498"/>
-              <a:ext cx="909431" cy="209851"/>
-            </a:xfrm>
-            <a:prstGeom prst="rect">
-              <a:avLst/>
-            </a:prstGeom>
-          </p:spPr>
-        </p:pic>
-        <p:pic>
-          <p:nvPicPr>
-            <p:cNvPr id="11" name="Content Placeholder 4" descr="Map&#10;&#10;Description automatically generated">
-              <a:extLst>
-                <a:ext uri="{FF2B5EF4-FFF2-40B4-BE49-F238E27FC236}">
-                  <a16:creationId xmlns:a16="http://schemas.microsoft.com/office/drawing/2014/main" id="{0AF6184C-DAE8-4786-84BA-B8E100CC76D3}"/>
-                </a:ext>
-              </a:extLst>
-            </p:cNvPr>
-            <p:cNvPicPr>
-              <a:picLocks noChangeAspect="1"/>
-            </p:cNvPicPr>
-            <p:nvPr/>
-          </p:nvPicPr>
-          <p:blipFill rotWithShape="1">
-            <a:blip r:embed="rId2">
-              <a:extLst>
-                <a:ext uri="{28A0092B-C50C-407E-A947-70E740481C1C}">
-                  <a14:useLocalDpi xmlns:a14="http://schemas.microsoft.com/office/drawing/2010/main" val="0"/>
-                </a:ext>
-              </a:extLst>
-            </a:blip>
-            <a:srcRect l="78421" t="741" r="4996" b="93983"/>
-            <a:stretch/>
-          </p:blipFill>
-          <p:spPr>
-            <a:xfrm>
-              <a:off x="3922033" y="1531423"/>
-              <a:ext cx="1242292" cy="229616"/>
-            </a:xfrm>
-            <a:prstGeom prst="rect">
-              <a:avLst/>
-            </a:prstGeom>
-          </p:spPr>
-        </p:pic>
-        <p:sp>
-          <p:nvSpPr>
-            <p:cNvPr id="12" name="Rectangle 11">
-              <a:extLst>
-                <a:ext uri="{FF2B5EF4-FFF2-40B4-BE49-F238E27FC236}">
-                  <a16:creationId xmlns:a16="http://schemas.microsoft.com/office/drawing/2014/main" id="{D7972B17-AF96-44DF-AC50-04BD7CFCD6B0}"/>
-                </a:ext>
-              </a:extLst>
-            </p:cNvPr>
-            <p:cNvSpPr/>
-            <p:nvPr/>
-          </p:nvSpPr>
-          <p:spPr>
-            <a:xfrm>
-              <a:off x="3926439" y="1287732"/>
-              <a:ext cx="1279236" cy="459233"/>
-            </a:xfrm>
-            <a:prstGeom prst="rect">
-              <a:avLst/>
-            </a:prstGeom>
-            <a:noFill/>
-            <a:ln w="3175">
-              <a:solidFill>
-                <a:schemeClr val="tx1"/>
-              </a:solidFill>
-            </a:ln>
-          </p:spPr>
-          <p:style>
-            <a:lnRef idx="2">
-              <a:schemeClr val="accent1">
-                <a:shade val="50000"/>
-              </a:schemeClr>
-            </a:lnRef>
-            <a:fillRef idx="1">
-              <a:schemeClr val="accent1"/>
-            </a:fillRef>
-            <a:effectRef idx="0">
-              <a:schemeClr val="accent1"/>
-            </a:effectRef>
-            <a:fontRef idx="minor">
-              <a:schemeClr val="lt1"/>
-            </a:fontRef>
-          </p:style>
-          <p:txBody>
-            <a:bodyPr rtlCol="0" anchor="ctr"/>
-            <a:lstStyle/>
-            <a:p>
-              <a:pPr algn="ctr"/>
-              <a:endParaRPr lang="en-GB"/>
-            </a:p>
-          </p:txBody>
-        </p:sp>
-      </p:grpSp>
-      <p:grpSp>
-        <p:nvGrpSpPr>
-          <p:cNvPr id="19" name="Group 18">
-            <a:extLst>
-              <a:ext uri="{FF2B5EF4-FFF2-40B4-BE49-F238E27FC236}">
-                <a16:creationId xmlns:a16="http://schemas.microsoft.com/office/drawing/2014/main" id="{B945D682-7862-49F1-AD63-69723BD44B95}"/>
-              </a:ext>
-            </a:extLst>
-          </p:cNvPr>
-          <p:cNvGrpSpPr/>
-          <p:nvPr/>
-        </p:nvGrpSpPr>
-        <p:grpSpPr>
-          <a:xfrm>
-            <a:off x="6724336" y="2399420"/>
-            <a:ext cx="926424" cy="335392"/>
-            <a:chOff x="3922033" y="1287732"/>
-            <a:chExt cx="1283642" cy="473307"/>
-          </a:xfrm>
-        </p:grpSpPr>
-        <p:pic>
-          <p:nvPicPr>
-            <p:cNvPr id="20" name="Content Placeholder 4" descr="Map&#10;&#10;Description automatically generated">
-              <a:extLst>
-                <a:ext uri="{FF2B5EF4-FFF2-40B4-BE49-F238E27FC236}">
-                  <a16:creationId xmlns:a16="http://schemas.microsoft.com/office/drawing/2014/main" id="{7E1D692E-AFA2-4605-86E5-9C6D84705E29}"/>
-                </a:ext>
-              </a:extLst>
-            </p:cNvPr>
-            <p:cNvPicPr>
-              <a:picLocks noChangeAspect="1"/>
-            </p:cNvPicPr>
-            <p:nvPr/>
-          </p:nvPicPr>
-          <p:blipFill rotWithShape="1">
-            <a:blip r:embed="rId2">
-              <a:extLst>
-                <a:ext uri="{28A0092B-C50C-407E-A947-70E740481C1C}">
-                  <a14:useLocalDpi xmlns:a14="http://schemas.microsoft.com/office/drawing/2010/main" val="0"/>
-                </a:ext>
-              </a:extLst>
-            </a:blip>
-            <a:srcRect l="59934" t="286" r="27927" b="94891"/>
-            <a:stretch/>
-          </p:blipFill>
-          <p:spPr>
-            <a:xfrm>
-              <a:off x="3922033" y="1307498"/>
-              <a:ext cx="909431" cy="209851"/>
-            </a:xfrm>
-            <a:prstGeom prst="rect">
-              <a:avLst/>
-            </a:prstGeom>
-          </p:spPr>
-        </p:pic>
-        <p:pic>
-          <p:nvPicPr>
-            <p:cNvPr id="21" name="Content Placeholder 4" descr="Map&#10;&#10;Description automatically generated">
-              <a:extLst>
-                <a:ext uri="{FF2B5EF4-FFF2-40B4-BE49-F238E27FC236}">
-                  <a16:creationId xmlns:a16="http://schemas.microsoft.com/office/drawing/2014/main" id="{B80ED903-16F2-4CE2-9EDC-F0559AA2B64C}"/>
-                </a:ext>
-              </a:extLst>
-            </p:cNvPr>
-            <p:cNvPicPr>
-              <a:picLocks noChangeAspect="1"/>
-            </p:cNvPicPr>
-            <p:nvPr/>
-          </p:nvPicPr>
-          <p:blipFill rotWithShape="1">
-            <a:blip r:embed="rId2">
-              <a:extLst>
-                <a:ext uri="{28A0092B-C50C-407E-A947-70E740481C1C}">
-                  <a14:useLocalDpi xmlns:a14="http://schemas.microsoft.com/office/drawing/2010/main" val="0"/>
-                </a:ext>
-              </a:extLst>
-            </a:blip>
-            <a:srcRect l="78421" t="741" r="4996" b="93983"/>
-            <a:stretch/>
-          </p:blipFill>
-          <p:spPr>
-            <a:xfrm>
-              <a:off x="3922033" y="1531423"/>
-              <a:ext cx="1242292" cy="229616"/>
-            </a:xfrm>
-            <a:prstGeom prst="rect">
-              <a:avLst/>
-            </a:prstGeom>
-          </p:spPr>
-        </p:pic>
-        <p:sp>
-          <p:nvSpPr>
-            <p:cNvPr id="22" name="Rectangle 21">
-              <a:extLst>
-                <a:ext uri="{FF2B5EF4-FFF2-40B4-BE49-F238E27FC236}">
-                  <a16:creationId xmlns:a16="http://schemas.microsoft.com/office/drawing/2014/main" id="{73CEBC54-8D59-4E99-BDFA-2A2C84C56A95}"/>
-                </a:ext>
-              </a:extLst>
-            </p:cNvPr>
-            <p:cNvSpPr/>
-            <p:nvPr/>
-          </p:nvSpPr>
-          <p:spPr>
-            <a:xfrm>
-              <a:off x="3926439" y="1287732"/>
-              <a:ext cx="1279236" cy="459233"/>
-            </a:xfrm>
-            <a:prstGeom prst="rect">
-              <a:avLst/>
-            </a:prstGeom>
-            <a:noFill/>
-            <a:ln w="3175">
-              <a:solidFill>
-                <a:schemeClr val="tx1"/>
-              </a:solidFill>
-            </a:ln>
-          </p:spPr>
-          <p:style>
-            <a:lnRef idx="2">
-              <a:schemeClr val="accent1">
-                <a:shade val="50000"/>
-              </a:schemeClr>
-            </a:lnRef>
-            <a:fillRef idx="1">
-              <a:schemeClr val="accent1"/>
-            </a:fillRef>
-            <a:effectRef idx="0">
-              <a:schemeClr val="accent1"/>
-            </a:effectRef>
-            <a:fontRef idx="minor">
-              <a:schemeClr val="lt1"/>
-            </a:fontRef>
-          </p:style>
-          <p:txBody>
-            <a:bodyPr rtlCol="0" anchor="ctr"/>
-            <a:lstStyle/>
-            <a:p>
-              <a:pPr algn="ctr"/>
-              <a:endParaRPr lang="en-GB"/>
-            </a:p>
-          </p:txBody>
-        </p:sp>
-      </p:grpSp>
-      <p:sp>
-        <p:nvSpPr>
-          <p:cNvPr id="26" name="TextBox 25">
-            <a:extLst>
-              <a:ext uri="{FF2B5EF4-FFF2-40B4-BE49-F238E27FC236}">
-                <a16:creationId xmlns:a16="http://schemas.microsoft.com/office/drawing/2014/main" id="{5E56E3A0-317B-4A60-8377-FA71B3D2733C}"/>
-              </a:ext>
-            </a:extLst>
-          </p:cNvPr>
-          <p:cNvSpPr txBox="1"/>
-          <p:nvPr/>
-        </p:nvSpPr>
-        <p:spPr>
-          <a:xfrm>
-            <a:off x="1040235" y="1191237"/>
-            <a:ext cx="9328558" cy="880369"/>
-          </a:xfrm>
-          <a:prstGeom prst="rect">
-            <a:avLst/>
-          </a:prstGeom>
-          <a:noFill/>
-        </p:spPr>
-        <p:txBody>
-          <a:bodyPr wrap="square" rtlCol="0">
-            <a:spAutoFit/>
-          </a:bodyPr>
-          <a:lstStyle/>
-          <a:p>
-            <a:pPr marL="285750" indent="-285750" algn="just">
-              <a:lnSpc>
-                <a:spcPct val="150000"/>
-              </a:lnSpc>
-              <a:buFont typeface="Arial" panose="020B0604020202020204" pitchFamily="34" charset="0"/>
-              <a:buChar char="•"/>
-            </a:pPr>
-            <a:r>
-              <a:rPr lang="en-GB" sz="1800" b="1" i="0" u="none" strike="noStrike" baseline="0" dirty="0">
-                <a:latin typeface="AdvOTea1a7398"/>
-              </a:rPr>
-              <a:t>Unique reads</a:t>
-            </a:r>
-            <a:r>
-              <a:rPr lang="en-GB" sz="1800" b="0" i="0" u="none" strike="noStrike" baseline="0" dirty="0">
-                <a:latin typeface="AdvOTea1a7398"/>
-              </a:rPr>
-              <a:t> </a:t>
-            </a:r>
-            <a:r>
-              <a:rPr lang="en-GB" dirty="0">
-                <a:latin typeface="AdvOTea1a7398"/>
-                <a:sym typeface="Wingdings" panose="05000000000000000000" pitchFamily="2" charset="2"/>
-              </a:rPr>
-              <a:t>finds more </a:t>
-            </a:r>
-            <a:r>
-              <a:rPr lang="en-GB" u="sng" dirty="0">
-                <a:latin typeface="AdvOTea1a7398"/>
-                <a:sym typeface="Wingdings" panose="05000000000000000000" pitchFamily="2" charset="2"/>
-              </a:rPr>
-              <a:t>monoallelic</a:t>
-            </a:r>
-            <a:r>
-              <a:rPr lang="en-GB" dirty="0">
-                <a:latin typeface="AdvOTea1a7398"/>
-                <a:sym typeface="Wingdings" panose="05000000000000000000" pitchFamily="2" charset="2"/>
-              </a:rPr>
-              <a:t> expression than Weighted allocation.</a:t>
-            </a:r>
-          </a:p>
-          <a:p>
-            <a:pPr marL="285750" indent="-285750" algn="just">
-              <a:lnSpc>
-                <a:spcPct val="150000"/>
-              </a:lnSpc>
-              <a:buFont typeface="Arial" panose="020B0604020202020204" pitchFamily="34" charset="0"/>
-              <a:buChar char="•"/>
-            </a:pPr>
-            <a:r>
-              <a:rPr lang="en-GB" b="1" dirty="0">
-                <a:latin typeface="AdvOTea1a7398"/>
-                <a:sym typeface="Wingdings" panose="05000000000000000000" pitchFamily="2" charset="2"/>
-              </a:rPr>
-              <a:t>Weighted allocation</a:t>
-            </a:r>
-            <a:r>
-              <a:rPr lang="en-GB" dirty="0">
-                <a:latin typeface="AdvOTea1a7398"/>
-                <a:sym typeface="Wingdings" panose="05000000000000000000" pitchFamily="2" charset="2"/>
-              </a:rPr>
-              <a:t> detects </a:t>
-            </a:r>
-            <a:r>
-              <a:rPr lang="en-GB" u="sng" dirty="0">
-                <a:latin typeface="AdvOTea1a7398"/>
-                <a:sym typeface="Wingdings" panose="05000000000000000000" pitchFamily="2" charset="2"/>
-              </a:rPr>
-              <a:t>bi-allelic</a:t>
-            </a:r>
-            <a:r>
-              <a:rPr lang="en-GB" dirty="0">
-                <a:latin typeface="AdvOTea1a7398"/>
-                <a:sym typeface="Wingdings" panose="05000000000000000000" pitchFamily="2" charset="2"/>
-              </a:rPr>
-              <a:t> expression in more cells than Unique reads</a:t>
-            </a:r>
-            <a:r>
-              <a:rPr lang="en-GB" sz="1800" b="0" i="0" u="none" strike="noStrike" baseline="0" dirty="0">
-                <a:latin typeface="AdvOTea1a7398"/>
-                <a:sym typeface="Wingdings" panose="05000000000000000000" pitchFamily="2" charset="2"/>
-              </a:rPr>
-              <a:t>.</a:t>
-            </a:r>
-            <a:endParaRPr lang="en-GB" dirty="0"/>
-          </a:p>
-        </p:txBody>
-      </p:sp>
-      <p:sp>
-        <p:nvSpPr>
-          <p:cNvPr id="3" name="Slide Number Placeholder 2">
-            <a:extLst>
-              <a:ext uri="{FF2B5EF4-FFF2-40B4-BE49-F238E27FC236}">
-                <a16:creationId xmlns:a16="http://schemas.microsoft.com/office/drawing/2014/main" id="{CBB653B2-42A8-4F6C-B0F4-F7D79EF3996B}"/>
-              </a:ext>
-            </a:extLst>
-          </p:cNvPr>
-          <p:cNvSpPr>
-            <a:spLocks noGrp="1"/>
-          </p:cNvSpPr>
-          <p:nvPr>
-            <p:ph type="sldNum" sz="quarter" idx="12"/>
-          </p:nvPr>
-        </p:nvSpPr>
-        <p:spPr/>
-        <p:txBody>
-          <a:bodyPr/>
-          <a:lstStyle/>
-          <a:p>
-            <a:fld id="{7DC737F5-9EFA-41E0-A069-A1C0F1745FFE}" type="slidenum">
-              <a:rPr lang="el-GR" smtClean="0"/>
-              <a:t>18</a:t>
-            </a:fld>
-            <a:endParaRPr lang="el-GR"/>
-          </a:p>
-        </p:txBody>
-      </p:sp>
-    </p:spTree>
-    <p:extLst>
-      <p:ext uri="{BB962C8B-B14F-4D97-AF65-F5344CB8AC3E}">
-        <p14:creationId xmlns:p14="http://schemas.microsoft.com/office/powerpoint/2010/main" val="3927885287"/>
-      </p:ext>
-    </p:extLst>
-  </p:cSld>
-  <p:clrMapOvr>
-    <a:masterClrMapping/>
-  </p:clrMapOvr>
-</p:sld>
-</file>
-
-<file path=ppt/slides/slide19.xml><?xml version="1.0" encoding="utf-8"?>
 <p:sld xmlns:a="http://schemas.openxmlformats.org/drawingml/2006/main" xmlns:r="http://schemas.openxmlformats.org/officeDocument/2006/relationships" xmlns:p="http://schemas.openxmlformats.org/presentationml/2006/main">
   <p:cSld>
     <p:spTree>
@@ -13879,7 +13508,7 @@
           <a:p>
             <a:fld id="{7DC737F5-9EFA-41E0-A069-A1C0F1745FFE}" type="slidenum">
               <a:rPr lang="el-GR" smtClean="0"/>
-              <a:t>19</a:t>
+              <a:t>18</a:t>
             </a:fld>
             <a:endParaRPr lang="el-GR"/>
           </a:p>
@@ -13889,6 +13518,592 @@
     <p:extLst>
       <p:ext uri="{BB962C8B-B14F-4D97-AF65-F5344CB8AC3E}">
         <p14:creationId xmlns:p14="http://schemas.microsoft.com/office/powerpoint/2010/main" val="2638422757"/>
+      </p:ext>
+    </p:extLst>
+  </p:cSld>
+  <p:clrMapOvr>
+    <a:masterClrMapping/>
+  </p:clrMapOvr>
+</p:sld>
+</file>
+
+<file path=ppt/slides/slide19.xml><?xml version="1.0" encoding="utf-8"?>
+<p:sld xmlns:a="http://schemas.openxmlformats.org/drawingml/2006/main" xmlns:r="http://schemas.openxmlformats.org/officeDocument/2006/relationships" xmlns:p="http://schemas.openxmlformats.org/presentationml/2006/main">
+  <p:cSld>
+    <p:spTree>
+      <p:nvGrpSpPr>
+        <p:cNvPr id="1" name=""/>
+        <p:cNvGrpSpPr/>
+        <p:nvPr/>
+      </p:nvGrpSpPr>
+      <p:grpSpPr>
+        <a:xfrm>
+          <a:off x="0" y="0"/>
+          <a:ext cx="0" cy="0"/>
+          <a:chOff x="0" y="0"/>
+          <a:chExt cx="0" cy="0"/>
+        </a:xfrm>
+      </p:grpSpPr>
+      <p:pic>
+        <p:nvPicPr>
+          <p:cNvPr id="5" name="Content Placeholder 4" descr="Map&#10;&#10;Description automatically generated">
+            <a:extLst>
+              <a:ext uri="{FF2B5EF4-FFF2-40B4-BE49-F238E27FC236}">
+                <a16:creationId xmlns:a16="http://schemas.microsoft.com/office/drawing/2014/main" id="{ECF06A25-3BC3-4FD8-A16E-2DB351BFC1C7}"/>
+              </a:ext>
+            </a:extLst>
+          </p:cNvPr>
+          <p:cNvPicPr>
+            <a:picLocks noGrp="1" noChangeAspect="1"/>
+          </p:cNvPicPr>
+          <p:nvPr>
+            <p:ph idx="1"/>
+          </p:nvPr>
+        </p:nvPicPr>
+        <p:blipFill rotWithShape="1">
+          <a:blip r:embed="rId2">
+            <a:extLst>
+              <a:ext uri="{28A0092B-C50C-407E-A947-70E740481C1C}">
+                <a14:useLocalDpi xmlns:a14="http://schemas.microsoft.com/office/drawing/2010/main" val="0"/>
+              </a:ext>
+            </a:extLst>
+          </a:blip>
+          <a:srcRect l="52225" t="6183"/>
+          <a:stretch/>
+        </p:blipFill>
+        <p:spPr>
+          <a:xfrm>
+            <a:off x="6091003" y="2374083"/>
+            <a:ext cx="4164942" cy="4082305"/>
+          </a:xfrm>
+        </p:spPr>
+      </p:pic>
+      <p:pic>
+        <p:nvPicPr>
+          <p:cNvPr id="6" name="Content Placeholder 4" descr="Map&#10;&#10;Description automatically generated">
+            <a:extLst>
+              <a:ext uri="{FF2B5EF4-FFF2-40B4-BE49-F238E27FC236}">
+                <a16:creationId xmlns:a16="http://schemas.microsoft.com/office/drawing/2014/main" id="{C179D979-CC7C-4EC3-9615-D0E2DFCE4A62}"/>
+              </a:ext>
+            </a:extLst>
+          </p:cNvPr>
+          <p:cNvPicPr>
+            <a:picLocks noChangeAspect="1"/>
+          </p:cNvPicPr>
+          <p:nvPr/>
+        </p:nvPicPr>
+        <p:blipFill rotWithShape="1">
+          <a:blip r:embed="rId2">
+            <a:extLst>
+              <a:ext uri="{28A0092B-C50C-407E-A947-70E740481C1C}">
+                <a14:useLocalDpi xmlns:a14="http://schemas.microsoft.com/office/drawing/2010/main" val="0"/>
+              </a:ext>
+            </a:extLst>
+          </a:blip>
+          <a:srcRect t="6183" r="49523"/>
+          <a:stretch/>
+        </p:blipFill>
+        <p:spPr>
+          <a:xfrm>
+            <a:off x="541113" y="2374084"/>
+            <a:ext cx="4400470" cy="4082304"/>
+          </a:xfrm>
+          <a:prstGeom prst="rect">
+            <a:avLst/>
+          </a:prstGeom>
+        </p:spPr>
+      </p:pic>
+      <p:sp>
+        <p:nvSpPr>
+          <p:cNvPr id="8" name="Τίτλος 1">
+            <a:extLst>
+              <a:ext uri="{FF2B5EF4-FFF2-40B4-BE49-F238E27FC236}">
+                <a16:creationId xmlns:a16="http://schemas.microsoft.com/office/drawing/2014/main" id="{7AE3A0AC-021D-4010-93DC-CBE2BAE45DD0}"/>
+              </a:ext>
+            </a:extLst>
+          </p:cNvPr>
+          <p:cNvSpPr txBox="1">
+            <a:spLocks/>
+          </p:cNvSpPr>
+          <p:nvPr/>
+        </p:nvSpPr>
+        <p:spPr>
+          <a:xfrm>
+            <a:off x="326067" y="215006"/>
+            <a:ext cx="11567160" cy="914459"/>
+          </a:xfrm>
+          <a:prstGeom prst="rect">
+            <a:avLst/>
+          </a:prstGeom>
+        </p:spPr>
+        <p:txBody>
+          <a:bodyPr vert="horz" lIns="91440" tIns="45720" rIns="91440" bIns="45720" rtlCol="0" anchor="b">
+            <a:normAutofit/>
+          </a:bodyPr>
+          <a:lstStyle>
+            <a:lvl1pPr algn="ctr" defTabSz="914400" rtl="0" eaLnBrk="1" latinLnBrk="0" hangingPunct="1">
+              <a:lnSpc>
+                <a:spcPct val="90000"/>
+              </a:lnSpc>
+              <a:spcBef>
+                <a:spcPct val="0"/>
+              </a:spcBef>
+              <a:buNone/>
+              <a:defRPr sz="6000" kern="1200">
+                <a:solidFill>
+                  <a:schemeClr val="tx1"/>
+                </a:solidFill>
+                <a:latin typeface="+mj-lt"/>
+                <a:ea typeface="+mj-ea"/>
+                <a:cs typeface="+mj-cs"/>
+              </a:defRPr>
+            </a:lvl1pPr>
+          </a:lstStyle>
+          <a:p>
+            <a:pPr algn="l"/>
+            <a:r>
+              <a:rPr lang="en-US" sz="4400" dirty="0"/>
+              <a:t>Results: Unique Reads vs Weighted Allocation</a:t>
+            </a:r>
+            <a:endParaRPr lang="el-GR" sz="4400" dirty="0"/>
+          </a:p>
+        </p:txBody>
+      </p:sp>
+      <p:grpSp>
+        <p:nvGrpSpPr>
+          <p:cNvPr id="18" name="Group 17">
+            <a:extLst>
+              <a:ext uri="{FF2B5EF4-FFF2-40B4-BE49-F238E27FC236}">
+                <a16:creationId xmlns:a16="http://schemas.microsoft.com/office/drawing/2014/main" id="{58F0D8FB-9C3B-458A-A9E6-FD3F4F16875A}"/>
+              </a:ext>
+            </a:extLst>
+          </p:cNvPr>
+          <p:cNvGrpSpPr/>
+          <p:nvPr/>
+        </p:nvGrpSpPr>
+        <p:grpSpPr>
+          <a:xfrm>
+            <a:off x="3593712" y="2396431"/>
+            <a:ext cx="1283642" cy="473307"/>
+            <a:chOff x="3922033" y="1287732"/>
+            <a:chExt cx="1283642" cy="473307"/>
+          </a:xfrm>
+        </p:grpSpPr>
+        <p:pic>
+          <p:nvPicPr>
+            <p:cNvPr id="9" name="Content Placeholder 4" descr="Map&#10;&#10;Description automatically generated">
+              <a:extLst>
+                <a:ext uri="{FF2B5EF4-FFF2-40B4-BE49-F238E27FC236}">
+                  <a16:creationId xmlns:a16="http://schemas.microsoft.com/office/drawing/2014/main" id="{6F11F95E-FA7C-4935-95A0-D0C8E8590986}"/>
+                </a:ext>
+              </a:extLst>
+            </p:cNvPr>
+            <p:cNvPicPr>
+              <a:picLocks noChangeAspect="1"/>
+            </p:cNvPicPr>
+            <p:nvPr/>
+          </p:nvPicPr>
+          <p:blipFill rotWithShape="1">
+            <a:blip r:embed="rId2">
+              <a:extLst>
+                <a:ext uri="{28A0092B-C50C-407E-A947-70E740481C1C}">
+                  <a14:useLocalDpi xmlns:a14="http://schemas.microsoft.com/office/drawing/2010/main" val="0"/>
+                </a:ext>
+              </a:extLst>
+            </a:blip>
+            <a:srcRect l="59934" t="286" r="27927" b="94891"/>
+            <a:stretch/>
+          </p:blipFill>
+          <p:spPr>
+            <a:xfrm>
+              <a:off x="3922033" y="1307498"/>
+              <a:ext cx="909431" cy="209851"/>
+            </a:xfrm>
+            <a:prstGeom prst="rect">
+              <a:avLst/>
+            </a:prstGeom>
+          </p:spPr>
+        </p:pic>
+        <p:pic>
+          <p:nvPicPr>
+            <p:cNvPr id="11" name="Content Placeholder 4" descr="Map&#10;&#10;Description automatically generated">
+              <a:extLst>
+                <a:ext uri="{FF2B5EF4-FFF2-40B4-BE49-F238E27FC236}">
+                  <a16:creationId xmlns:a16="http://schemas.microsoft.com/office/drawing/2014/main" id="{0AF6184C-DAE8-4786-84BA-B8E100CC76D3}"/>
+                </a:ext>
+              </a:extLst>
+            </p:cNvPr>
+            <p:cNvPicPr>
+              <a:picLocks noChangeAspect="1"/>
+            </p:cNvPicPr>
+            <p:nvPr/>
+          </p:nvPicPr>
+          <p:blipFill rotWithShape="1">
+            <a:blip r:embed="rId2">
+              <a:extLst>
+                <a:ext uri="{28A0092B-C50C-407E-A947-70E740481C1C}">
+                  <a14:useLocalDpi xmlns:a14="http://schemas.microsoft.com/office/drawing/2010/main" val="0"/>
+                </a:ext>
+              </a:extLst>
+            </a:blip>
+            <a:srcRect l="78421" t="741" r="4996" b="93983"/>
+            <a:stretch/>
+          </p:blipFill>
+          <p:spPr>
+            <a:xfrm>
+              <a:off x="3922033" y="1531423"/>
+              <a:ext cx="1242292" cy="229616"/>
+            </a:xfrm>
+            <a:prstGeom prst="rect">
+              <a:avLst/>
+            </a:prstGeom>
+          </p:spPr>
+        </p:pic>
+        <p:sp>
+          <p:nvSpPr>
+            <p:cNvPr id="12" name="Rectangle 11">
+              <a:extLst>
+                <a:ext uri="{FF2B5EF4-FFF2-40B4-BE49-F238E27FC236}">
+                  <a16:creationId xmlns:a16="http://schemas.microsoft.com/office/drawing/2014/main" id="{D7972B17-AF96-44DF-AC50-04BD7CFCD6B0}"/>
+                </a:ext>
+              </a:extLst>
+            </p:cNvPr>
+            <p:cNvSpPr/>
+            <p:nvPr/>
+          </p:nvSpPr>
+          <p:spPr>
+            <a:xfrm>
+              <a:off x="3926439" y="1287732"/>
+              <a:ext cx="1279236" cy="459233"/>
+            </a:xfrm>
+            <a:prstGeom prst="rect">
+              <a:avLst/>
+            </a:prstGeom>
+            <a:noFill/>
+            <a:ln w="3175">
+              <a:solidFill>
+                <a:schemeClr val="tx1"/>
+              </a:solidFill>
+            </a:ln>
+          </p:spPr>
+          <p:style>
+            <a:lnRef idx="2">
+              <a:schemeClr val="accent1">
+                <a:shade val="50000"/>
+              </a:schemeClr>
+            </a:lnRef>
+            <a:fillRef idx="1">
+              <a:schemeClr val="accent1"/>
+            </a:fillRef>
+            <a:effectRef idx="0">
+              <a:schemeClr val="accent1"/>
+            </a:effectRef>
+            <a:fontRef idx="minor">
+              <a:schemeClr val="lt1"/>
+            </a:fontRef>
+          </p:style>
+          <p:txBody>
+            <a:bodyPr rtlCol="0" anchor="ctr"/>
+            <a:lstStyle/>
+            <a:p>
+              <a:pPr algn="ctr"/>
+              <a:endParaRPr lang="en-GB"/>
+            </a:p>
+          </p:txBody>
+        </p:sp>
+      </p:grpSp>
+      <p:grpSp>
+        <p:nvGrpSpPr>
+          <p:cNvPr id="19" name="Group 18">
+            <a:extLst>
+              <a:ext uri="{FF2B5EF4-FFF2-40B4-BE49-F238E27FC236}">
+                <a16:creationId xmlns:a16="http://schemas.microsoft.com/office/drawing/2014/main" id="{B945D682-7862-49F1-AD63-69723BD44B95}"/>
+              </a:ext>
+            </a:extLst>
+          </p:cNvPr>
+          <p:cNvGrpSpPr/>
+          <p:nvPr/>
+        </p:nvGrpSpPr>
+        <p:grpSpPr>
+          <a:xfrm>
+            <a:off x="6724336" y="2399420"/>
+            <a:ext cx="926424" cy="335392"/>
+            <a:chOff x="3922033" y="1287732"/>
+            <a:chExt cx="1283642" cy="473307"/>
+          </a:xfrm>
+        </p:grpSpPr>
+        <p:pic>
+          <p:nvPicPr>
+            <p:cNvPr id="20" name="Content Placeholder 4" descr="Map&#10;&#10;Description automatically generated">
+              <a:extLst>
+                <a:ext uri="{FF2B5EF4-FFF2-40B4-BE49-F238E27FC236}">
+                  <a16:creationId xmlns:a16="http://schemas.microsoft.com/office/drawing/2014/main" id="{7E1D692E-AFA2-4605-86E5-9C6D84705E29}"/>
+                </a:ext>
+              </a:extLst>
+            </p:cNvPr>
+            <p:cNvPicPr>
+              <a:picLocks noChangeAspect="1"/>
+            </p:cNvPicPr>
+            <p:nvPr/>
+          </p:nvPicPr>
+          <p:blipFill rotWithShape="1">
+            <a:blip r:embed="rId2">
+              <a:extLst>
+                <a:ext uri="{28A0092B-C50C-407E-A947-70E740481C1C}">
+                  <a14:useLocalDpi xmlns:a14="http://schemas.microsoft.com/office/drawing/2010/main" val="0"/>
+                </a:ext>
+              </a:extLst>
+            </a:blip>
+            <a:srcRect l="59934" t="286" r="27927" b="94891"/>
+            <a:stretch/>
+          </p:blipFill>
+          <p:spPr>
+            <a:xfrm>
+              <a:off x="3922033" y="1307498"/>
+              <a:ext cx="909431" cy="209851"/>
+            </a:xfrm>
+            <a:prstGeom prst="rect">
+              <a:avLst/>
+            </a:prstGeom>
+          </p:spPr>
+        </p:pic>
+        <p:pic>
+          <p:nvPicPr>
+            <p:cNvPr id="21" name="Content Placeholder 4" descr="Map&#10;&#10;Description automatically generated">
+              <a:extLst>
+                <a:ext uri="{FF2B5EF4-FFF2-40B4-BE49-F238E27FC236}">
+                  <a16:creationId xmlns:a16="http://schemas.microsoft.com/office/drawing/2014/main" id="{B80ED903-16F2-4CE2-9EDC-F0559AA2B64C}"/>
+                </a:ext>
+              </a:extLst>
+            </p:cNvPr>
+            <p:cNvPicPr>
+              <a:picLocks noChangeAspect="1"/>
+            </p:cNvPicPr>
+            <p:nvPr/>
+          </p:nvPicPr>
+          <p:blipFill rotWithShape="1">
+            <a:blip r:embed="rId2">
+              <a:extLst>
+                <a:ext uri="{28A0092B-C50C-407E-A947-70E740481C1C}">
+                  <a14:useLocalDpi xmlns:a14="http://schemas.microsoft.com/office/drawing/2010/main" val="0"/>
+                </a:ext>
+              </a:extLst>
+            </a:blip>
+            <a:srcRect l="78421" t="741" r="4996" b="93983"/>
+            <a:stretch/>
+          </p:blipFill>
+          <p:spPr>
+            <a:xfrm>
+              <a:off x="3922033" y="1531423"/>
+              <a:ext cx="1242292" cy="229616"/>
+            </a:xfrm>
+            <a:prstGeom prst="rect">
+              <a:avLst/>
+            </a:prstGeom>
+          </p:spPr>
+        </p:pic>
+        <p:sp>
+          <p:nvSpPr>
+            <p:cNvPr id="22" name="Rectangle 21">
+              <a:extLst>
+                <a:ext uri="{FF2B5EF4-FFF2-40B4-BE49-F238E27FC236}">
+                  <a16:creationId xmlns:a16="http://schemas.microsoft.com/office/drawing/2014/main" id="{73CEBC54-8D59-4E99-BDFA-2A2C84C56A95}"/>
+                </a:ext>
+              </a:extLst>
+            </p:cNvPr>
+            <p:cNvSpPr/>
+            <p:nvPr/>
+          </p:nvSpPr>
+          <p:spPr>
+            <a:xfrm>
+              <a:off x="3926439" y="1287732"/>
+              <a:ext cx="1279236" cy="459233"/>
+            </a:xfrm>
+            <a:prstGeom prst="rect">
+              <a:avLst/>
+            </a:prstGeom>
+            <a:noFill/>
+            <a:ln w="3175">
+              <a:solidFill>
+                <a:schemeClr val="tx1"/>
+              </a:solidFill>
+            </a:ln>
+          </p:spPr>
+          <p:style>
+            <a:lnRef idx="2">
+              <a:schemeClr val="accent1">
+                <a:shade val="50000"/>
+              </a:schemeClr>
+            </a:lnRef>
+            <a:fillRef idx="1">
+              <a:schemeClr val="accent1"/>
+            </a:fillRef>
+            <a:effectRef idx="0">
+              <a:schemeClr val="accent1"/>
+            </a:effectRef>
+            <a:fontRef idx="minor">
+              <a:schemeClr val="lt1"/>
+            </a:fontRef>
+          </p:style>
+          <p:txBody>
+            <a:bodyPr rtlCol="0" anchor="ctr"/>
+            <a:lstStyle/>
+            <a:p>
+              <a:pPr algn="ctr"/>
+              <a:endParaRPr lang="en-GB"/>
+            </a:p>
+          </p:txBody>
+        </p:sp>
+      </p:grpSp>
+      <p:sp>
+        <p:nvSpPr>
+          <p:cNvPr id="26" name="TextBox 25">
+            <a:extLst>
+              <a:ext uri="{FF2B5EF4-FFF2-40B4-BE49-F238E27FC236}">
+                <a16:creationId xmlns:a16="http://schemas.microsoft.com/office/drawing/2014/main" id="{5E56E3A0-317B-4A60-8377-FA71B3D2733C}"/>
+              </a:ext>
+            </a:extLst>
+          </p:cNvPr>
+          <p:cNvSpPr txBox="1"/>
+          <p:nvPr/>
+        </p:nvSpPr>
+        <p:spPr>
+          <a:xfrm>
+            <a:off x="1040235" y="1191237"/>
+            <a:ext cx="9328558" cy="880369"/>
+          </a:xfrm>
+          <a:prstGeom prst="rect">
+            <a:avLst/>
+          </a:prstGeom>
+          <a:noFill/>
+        </p:spPr>
+        <p:txBody>
+          <a:bodyPr wrap="square" rtlCol="0">
+            <a:spAutoFit/>
+          </a:bodyPr>
+          <a:lstStyle/>
+          <a:p>
+            <a:pPr marL="285750" indent="-285750" algn="just">
+              <a:lnSpc>
+                <a:spcPct val="150000"/>
+              </a:lnSpc>
+              <a:buFont typeface="Arial" panose="020B0604020202020204" pitchFamily="34" charset="0"/>
+              <a:buChar char="•"/>
+            </a:pPr>
+            <a:r>
+              <a:rPr lang="en-GB" sz="1800" b="1" i="0" u="none" strike="noStrike" baseline="0" dirty="0">
+                <a:latin typeface="AdvOTea1a7398"/>
+              </a:rPr>
+              <a:t>Unique reads</a:t>
+            </a:r>
+            <a:r>
+              <a:rPr lang="en-GB" sz="1800" b="0" i="0" u="none" strike="noStrike" baseline="0" dirty="0">
+                <a:latin typeface="AdvOTea1a7398"/>
+              </a:rPr>
+              <a:t> </a:t>
+            </a:r>
+            <a:r>
+              <a:rPr lang="en-GB" dirty="0">
+                <a:latin typeface="AdvOTea1a7398"/>
+                <a:sym typeface="Wingdings" panose="05000000000000000000" pitchFamily="2" charset="2"/>
+              </a:rPr>
+              <a:t>finds more </a:t>
+            </a:r>
+            <a:r>
+              <a:rPr lang="en-GB" u="sng" dirty="0">
+                <a:latin typeface="AdvOTea1a7398"/>
+                <a:sym typeface="Wingdings" panose="05000000000000000000" pitchFamily="2" charset="2"/>
+              </a:rPr>
+              <a:t>monoallelic</a:t>
+            </a:r>
+            <a:r>
+              <a:rPr lang="en-GB" dirty="0">
+                <a:latin typeface="AdvOTea1a7398"/>
+                <a:sym typeface="Wingdings" panose="05000000000000000000" pitchFamily="2" charset="2"/>
+              </a:rPr>
+              <a:t> expression than Weighted allocation.</a:t>
+            </a:r>
+          </a:p>
+          <a:p>
+            <a:pPr marL="285750" indent="-285750" algn="just">
+              <a:lnSpc>
+                <a:spcPct val="150000"/>
+              </a:lnSpc>
+              <a:buFont typeface="Arial" panose="020B0604020202020204" pitchFamily="34" charset="0"/>
+              <a:buChar char="•"/>
+            </a:pPr>
+            <a:r>
+              <a:rPr lang="en-GB" b="1" dirty="0">
+                <a:latin typeface="AdvOTea1a7398"/>
+                <a:sym typeface="Wingdings" panose="05000000000000000000" pitchFamily="2" charset="2"/>
+              </a:rPr>
+              <a:t>Weighted allocation</a:t>
+            </a:r>
+            <a:r>
+              <a:rPr lang="en-GB" dirty="0">
+                <a:latin typeface="AdvOTea1a7398"/>
+                <a:sym typeface="Wingdings" panose="05000000000000000000" pitchFamily="2" charset="2"/>
+              </a:rPr>
+              <a:t> detects </a:t>
+            </a:r>
+            <a:r>
+              <a:rPr lang="en-GB" u="sng" dirty="0">
+                <a:latin typeface="AdvOTea1a7398"/>
+                <a:sym typeface="Wingdings" panose="05000000000000000000" pitchFamily="2" charset="2"/>
+              </a:rPr>
+              <a:t>bi-allelic</a:t>
+            </a:r>
+            <a:r>
+              <a:rPr lang="en-GB" dirty="0">
+                <a:latin typeface="AdvOTea1a7398"/>
+                <a:sym typeface="Wingdings" panose="05000000000000000000" pitchFamily="2" charset="2"/>
+              </a:rPr>
+              <a:t> expression in more cells than Unique reads</a:t>
+            </a:r>
+            <a:r>
+              <a:rPr lang="en-GB" sz="1800" b="0" i="0" u="none" strike="noStrike" baseline="0" dirty="0">
+                <a:latin typeface="AdvOTea1a7398"/>
+                <a:sym typeface="Wingdings" panose="05000000000000000000" pitchFamily="2" charset="2"/>
+              </a:rPr>
+              <a:t>.</a:t>
+            </a:r>
+            <a:endParaRPr lang="en-GB" dirty="0"/>
+          </a:p>
+        </p:txBody>
+      </p:sp>
+      <p:sp>
+        <p:nvSpPr>
+          <p:cNvPr id="3" name="Slide Number Placeholder 2">
+            <a:extLst>
+              <a:ext uri="{FF2B5EF4-FFF2-40B4-BE49-F238E27FC236}">
+                <a16:creationId xmlns:a16="http://schemas.microsoft.com/office/drawing/2014/main" id="{CBB653B2-42A8-4F6C-B0F4-F7D79EF3996B}"/>
+              </a:ext>
+            </a:extLst>
+          </p:cNvPr>
+          <p:cNvSpPr>
+            <a:spLocks noGrp="1"/>
+          </p:cNvSpPr>
+          <p:nvPr>
+            <p:ph type="sldNum" sz="quarter" idx="12"/>
+          </p:nvPr>
+        </p:nvSpPr>
+        <p:spPr/>
+        <p:txBody>
+          <a:bodyPr/>
+          <a:lstStyle/>
+          <a:p>
+            <a:fld id="{7DC737F5-9EFA-41E0-A069-A1C0F1745FFE}" type="slidenum">
+              <a:rPr lang="el-GR" smtClean="0"/>
+              <a:t>19</a:t>
+            </a:fld>
+            <a:endParaRPr lang="el-GR"/>
+          </a:p>
+        </p:txBody>
+      </p:sp>
+    </p:spTree>
+    <p:extLst>
+      <p:ext uri="{BB962C8B-B14F-4D97-AF65-F5344CB8AC3E}">
+        <p14:creationId xmlns:p14="http://schemas.microsoft.com/office/powerpoint/2010/main" val="3927885287"/>
       </p:ext>
     </p:extLst>
   </p:cSld>
@@ -13980,7 +14195,7 @@
           <a:p>
             <a:r>
               <a:rPr lang="en-US" dirty="0"/>
-              <a:t>The algorithm: </a:t>
+              <a:t>The method: </a:t>
             </a:r>
             <a:r>
               <a:rPr lang="en-US" dirty="0" err="1"/>
@@ -16539,7 +16754,7 @@
                   </a:schemeClr>
                 </a:solidFill>
               </a:rPr>
-              <a:t>The algorithm: </a:t>
+              <a:t>The method: </a:t>
             </a:r>
             <a:r>
               <a:rPr lang="en-US" dirty="0" err="1">
@@ -16719,6 +16934,15 @@
           <a:p>
             <a:r>
               <a:rPr lang="en-GB" dirty="0"/>
+              <a:t>The effect of sequencing depth on the estimates were not actually characterized</a:t>
+            </a:r>
+          </a:p>
+          <a:p>
+            <a:endParaRPr lang="en-GB" dirty="0"/>
+          </a:p>
+          <a:p>
+            <a:r>
+              <a:rPr lang="en-GB" dirty="0"/>
               <a:t>Study done on data from cells in early development state -&gt; gene expression dynamic by nature . </a:t>
             </a:r>
           </a:p>
@@ -16729,15 +16953,6 @@
             <a:r>
               <a:rPr lang="en-GB" dirty="0"/>
               <a:t>A more thorough validation needed with other types of datasets and other types of cells. </a:t>
-            </a:r>
-          </a:p>
-          <a:p>
-            <a:endParaRPr lang="en-GB" dirty="0"/>
-          </a:p>
-          <a:p>
-            <a:r>
-              <a:rPr lang="en-GB" dirty="0"/>
-              <a:t>No comparison done with other algorithms in the field such as SCALE</a:t>
             </a:r>
           </a:p>
           <a:p>
@@ -16749,8 +16964,14 @@
           <a:p>
             <a:r>
               <a:rPr lang="en-GB" dirty="0"/>
-              <a:t> Low order of magnitude of genes detected as bi-allelic with weighted allocation and not with the unique reads method</a:t>
-            </a:r>
+              <a:t>No comparison done with other algorithms in the field such as SCALE</a:t>
+            </a:r>
+          </a:p>
+          <a:p>
+            <a:pPr marL="0" indent="0">
+              <a:buNone/>
+            </a:pPr>
+            <a:endParaRPr lang="en-GB" dirty="0"/>
           </a:p>
           <a:p>
             <a:pPr marL="0" indent="0">
@@ -17167,6 +17388,308 @@
 </p:sld>
 </file>
 
+<file path=ppt/slides/slide27.xml><?xml version="1.0" encoding="utf-8"?>
+<p:sld xmlns:a="http://schemas.openxmlformats.org/drawingml/2006/main" xmlns:r="http://schemas.openxmlformats.org/officeDocument/2006/relationships" xmlns:p="http://schemas.openxmlformats.org/presentationml/2006/main">
+  <p:cSld>
+    <p:spTree>
+      <p:nvGrpSpPr>
+        <p:cNvPr id="1" name=""/>
+        <p:cNvGrpSpPr/>
+        <p:nvPr/>
+      </p:nvGrpSpPr>
+      <p:grpSpPr>
+        <a:xfrm>
+          <a:off x="0" y="0"/>
+          <a:ext cx="0" cy="0"/>
+          <a:chOff x="0" y="0"/>
+          <a:chExt cx="0" cy="0"/>
+        </a:xfrm>
+      </p:grpSpPr>
+      <p:sp>
+        <p:nvSpPr>
+          <p:cNvPr id="2" name="Title 1">
+            <a:extLst>
+              <a:ext uri="{FF2B5EF4-FFF2-40B4-BE49-F238E27FC236}">
+                <a16:creationId xmlns:a16="http://schemas.microsoft.com/office/drawing/2014/main" id="{3595260B-8829-B244-8C7E-B442D6DC79BC}"/>
+              </a:ext>
+            </a:extLst>
+          </p:cNvPr>
+          <p:cNvSpPr>
+            <a:spLocks noGrp="1"/>
+          </p:cNvSpPr>
+          <p:nvPr>
+            <p:ph type="title"/>
+          </p:nvPr>
+        </p:nvSpPr>
+        <p:spPr/>
+        <p:txBody>
+          <a:bodyPr/>
+          <a:lstStyle/>
+          <a:p>
+            <a:r>
+              <a:rPr lang="en-US" dirty="0"/>
+              <a:t>Distribution of reads in dataset</a:t>
+            </a:r>
+          </a:p>
+        </p:txBody>
+      </p:sp>
+      <p:sp>
+        <p:nvSpPr>
+          <p:cNvPr id="3" name="Slide Number Placeholder 2">
+            <a:extLst>
+              <a:ext uri="{FF2B5EF4-FFF2-40B4-BE49-F238E27FC236}">
+                <a16:creationId xmlns:a16="http://schemas.microsoft.com/office/drawing/2014/main" id="{9B17D181-EA21-BF46-BDA7-1441F77E200D}"/>
+              </a:ext>
+            </a:extLst>
+          </p:cNvPr>
+          <p:cNvSpPr>
+            <a:spLocks noGrp="1"/>
+          </p:cNvSpPr>
+          <p:nvPr>
+            <p:ph type="sldNum" sz="quarter" idx="12"/>
+          </p:nvPr>
+        </p:nvSpPr>
+        <p:spPr/>
+        <p:txBody>
+          <a:bodyPr/>
+          <a:lstStyle/>
+          <a:p>
+            <a:fld id="{7DC737F5-9EFA-41E0-A069-A1C0F1745FFE}" type="slidenum">
+              <a:rPr lang="el-GR" smtClean="0"/>
+              <a:t>27</a:t>
+            </a:fld>
+            <a:endParaRPr lang="el-GR"/>
+          </a:p>
+        </p:txBody>
+      </p:sp>
+      <p:graphicFrame>
+        <p:nvGraphicFramePr>
+          <p:cNvPr id="4" name="Table 4">
+            <a:extLst>
+              <a:ext uri="{FF2B5EF4-FFF2-40B4-BE49-F238E27FC236}">
+                <a16:creationId xmlns:a16="http://schemas.microsoft.com/office/drawing/2014/main" id="{4841AEF7-BDA7-9944-AC8C-43FAD71A0D7D}"/>
+              </a:ext>
+            </a:extLst>
+          </p:cNvPr>
+          <p:cNvGraphicFramePr>
+            <a:graphicFrameLocks noGrp="1"/>
+          </p:cNvGraphicFramePr>
+          <p:nvPr>
+            <p:extLst>
+              <p:ext uri="{D42A27DB-BD31-4B8C-83A1-F6EECF244321}">
+                <p14:modId xmlns:p14="http://schemas.microsoft.com/office/powerpoint/2010/main" val="1750874587"/>
+              </p:ext>
+            </p:extLst>
+          </p:nvPr>
+        </p:nvGraphicFramePr>
+        <p:xfrm>
+          <a:off x="989012" y="2062689"/>
+          <a:ext cx="6997700" cy="3095096"/>
+        </p:xfrm>
+        <a:graphic>
+          <a:graphicData uri="http://schemas.openxmlformats.org/drawingml/2006/table">
+            <a:tbl>
+              <a:tblPr firstRow="1" bandRow="1">
+                <a:tableStyleId>{69012ECD-51FC-41F1-AA8D-1B2483CD663E}</a:tableStyleId>
+              </a:tblPr>
+              <a:tblGrid>
+                <a:gridCol w="3205957">
+                  <a:extLst>
+                    <a:ext uri="{9D8B030D-6E8A-4147-A177-3AD203B41FA5}">
+                      <a16:colId xmlns:a16="http://schemas.microsoft.com/office/drawing/2014/main" val="3654687306"/>
+                    </a:ext>
+                  </a:extLst>
+                </a:gridCol>
+                <a:gridCol w="3791743">
+                  <a:extLst>
+                    <a:ext uri="{9D8B030D-6E8A-4147-A177-3AD203B41FA5}">
+                      <a16:colId xmlns:a16="http://schemas.microsoft.com/office/drawing/2014/main" val="48380882"/>
+                    </a:ext>
+                  </a:extLst>
+                </a:gridCol>
+              </a:tblGrid>
+              <a:tr h="932972">
+                <a:tc>
+                  <a:txBody>
+                    <a:bodyPr/>
+                    <a:lstStyle/>
+                    <a:p>
+                      <a:r>
+                        <a:rPr lang="en-US" dirty="0"/>
+                        <a:t>Type of reads</a:t>
+                      </a:r>
+                    </a:p>
+                  </a:txBody>
+                  <a:tcPr/>
+                </a:tc>
+                <a:tc>
+                  <a:txBody>
+                    <a:bodyPr/>
+                    <a:lstStyle/>
+                    <a:p>
+                      <a:r>
+                        <a:rPr lang="en-US" dirty="0"/>
+                        <a:t>Percentage of total number of reads (%)</a:t>
+                      </a:r>
+                    </a:p>
+                  </a:txBody>
+                  <a:tcPr/>
+                </a:tc>
+                <a:extLst>
+                  <a:ext uri="{0D108BD9-81ED-4DB2-BD59-A6C34878D82A}">
+                    <a16:rowId xmlns:a16="http://schemas.microsoft.com/office/drawing/2014/main" val="2773146633"/>
+                  </a:ext>
+                </a:extLst>
+              </a:tr>
+              <a:tr h="540531">
+                <a:tc>
+                  <a:txBody>
+                    <a:bodyPr/>
+                    <a:lstStyle/>
+                    <a:p>
+                      <a:r>
+                        <a:rPr lang="en-US" dirty="0"/>
+                        <a:t>Unique reads</a:t>
+                      </a:r>
+                    </a:p>
+                  </a:txBody>
+                  <a:tcPr/>
+                </a:tc>
+                <a:tc>
+                  <a:txBody>
+                    <a:bodyPr/>
+                    <a:lstStyle/>
+                    <a:p>
+                      <a:r>
+                        <a:rPr lang="en-US" dirty="0"/>
+                        <a:t>14.9</a:t>
+                      </a:r>
+                    </a:p>
+                  </a:txBody>
+                  <a:tcPr/>
+                </a:tc>
+                <a:extLst>
+                  <a:ext uri="{0D108BD9-81ED-4DB2-BD59-A6C34878D82A}">
+                    <a16:rowId xmlns:a16="http://schemas.microsoft.com/office/drawing/2014/main" val="64664186"/>
+                  </a:ext>
+                </a:extLst>
+              </a:tr>
+              <a:tr h="540531">
+                <a:tc>
+                  <a:txBody>
+                    <a:bodyPr/>
+                    <a:lstStyle/>
+                    <a:p>
+                      <a:r>
+                        <a:rPr lang="en-US" dirty="0"/>
+                        <a:t>Allelic multi-reads</a:t>
+                      </a:r>
+                    </a:p>
+                  </a:txBody>
+                  <a:tcPr/>
+                </a:tc>
+                <a:tc>
+                  <a:txBody>
+                    <a:bodyPr/>
+                    <a:lstStyle/>
+                    <a:p>
+                      <a:r>
+                        <a:rPr lang="en-US" dirty="0"/>
+                        <a:t>59.3</a:t>
+                      </a:r>
+                    </a:p>
+                  </a:txBody>
+                  <a:tcPr/>
+                </a:tc>
+                <a:extLst>
+                  <a:ext uri="{0D108BD9-81ED-4DB2-BD59-A6C34878D82A}">
+                    <a16:rowId xmlns:a16="http://schemas.microsoft.com/office/drawing/2014/main" val="3536338376"/>
+                  </a:ext>
+                </a:extLst>
+              </a:tr>
+              <a:tr h="540531">
+                <a:tc>
+                  <a:txBody>
+                    <a:bodyPr/>
+                    <a:lstStyle/>
+                    <a:p>
+                      <a:r>
+                        <a:rPr lang="en-US" dirty="0"/>
+                        <a:t>Genomic multi-reads</a:t>
+                      </a:r>
+                    </a:p>
+                  </a:txBody>
+                  <a:tcPr/>
+                </a:tc>
+                <a:tc>
+                  <a:txBody>
+                    <a:bodyPr/>
+                    <a:lstStyle/>
+                    <a:p>
+                      <a:r>
+                        <a:rPr lang="en-US" dirty="0"/>
+                        <a:t>2.5</a:t>
+                      </a:r>
+                    </a:p>
+                  </a:txBody>
+                  <a:tcPr/>
+                </a:tc>
+                <a:extLst>
+                  <a:ext uri="{0D108BD9-81ED-4DB2-BD59-A6C34878D82A}">
+                    <a16:rowId xmlns:a16="http://schemas.microsoft.com/office/drawing/2014/main" val="1180875455"/>
+                  </a:ext>
+                </a:extLst>
+              </a:tr>
+              <a:tr h="540531">
+                <a:tc>
+                  <a:txBody>
+                    <a:bodyPr/>
+                    <a:lstStyle/>
+                    <a:p>
+                      <a:r>
+                        <a:rPr lang="en-US" dirty="0"/>
+                        <a:t>Complex multi-reads</a:t>
+                      </a:r>
+                    </a:p>
+                  </a:txBody>
+                  <a:tcPr/>
+                </a:tc>
+                <a:tc>
+                  <a:txBody>
+                    <a:bodyPr/>
+                    <a:lstStyle/>
+                    <a:p>
+                      <a:r>
+                        <a:rPr lang="en-US" dirty="0"/>
+                        <a:t>23.3</a:t>
+                      </a:r>
+                    </a:p>
+                  </a:txBody>
+                  <a:tcPr/>
+                </a:tc>
+                <a:extLst>
+                  <a:ext uri="{0D108BD9-81ED-4DB2-BD59-A6C34878D82A}">
+                    <a16:rowId xmlns:a16="http://schemas.microsoft.com/office/drawing/2014/main" val="464606553"/>
+                  </a:ext>
+                </a:extLst>
+              </a:tr>
+            </a:tbl>
+          </a:graphicData>
+        </a:graphic>
+      </p:graphicFrame>
+    </p:spTree>
+    <p:extLst>
+      <p:ext uri="{BB962C8B-B14F-4D97-AF65-F5344CB8AC3E}">
+        <p14:creationId xmlns:p14="http://schemas.microsoft.com/office/powerpoint/2010/main" val="494195606"/>
+      </p:ext>
+    </p:extLst>
+  </p:cSld>
+  <p:clrMapOvr>
+    <a:masterClrMapping/>
+  </p:clrMapOvr>
+</p:sld>
+</file>
+
 <file path=ppt/slides/slide3.xml><?xml version="1.0" encoding="utf-8"?>
 <p:sld xmlns:a="http://schemas.openxmlformats.org/drawingml/2006/main" xmlns:r="http://schemas.openxmlformats.org/officeDocument/2006/relationships" xmlns:p="http://schemas.openxmlformats.org/presentationml/2006/main">
   <p:cSld>
@@ -17255,7 +17778,7 @@
                   </a:schemeClr>
                 </a:solidFill>
               </a:rPr>
-              <a:t>The algorithm: </a:t>
+              <a:t>The method: </a:t>
             </a:r>
             <a:r>
               <a:rPr lang="en-US" dirty="0" err="1">
@@ -19116,7 +19639,12 @@
             <p:ph type="title"/>
           </p:nvPr>
         </p:nvSpPr>
-        <p:spPr/>
+        <p:spPr>
+          <a:xfrm>
+            <a:off x="838200" y="365125"/>
+            <a:ext cx="10515600" cy="1006475"/>
+          </a:xfrm>
+        </p:spPr>
         <p:txBody>
           <a:bodyPr/>
           <a:lstStyle/>
@@ -19131,7 +19659,7 @@
             </a:r>
             <a:r>
               <a:rPr lang="en-US" dirty="0"/>
-              <a:t> algorithm </a:t>
+              <a:t>  </a:t>
             </a:r>
           </a:p>
         </p:txBody>
@@ -19151,7 +19679,7 @@
         <p:spPr>
           <a:xfrm>
             <a:off x="838200" y="1857375"/>
-            <a:ext cx="9134475" cy="6032421"/>
+            <a:ext cx="9134475" cy="5047536"/>
           </a:xfrm>
           <a:prstGeom prst="rect">
             <a:avLst/>
@@ -19191,7 +19719,7 @@
             </a:pPr>
             <a:r>
               <a:rPr lang="en-US" sz="2800" dirty="0"/>
-              <a:t>Share information across cells in the same ASE states to improve estimates of allelic proportions -&gt; </a:t>
+              <a:t>Improve estimates of allelic proportions by sharing information across cells in the same ASE states  -&gt; </a:t>
             </a:r>
             <a:r>
               <a:rPr lang="en-US" sz="2800" dirty="0">
@@ -19206,20 +19734,6 @@
             <a:endParaRPr lang="en-US" dirty="0"/>
           </a:p>
           <a:p>
-            <a:r>
-              <a:rPr lang="en-US" sz="3200" b="1" dirty="0"/>
-              <a:t>GOAL: </a:t>
-            </a:r>
-            <a:r>
-              <a:rPr lang="en-US" sz="3200" dirty="0"/>
-              <a:t>Accurately classify genes as biallelic , maternal monoallelic or paternal monoallelic</a:t>
-            </a:r>
-          </a:p>
-          <a:p>
-            <a:pPr marL="285750" indent="-285750">
-              <a:buFont typeface="Arial" panose="020B0604020202020204" pitchFamily="34" charset="0"/>
-              <a:buChar char="•"/>
-            </a:pPr>
             <a:endParaRPr lang="en-US" dirty="0"/>
           </a:p>
           <a:p>
@@ -19404,55 +19918,6 @@
                       </p:childTnLst>
                     </p:cTn>
                   </p:par>
-                  <p:par>
-                    <p:cTn id="11" fill="hold">
-                      <p:stCondLst>
-                        <p:cond delay="indefinite"/>
-                      </p:stCondLst>
-                      <p:childTnLst>
-                        <p:par>
-                          <p:cTn id="12" fill="hold">
-                            <p:stCondLst>
-                              <p:cond delay="0"/>
-                            </p:stCondLst>
-                            <p:childTnLst>
-                              <p:par>
-                                <p:cTn id="13" presetID="1" presetClass="entr" presetSubtype="0" fill="hold" nodeType="clickEffect">
-                                  <p:stCondLst>
-                                    <p:cond delay="0"/>
-                                  </p:stCondLst>
-                                  <p:childTnLst>
-                                    <p:set>
-                                      <p:cBhvr>
-                                        <p:cTn id="14" dur="1" fill="hold">
-                                          <p:stCondLst>
-                                            <p:cond delay="0"/>
-                                          </p:stCondLst>
-                                        </p:cTn>
-                                        <p:tgtEl>
-                                          <p:spTgt spid="3">
-                                            <p:txEl>
-                                              <p:pRg st="4" end="4"/>
-                                            </p:txEl>
-                                          </p:spTgt>
-                                        </p:tgtEl>
-                                        <p:attrNameLst>
-                                          <p:attrName>style.visibility</p:attrName>
-                                        </p:attrNameLst>
-                                      </p:cBhvr>
-                                      <p:to>
-                                        <p:strVal val="visible"/>
-                                      </p:to>
-                                    </p:set>
-                                  </p:childTnLst>
-                                </p:cTn>
-                              </p:par>
-                            </p:childTnLst>
-                          </p:cTn>
-                        </p:par>
-                      </p:childTnLst>
-                    </p:cTn>
-                  </p:par>
                 </p:childTnLst>
               </p:cTn>
               <p:prevCondLst>
@@ -19566,7 +20031,7 @@
           <a:p>
             <a:r>
               <a:rPr lang="en-US" dirty="0"/>
-              <a:t>The algorithm: </a:t>
+              <a:t>The method: </a:t>
             </a:r>
             <a:r>
               <a:rPr lang="en-US" dirty="0" err="1"/>
